--- a/Diapo_soutenance_anim.pptx
+++ b/Diapo_soutenance_anim.pptx
@@ -5,10 +5,10 @@
     <p:sldMasterId id="2147483651" r:id="rId1"/>
   </p:sldMasterIdLst>
   <p:notesMasterIdLst>
-    <p:notesMasterId r:id="rId20"/>
+    <p:notesMasterId r:id="rId22"/>
   </p:notesMasterIdLst>
   <p:handoutMasterIdLst>
-    <p:handoutMasterId r:id="rId21"/>
+    <p:handoutMasterId r:id="rId23"/>
   </p:handoutMasterIdLst>
   <p:sldIdLst>
     <p:sldId id="280" r:id="rId2"/>
@@ -20,15 +20,17 @@
     <p:sldId id="289" r:id="rId8"/>
     <p:sldId id="286" r:id="rId9"/>
     <p:sldId id="282" r:id="rId10"/>
-    <p:sldId id="285" r:id="rId11"/>
-    <p:sldId id="292" r:id="rId12"/>
-    <p:sldId id="293" r:id="rId13"/>
-    <p:sldId id="294" r:id="rId14"/>
-    <p:sldId id="290" r:id="rId15"/>
-    <p:sldId id="283" r:id="rId16"/>
-    <p:sldId id="295" r:id="rId17"/>
-    <p:sldId id="291" r:id="rId18"/>
-    <p:sldId id="284" r:id="rId19"/>
+    <p:sldId id="296" r:id="rId11"/>
+    <p:sldId id="285" r:id="rId12"/>
+    <p:sldId id="292" r:id="rId13"/>
+    <p:sldId id="293" r:id="rId14"/>
+    <p:sldId id="294" r:id="rId15"/>
+    <p:sldId id="290" r:id="rId16"/>
+    <p:sldId id="283" r:id="rId17"/>
+    <p:sldId id="297" r:id="rId18"/>
+    <p:sldId id="295" r:id="rId19"/>
+    <p:sldId id="291" r:id="rId20"/>
+    <p:sldId id="284" r:id="rId21"/>
   </p:sldIdLst>
   <p:sldSz cx="9144000" cy="6858000" type="screen4x3"/>
   <p:notesSz cx="6858000" cy="9144000"/>
@@ -141,12 +143,14 @@
             <p14:sldId id="289"/>
             <p14:sldId id="286"/>
             <p14:sldId id="282"/>
+            <p14:sldId id="296"/>
             <p14:sldId id="285"/>
             <p14:sldId id="292"/>
             <p14:sldId id="293"/>
             <p14:sldId id="294"/>
             <p14:sldId id="290"/>
             <p14:sldId id="283"/>
+            <p14:sldId id="297"/>
             <p14:sldId id="295"/>
             <p14:sldId id="291"/>
             <p14:sldId id="284"/>
@@ -3562,7 +3566,7 @@
   </p:clrMapOvr>
   <mc:AlternateContent xmlns:mc="http://schemas.openxmlformats.org/markup-compatibility/2006">
     <mc:Choice xmlns:p14="http://schemas.microsoft.com/office/powerpoint/2010/main" Requires="p14">
-      <p:transition p14:dur="0"/>
+      <p:transition p14:dur="10"/>
     </mc:Choice>
     <mc:Fallback>
       <p:transition/>
@@ -3579,6 +3583,142 @@
 </file>
 
 <file path=ppt/slides/slide10.xml><?xml version="1.0" encoding="utf-8"?>
+<p:sld xmlns:a="http://schemas.openxmlformats.org/drawingml/2006/main" xmlns:r="http://schemas.openxmlformats.org/officeDocument/2006/relationships" xmlns:p="http://schemas.openxmlformats.org/presentationml/2006/main">
+  <p:cSld>
+    <p:spTree>
+      <p:nvGrpSpPr>
+        <p:cNvPr id="1" name=""/>
+        <p:cNvGrpSpPr/>
+        <p:nvPr/>
+      </p:nvGrpSpPr>
+      <p:grpSpPr>
+        <a:xfrm>
+          <a:off x="0" y="0"/>
+          <a:ext cx="0" cy="0"/>
+          <a:chOff x="0" y="0"/>
+          <a:chExt cx="0" cy="0"/>
+        </a:xfrm>
+      </p:grpSpPr>
+      <p:sp>
+        <p:nvSpPr>
+          <p:cNvPr id="3" name="Titre 2"/>
+          <p:cNvSpPr>
+            <a:spLocks noGrp="1"/>
+          </p:cNvSpPr>
+          <p:nvPr>
+            <p:ph type="title"/>
+          </p:nvPr>
+        </p:nvSpPr>
+        <p:spPr/>
+        <p:txBody>
+          <a:bodyPr/>
+          <a:lstStyle/>
+          <a:p>
+            <a:r>
+              <a:rPr lang="fr-FR" dirty="0">
+                <a:solidFill>
+                  <a:schemeClr val="tx1"/>
+                </a:solidFill>
+              </a:rPr>
+              <a:t>3 - </a:t>
+            </a:r>
+            <a:r>
+              <a:rPr lang="fr-FR" dirty="0" smtClean="0">
+                <a:solidFill>
+                  <a:schemeClr val="tx1"/>
+                </a:solidFill>
+              </a:rPr>
+              <a:t>Conception</a:t>
+            </a:r>
+            <a:endParaRPr lang="fr-FR" dirty="0">
+              <a:solidFill>
+                <a:schemeClr val="tx1"/>
+              </a:solidFill>
+            </a:endParaRPr>
+          </a:p>
+        </p:txBody>
+      </p:sp>
+      <p:sp>
+        <p:nvSpPr>
+          <p:cNvPr id="4" name="Espace réservé du texte 3"/>
+          <p:cNvSpPr>
+            <a:spLocks noGrp="1"/>
+          </p:cNvSpPr>
+          <p:nvPr>
+            <p:ph type="body" sz="quarter" idx="13"/>
+          </p:nvPr>
+        </p:nvSpPr>
+        <p:spPr>
+          <a:xfrm>
+            <a:off x="2159732" y="436300"/>
+            <a:ext cx="4608512" cy="423109"/>
+          </a:xfrm>
+        </p:spPr>
+        <p:txBody>
+          <a:bodyPr/>
+          <a:lstStyle/>
+          <a:p>
+            <a:pPr algn="ctr"/>
+            <a:r>
+              <a:rPr lang="fr-FR" sz="2000" dirty="0" smtClean="0"/>
+              <a:t>Architecture détaillée</a:t>
+            </a:r>
+            <a:endParaRPr lang="fr-FR" sz="2000" dirty="0"/>
+          </a:p>
+        </p:txBody>
+      </p:sp>
+      <p:pic>
+        <p:nvPicPr>
+          <p:cNvPr id="6" name="Image 5"/>
+          <p:cNvPicPr/>
+          <p:nvPr/>
+        </p:nvPicPr>
+        <p:blipFill>
+          <a:blip r:embed="rId2">
+            <a:extLst>
+              <a:ext uri="{28A0092B-C50C-407E-A947-70E740481C1C}">
+                <a14:useLocalDpi xmlns:a14="http://schemas.microsoft.com/office/drawing/2010/main" val="0"/>
+              </a:ext>
+            </a:extLst>
+          </a:blip>
+          <a:stretch>
+            <a:fillRect/>
+          </a:stretch>
+        </p:blipFill>
+        <p:spPr>
+          <a:xfrm>
+            <a:off x="179512" y="1196752"/>
+            <a:ext cx="8856984" cy="4464496"/>
+          </a:xfrm>
+          <a:prstGeom prst="rect">
+            <a:avLst/>
+          </a:prstGeom>
+        </p:spPr>
+      </p:pic>
+    </p:spTree>
+    <p:extLst>
+      <p:ext uri="{BB962C8B-B14F-4D97-AF65-F5344CB8AC3E}">
+        <p14:creationId xmlns:p14="http://schemas.microsoft.com/office/powerpoint/2010/main" val="1839077540"/>
+      </p:ext>
+    </p:extLst>
+  </p:cSld>
+  <p:clrMapOvr>
+    <a:masterClrMapping/>
+  </p:clrMapOvr>
+  <p:transition spd="med">
+    <p:pull/>
+  </p:transition>
+  <p:timing>
+    <p:tnLst>
+      <p:par>
+        <p:cTn id="1" dur="indefinite" restart="never" nodeType="tmRoot"/>
+      </p:par>
+    </p:tnLst>
+  </p:timing>
+</p:sld>
+</file>
+
+<file path=ppt/slides/slide11.xml><?xml version="1.0" encoding="utf-8"?>
 <p:sld xmlns:a="http://schemas.openxmlformats.org/drawingml/2006/main" xmlns:r="http://schemas.openxmlformats.org/officeDocument/2006/relationships" xmlns:p="http://schemas.openxmlformats.org/presentationml/2006/main">
   <p:cSld>
     <p:spTree>
@@ -3701,6 +3841,9 @@
   <p:clrMapOvr>
     <a:masterClrMapping/>
   </p:clrMapOvr>
+  <p:transition spd="med">
+    <p:pull/>
+  </p:transition>
   <p:timing>
     <p:tnLst>
       <p:par>
@@ -3711,7 +3854,7 @@
 </p:sld>
 </file>
 
-<file path=ppt/slides/slide11.xml><?xml version="1.0" encoding="utf-8"?>
+<file path=ppt/slides/slide12.xml><?xml version="1.0" encoding="utf-8"?>
 <p:sld xmlns:a="http://schemas.openxmlformats.org/drawingml/2006/main" xmlns:r="http://schemas.openxmlformats.org/officeDocument/2006/relationships" xmlns:p="http://schemas.openxmlformats.org/presentationml/2006/main">
   <p:cSld>
     <p:spTree>
@@ -3912,6 +4055,9 @@
   <p:clrMapOvr>
     <a:masterClrMapping/>
   </p:clrMapOvr>
+  <p:transition spd="med">
+    <p:pull/>
+  </p:transition>
   <p:timing>
     <p:tnLst>
       <p:par>
@@ -4129,7 +4275,7 @@
 </p:sld>
 </file>
 
-<file path=ppt/slides/slide12.xml><?xml version="1.0" encoding="utf-8"?>
+<file path=ppt/slides/slide13.xml><?xml version="1.0" encoding="utf-8"?>
 <p:sld xmlns:a="http://schemas.openxmlformats.org/drawingml/2006/main" xmlns:r="http://schemas.openxmlformats.org/officeDocument/2006/relationships" xmlns:p="http://schemas.openxmlformats.org/presentationml/2006/main">
   <p:cSld>
     <p:spTree>
@@ -4275,6 +4421,9 @@
   <p:clrMapOvr>
     <a:masterClrMapping/>
   </p:clrMapOvr>
+  <p:transition spd="med">
+    <p:pull/>
+  </p:transition>
   <p:timing>
     <p:tnLst>
       <p:par>
@@ -4285,7 +4434,7 @@
 </p:sld>
 </file>
 
-<file path=ppt/slides/slide13.xml><?xml version="1.0" encoding="utf-8"?>
+<file path=ppt/slides/slide14.xml><?xml version="1.0" encoding="utf-8"?>
 <p:sld xmlns:a="http://schemas.openxmlformats.org/drawingml/2006/main" xmlns:r="http://schemas.openxmlformats.org/officeDocument/2006/relationships" xmlns:p="http://schemas.openxmlformats.org/presentationml/2006/main">
   <p:cSld>
     <p:spTree>
@@ -4463,6 +4612,9 @@
   <p:clrMapOvr>
     <a:masterClrMapping/>
   </p:clrMapOvr>
+  <p:transition spd="med">
+    <p:pull/>
+  </p:transition>
   <p:timing>
     <p:tnLst>
       <p:par>
@@ -4576,7 +4728,7 @@
 </p:sld>
 </file>
 
-<file path=ppt/slides/slide14.xml><?xml version="1.0" encoding="utf-8"?>
+<file path=ppt/slides/slide15.xml><?xml version="1.0" encoding="utf-8"?>
 <p:sld xmlns:a="http://schemas.openxmlformats.org/drawingml/2006/main" xmlns:r="http://schemas.openxmlformats.org/officeDocument/2006/relationships" xmlns:p="http://schemas.openxmlformats.org/presentationml/2006/main">
   <p:cSld>
     <p:spTree>
@@ -4657,6 +4809,9 @@
   <p:clrMapOvr>
     <a:masterClrMapping/>
   </p:clrMapOvr>
+  <p:transition spd="med">
+    <p:pull/>
+  </p:transition>
   <p:timing>
     <p:tnLst>
       <p:par>
@@ -4667,7 +4822,7 @@
 </p:sld>
 </file>
 
-<file path=ppt/slides/slide15.xml><?xml version="1.0" encoding="utf-8"?>
+<file path=ppt/slides/slide16.xml><?xml version="1.0" encoding="utf-8"?>
 <p:sld xmlns:a="http://schemas.openxmlformats.org/drawingml/2006/main" xmlns:r="http://schemas.openxmlformats.org/officeDocument/2006/relationships" xmlns:p="http://schemas.openxmlformats.org/presentationml/2006/main">
   <p:cSld>
     <p:spTree>
@@ -4980,6 +5135,9 @@
   <p:clrMapOvr>
     <a:masterClrMapping/>
   </p:clrMapOvr>
+  <p:transition spd="med">
+    <p:pull/>
+  </p:transition>
   <p:timing>
     <p:tnLst>
       <p:par>
@@ -5436,7 +5594,148 @@
 </p:sld>
 </file>
 
-<file path=ppt/slides/slide16.xml><?xml version="1.0" encoding="utf-8"?>
+<file path=ppt/slides/slide17.xml><?xml version="1.0" encoding="utf-8"?>
+<p:sld xmlns:a="http://schemas.openxmlformats.org/drawingml/2006/main" xmlns:r="http://schemas.openxmlformats.org/officeDocument/2006/relationships" xmlns:p="http://schemas.openxmlformats.org/presentationml/2006/main">
+  <p:cSld>
+    <p:spTree>
+      <p:nvGrpSpPr>
+        <p:cNvPr id="1" name=""/>
+        <p:cNvGrpSpPr/>
+        <p:nvPr/>
+      </p:nvGrpSpPr>
+      <p:grpSpPr>
+        <a:xfrm>
+          <a:off x="0" y="0"/>
+          <a:ext cx="0" cy="0"/>
+          <a:chOff x="0" y="0"/>
+          <a:chExt cx="0" cy="0"/>
+        </a:xfrm>
+      </p:grpSpPr>
+      <p:sp>
+        <p:nvSpPr>
+          <p:cNvPr id="3" name="Titre 2"/>
+          <p:cNvSpPr>
+            <a:spLocks noGrp="1"/>
+          </p:cNvSpPr>
+          <p:nvPr>
+            <p:ph type="title"/>
+          </p:nvPr>
+        </p:nvSpPr>
+        <p:spPr/>
+        <p:txBody>
+          <a:bodyPr/>
+          <a:lstStyle/>
+          <a:p>
+            <a:r>
+              <a:rPr lang="fr-FR" dirty="0">
+                <a:solidFill>
+                  <a:schemeClr val="tx1"/>
+                </a:solidFill>
+              </a:rPr>
+              <a:t>4 – Réalisation et </a:t>
+            </a:r>
+            <a:r>
+              <a:rPr lang="fr-FR" dirty="0" smtClean="0">
+                <a:solidFill>
+                  <a:schemeClr val="tx1"/>
+                </a:solidFill>
+              </a:rPr>
+              <a:t>tests</a:t>
+            </a:r>
+            <a:endParaRPr lang="fr-FR" dirty="0">
+              <a:solidFill>
+                <a:schemeClr val="tx1"/>
+              </a:solidFill>
+            </a:endParaRPr>
+          </a:p>
+        </p:txBody>
+      </p:sp>
+      <p:sp>
+        <p:nvSpPr>
+          <p:cNvPr id="4" name="Espace réservé du texte 3"/>
+          <p:cNvSpPr>
+            <a:spLocks noGrp="1"/>
+          </p:cNvSpPr>
+          <p:nvPr>
+            <p:ph type="body" sz="quarter" idx="13"/>
+          </p:nvPr>
+        </p:nvSpPr>
+        <p:spPr>
+          <a:xfrm>
+            <a:off x="2699792" y="539935"/>
+            <a:ext cx="4608512" cy="423109"/>
+          </a:xfrm>
+        </p:spPr>
+        <p:txBody>
+          <a:bodyPr/>
+          <a:lstStyle/>
+          <a:p>
+            <a:pPr algn="l"/>
+            <a:r>
+              <a:rPr lang="fr-FR" sz="2000" dirty="0" smtClean="0"/>
+              <a:t>Résultat avec le PCB</a:t>
+            </a:r>
+            <a:endParaRPr lang="fr-FR" sz="2000" dirty="0"/>
+          </a:p>
+        </p:txBody>
+      </p:sp>
+      <p:pic>
+        <p:nvPicPr>
+          <p:cNvPr id="11" name="Image 10" descr="C:\Users\t0264096\Documents\Stage Marvyn Pannetier\photo oscilloscope\photo oscilloscope\200kHz\tek00001.png"/>
+          <p:cNvPicPr/>
+          <p:nvPr/>
+        </p:nvPicPr>
+        <p:blipFill>
+          <a:blip r:embed="rId2">
+            <a:extLst>
+              <a:ext uri="{28A0092B-C50C-407E-A947-70E740481C1C}">
+                <a14:useLocalDpi xmlns:a14="http://schemas.microsoft.com/office/drawing/2010/main" val="0"/>
+              </a:ext>
+            </a:extLst>
+          </a:blip>
+          <a:srcRect/>
+          <a:stretch>
+            <a:fillRect/>
+          </a:stretch>
+        </p:blipFill>
+        <p:spPr bwMode="auto">
+          <a:xfrm>
+            <a:off x="971600" y="1340768"/>
+            <a:ext cx="7314049" cy="4477663"/>
+          </a:xfrm>
+          <a:prstGeom prst="rect">
+            <a:avLst/>
+          </a:prstGeom>
+          <a:noFill/>
+          <a:ln>
+            <a:noFill/>
+          </a:ln>
+        </p:spPr>
+      </p:pic>
+    </p:spTree>
+    <p:extLst>
+      <p:ext uri="{BB962C8B-B14F-4D97-AF65-F5344CB8AC3E}">
+        <p14:creationId xmlns:p14="http://schemas.microsoft.com/office/powerpoint/2010/main" val="397865690"/>
+      </p:ext>
+    </p:extLst>
+  </p:cSld>
+  <p:clrMapOvr>
+    <a:masterClrMapping/>
+  </p:clrMapOvr>
+  <p:transition spd="med">
+    <p:pull/>
+  </p:transition>
+  <p:timing>
+    <p:tnLst>
+      <p:par>
+        <p:cTn id="1" dur="indefinite" restart="never" nodeType="tmRoot"/>
+      </p:par>
+    </p:tnLst>
+  </p:timing>
+</p:sld>
+</file>
+
+<file path=ppt/slides/slide18.xml><?xml version="1.0" encoding="utf-8"?>
 <p:sld xmlns:a="http://schemas.openxmlformats.org/drawingml/2006/main" xmlns:r="http://schemas.openxmlformats.org/officeDocument/2006/relationships" xmlns:p="http://schemas.openxmlformats.org/presentationml/2006/main">
   <p:cSld>
     <p:spTree>
@@ -5844,6 +6143,9 @@
   <p:clrMapOvr>
     <a:masterClrMapping/>
   </p:clrMapOvr>
+  <p:transition spd="med">
+    <p:pull/>
+  </p:transition>
   <p:timing>
     <p:tnLst>
       <p:par>
@@ -5854,7 +6156,7 @@
 </p:sld>
 </file>
 
-<file path=ppt/slides/slide17.xml><?xml version="1.0" encoding="utf-8"?>
+<file path=ppt/slides/slide19.xml><?xml version="1.0" encoding="utf-8"?>
 <p:sld xmlns:a="http://schemas.openxmlformats.org/drawingml/2006/main" xmlns:r="http://schemas.openxmlformats.org/officeDocument/2006/relationships" xmlns:p="http://schemas.openxmlformats.org/presentationml/2006/main">
   <p:cSld>
     <p:spTree>
@@ -5939,808 +6241,15 @@
   <p:clrMapOvr>
     <a:masterClrMapping/>
   </p:clrMapOvr>
+  <p:transition spd="med">
+    <p:pull/>
+  </p:transition>
   <p:timing>
     <p:tnLst>
       <p:par>
         <p:cTn id="1" dur="indefinite" restart="never" nodeType="tmRoot"/>
       </p:par>
     </p:tnLst>
-  </p:timing>
-</p:sld>
-</file>
-
-<file path=ppt/slides/slide18.xml><?xml version="1.0" encoding="utf-8"?>
-<p:sld xmlns:a="http://schemas.openxmlformats.org/drawingml/2006/main" xmlns:r="http://schemas.openxmlformats.org/officeDocument/2006/relationships" xmlns:p="http://schemas.openxmlformats.org/presentationml/2006/main">
-  <p:cSld>
-    <p:spTree>
-      <p:nvGrpSpPr>
-        <p:cNvPr id="1" name=""/>
-        <p:cNvGrpSpPr/>
-        <p:nvPr/>
-      </p:nvGrpSpPr>
-      <p:grpSpPr>
-        <a:xfrm>
-          <a:off x="0" y="0"/>
-          <a:ext cx="0" cy="0"/>
-          <a:chOff x="0" y="0"/>
-          <a:chExt cx="0" cy="0"/>
-        </a:xfrm>
-      </p:grpSpPr>
-      <p:sp>
-        <p:nvSpPr>
-          <p:cNvPr id="3" name="Titre 2"/>
-          <p:cNvSpPr>
-            <a:spLocks noGrp="1"/>
-          </p:cNvSpPr>
-          <p:nvPr>
-            <p:ph type="title"/>
-          </p:nvPr>
-        </p:nvSpPr>
-        <p:spPr/>
-        <p:txBody>
-          <a:bodyPr/>
-          <a:lstStyle/>
-          <a:p>
-            <a:endParaRPr lang="fr-FR"/>
-          </a:p>
-        </p:txBody>
-      </p:sp>
-      <p:pic>
-        <p:nvPicPr>
-          <p:cNvPr id="6" name="Image 5"/>
-          <p:cNvPicPr>
-            <a:picLocks noChangeAspect="1"/>
-          </p:cNvPicPr>
-          <p:nvPr/>
-        </p:nvPicPr>
-        <p:blipFill>
-          <a:blip r:embed="rId2">
-            <a:extLst>
-              <a:ext uri="{28A0092B-C50C-407E-A947-70E740481C1C}">
-                <a14:useLocalDpi xmlns:a14="http://schemas.microsoft.com/office/drawing/2010/main" val="0"/>
-              </a:ext>
-            </a:extLst>
-          </a:blip>
-          <a:stretch>
-            <a:fillRect/>
-          </a:stretch>
-        </p:blipFill>
-        <p:spPr>
-          <a:xfrm>
-            <a:off x="3851920" y="3645024"/>
-            <a:ext cx="1800200" cy="1795012"/>
-          </a:xfrm>
-          <a:prstGeom prst="rect">
-            <a:avLst/>
-          </a:prstGeom>
-        </p:spPr>
-      </p:pic>
-      <p:sp>
-        <p:nvSpPr>
-          <p:cNvPr id="7" name="ZoneTexte 6"/>
-          <p:cNvSpPr txBox="1"/>
-          <p:nvPr/>
-        </p:nvSpPr>
-        <p:spPr>
-          <a:xfrm>
-            <a:off x="0" y="1268760"/>
-            <a:ext cx="9144000" cy="830997"/>
-          </a:xfrm>
-          <a:prstGeom prst="rect">
-            <a:avLst/>
-          </a:prstGeom>
-          <a:noFill/>
-        </p:spPr>
-        <p:txBody>
-          <a:bodyPr wrap="square" rtlCol="0">
-            <a:spAutoFit/>
-          </a:bodyPr>
-          <a:lstStyle/>
-          <a:p>
-            <a:pPr algn="ctr"/>
-            <a:r>
-              <a:rPr lang="fr-FR" sz="4800" b="1" dirty="0" smtClean="0"/>
-              <a:t>Merci pour votre attention</a:t>
-            </a:r>
-            <a:endParaRPr lang="fr-FR" sz="4800" b="1" dirty="0"/>
-          </a:p>
-        </p:txBody>
-      </p:sp>
-      <p:sp>
-        <p:nvSpPr>
-          <p:cNvPr id="8" name="ZoneTexte 7"/>
-          <p:cNvSpPr txBox="1"/>
-          <p:nvPr/>
-        </p:nvSpPr>
-        <p:spPr>
-          <a:xfrm>
-            <a:off x="0" y="2814027"/>
-            <a:ext cx="9144000" cy="830997"/>
-          </a:xfrm>
-          <a:prstGeom prst="rect">
-            <a:avLst/>
-          </a:prstGeom>
-          <a:noFill/>
-        </p:spPr>
-        <p:txBody>
-          <a:bodyPr wrap="square" rtlCol="0">
-            <a:spAutoFit/>
-          </a:bodyPr>
-          <a:lstStyle/>
-          <a:p>
-            <a:pPr algn="ctr"/>
-            <a:r>
-              <a:rPr lang="fr-FR" sz="4800" b="1" dirty="0" smtClean="0"/>
-              <a:t>Des questions ?</a:t>
-            </a:r>
-            <a:endParaRPr lang="fr-FR" sz="4800" b="1" dirty="0"/>
-          </a:p>
-        </p:txBody>
-      </p:sp>
-    </p:spTree>
-    <p:extLst>
-      <p:ext uri="{BB962C8B-B14F-4D97-AF65-F5344CB8AC3E}">
-        <p14:creationId xmlns:p14="http://schemas.microsoft.com/office/powerpoint/2010/main" val="1628038975"/>
-      </p:ext>
-    </p:extLst>
-  </p:cSld>
-  <p:clrMapOvr>
-    <a:masterClrMapping/>
-  </p:clrMapOvr>
-  <p:timing>
-    <p:tnLst>
-      <p:par>
-        <p:cTn id="1" dur="indefinite" restart="never" nodeType="tmRoot">
-          <p:childTnLst>
-            <p:seq concurrent="1" nextAc="seek">
-              <p:cTn id="2" dur="indefinite" nodeType="mainSeq">
-                <p:childTnLst>
-                  <p:par>
-                    <p:cTn id="3" fill="hold">
-                      <p:stCondLst>
-                        <p:cond delay="indefinite"/>
-                        <p:cond evt="onBegin" delay="0">
-                          <p:tn val="2"/>
-                        </p:cond>
-                      </p:stCondLst>
-                      <p:childTnLst>
-                        <p:par>
-                          <p:cTn id="4" fill="hold">
-                            <p:stCondLst>
-                              <p:cond delay="0"/>
-                            </p:stCondLst>
-                            <p:childTnLst>
-                              <p:par>
-                                <p:cTn id="5" presetID="16" presetClass="entr" presetSubtype="21" fill="hold" grpId="0" nodeType="withEffect">
-                                  <p:stCondLst>
-                                    <p:cond delay="0"/>
-                                  </p:stCondLst>
-                                  <p:childTnLst>
-                                    <p:set>
-                                      <p:cBhvr>
-                                        <p:cTn id="6" dur="1" fill="hold">
-                                          <p:stCondLst>
-                                            <p:cond delay="0"/>
-                                          </p:stCondLst>
-                                        </p:cTn>
-                                        <p:tgtEl>
-                                          <p:spTgt spid="7"/>
-                                        </p:tgtEl>
-                                        <p:attrNameLst>
-                                          <p:attrName>style.visibility</p:attrName>
-                                        </p:attrNameLst>
-                                      </p:cBhvr>
-                                      <p:to>
-                                        <p:strVal val="visible"/>
-                                      </p:to>
-                                    </p:set>
-                                    <p:animEffect transition="in" filter="barn(inVertical)">
-                                      <p:cBhvr>
-                                        <p:cTn id="7" dur="500"/>
-                                        <p:tgtEl>
-                                          <p:spTgt spid="7"/>
-                                        </p:tgtEl>
-                                      </p:cBhvr>
-                                    </p:animEffect>
-                                  </p:childTnLst>
-                                </p:cTn>
-                              </p:par>
-                            </p:childTnLst>
-                          </p:cTn>
-                        </p:par>
-                        <p:par>
-                          <p:cTn id="8" fill="hold">
-                            <p:stCondLst>
-                              <p:cond delay="500"/>
-                            </p:stCondLst>
-                            <p:childTnLst>
-                              <p:par>
-                                <p:cTn id="9" presetID="26" presetClass="entr" presetSubtype="0" fill="hold" grpId="0" nodeType="afterEffect">
-                                  <p:stCondLst>
-                                    <p:cond delay="0"/>
-                                  </p:stCondLst>
-                                  <p:childTnLst>
-                                    <p:set>
-                                      <p:cBhvr>
-                                        <p:cTn id="10" dur="1" fill="hold">
-                                          <p:stCondLst>
-                                            <p:cond delay="0"/>
-                                          </p:stCondLst>
-                                        </p:cTn>
-                                        <p:tgtEl>
-                                          <p:spTgt spid="8"/>
-                                        </p:tgtEl>
-                                        <p:attrNameLst>
-                                          <p:attrName>style.visibility</p:attrName>
-                                        </p:attrNameLst>
-                                      </p:cBhvr>
-                                      <p:to>
-                                        <p:strVal val="visible"/>
-                                      </p:to>
-                                    </p:set>
-                                    <p:animEffect transition="in" filter="wipe(down)">
-                                      <p:cBhvr>
-                                        <p:cTn id="11" dur="290">
-                                          <p:stCondLst>
-                                            <p:cond delay="0"/>
-                                          </p:stCondLst>
-                                        </p:cTn>
-                                        <p:tgtEl>
-                                          <p:spTgt spid="8"/>
-                                        </p:tgtEl>
-                                      </p:cBhvr>
-                                    </p:animEffect>
-                                    <p:anim calcmode="lin" valueType="num">
-                                      <p:cBhvr>
-                                        <p:cTn id="12" dur="911" tmFilter="0,0; 0.14,0.36; 0.43,0.73; 0.71,0.91; 1.0,1.0">
-                                          <p:stCondLst>
-                                            <p:cond delay="0"/>
-                                          </p:stCondLst>
-                                        </p:cTn>
-                                        <p:tgtEl>
-                                          <p:spTgt spid="8"/>
-                                        </p:tgtEl>
-                                        <p:attrNameLst>
-                                          <p:attrName>ppt_x</p:attrName>
-                                        </p:attrNameLst>
-                                      </p:cBhvr>
-                                      <p:tavLst>
-                                        <p:tav tm="0">
-                                          <p:val>
-                                            <p:strVal val="#ppt_x-0.25"/>
-                                          </p:val>
-                                        </p:tav>
-                                        <p:tav tm="100000">
-                                          <p:val>
-                                            <p:strVal val="#ppt_x"/>
-                                          </p:val>
-                                        </p:tav>
-                                      </p:tavLst>
-                                    </p:anim>
-                                    <p:anim calcmode="lin" valueType="num">
-                                      <p:cBhvr>
-                                        <p:cTn id="13" dur="332" tmFilter="0.0,0.0; 0.25,0.07; 0.50,0.2; 0.75,0.467; 1.0,1.0">
-                                          <p:stCondLst>
-                                            <p:cond delay="0"/>
-                                          </p:stCondLst>
-                                        </p:cTn>
-                                        <p:tgtEl>
-                                          <p:spTgt spid="8"/>
-                                        </p:tgtEl>
-                                        <p:attrNameLst>
-                                          <p:attrName>ppt_y</p:attrName>
-                                        </p:attrNameLst>
-                                      </p:cBhvr>
-                                      <p:tavLst>
-                                        <p:tav tm="0" fmla="#ppt_y-sin(pi*$)/3">
-                                          <p:val>
-                                            <p:fltVal val="0.5"/>
-                                          </p:val>
-                                        </p:tav>
-                                        <p:tav tm="100000">
-                                          <p:val>
-                                            <p:fltVal val="1"/>
-                                          </p:val>
-                                        </p:tav>
-                                      </p:tavLst>
-                                    </p:anim>
-                                    <p:anim calcmode="lin" valueType="num">
-                                      <p:cBhvr>
-                                        <p:cTn id="14" dur="332" tmFilter="0, 0; 0.125,0.2665; 0.25,0.4; 0.375,0.465; 0.5,0.5;  0.625,0.535; 0.75,0.6; 0.875,0.7335; 1,1">
-                                          <p:stCondLst>
-                                            <p:cond delay="332"/>
-                                          </p:stCondLst>
-                                        </p:cTn>
-                                        <p:tgtEl>
-                                          <p:spTgt spid="8"/>
-                                        </p:tgtEl>
-                                        <p:attrNameLst>
-                                          <p:attrName>ppt_y</p:attrName>
-                                        </p:attrNameLst>
-                                      </p:cBhvr>
-                                      <p:tavLst>
-                                        <p:tav tm="0" fmla="#ppt_y-sin(pi*$)/9">
-                                          <p:val>
-                                            <p:fltVal val="0"/>
-                                          </p:val>
-                                        </p:tav>
-                                        <p:tav tm="100000">
-                                          <p:val>
-                                            <p:fltVal val="1"/>
-                                          </p:val>
-                                        </p:tav>
-                                      </p:tavLst>
-                                    </p:anim>
-                                    <p:anim calcmode="lin" valueType="num">
-                                      <p:cBhvr>
-                                        <p:cTn id="15" dur="166" tmFilter="0, 0; 0.125,0.2665; 0.25,0.4; 0.375,0.465; 0.5,0.5;  0.625,0.535; 0.75,0.6; 0.875,0.7335; 1,1">
-                                          <p:stCondLst>
-                                            <p:cond delay="662"/>
-                                          </p:stCondLst>
-                                        </p:cTn>
-                                        <p:tgtEl>
-                                          <p:spTgt spid="8"/>
-                                        </p:tgtEl>
-                                        <p:attrNameLst>
-                                          <p:attrName>ppt_y</p:attrName>
-                                        </p:attrNameLst>
-                                      </p:cBhvr>
-                                      <p:tavLst>
-                                        <p:tav tm="0" fmla="#ppt_y-sin(pi*$)/27">
-                                          <p:val>
-                                            <p:fltVal val="0"/>
-                                          </p:val>
-                                        </p:tav>
-                                        <p:tav tm="100000">
-                                          <p:val>
-                                            <p:fltVal val="1"/>
-                                          </p:val>
-                                        </p:tav>
-                                      </p:tavLst>
-                                    </p:anim>
-                                    <p:anim calcmode="lin" valueType="num">
-                                      <p:cBhvr>
-                                        <p:cTn id="16" dur="82" tmFilter="0, 0; 0.125,0.2665; 0.25,0.4; 0.375,0.465; 0.5,0.5;  0.625,0.535; 0.75,0.6; 0.875,0.7335; 1,1">
-                                          <p:stCondLst>
-                                            <p:cond delay="828"/>
-                                          </p:stCondLst>
-                                        </p:cTn>
-                                        <p:tgtEl>
-                                          <p:spTgt spid="8"/>
-                                        </p:tgtEl>
-                                        <p:attrNameLst>
-                                          <p:attrName>ppt_y</p:attrName>
-                                        </p:attrNameLst>
-                                      </p:cBhvr>
-                                      <p:tavLst>
-                                        <p:tav tm="0" fmla="#ppt_y-sin(pi*$)/81">
-                                          <p:val>
-                                            <p:fltVal val="0"/>
-                                          </p:val>
-                                        </p:tav>
-                                        <p:tav tm="100000">
-                                          <p:val>
-                                            <p:fltVal val="1"/>
-                                          </p:val>
-                                        </p:tav>
-                                      </p:tavLst>
-                                    </p:anim>
-                                    <p:animScale>
-                                      <p:cBhvr>
-                                        <p:cTn id="17" dur="13">
-                                          <p:stCondLst>
-                                            <p:cond delay="325"/>
-                                          </p:stCondLst>
-                                        </p:cTn>
-                                        <p:tgtEl>
-                                          <p:spTgt spid="8"/>
-                                        </p:tgtEl>
-                                      </p:cBhvr>
-                                      <p:to x="100000" y="60000"/>
-                                    </p:animScale>
-                                    <p:animScale>
-                                      <p:cBhvr>
-                                        <p:cTn id="18" dur="83" decel="50000">
-                                          <p:stCondLst>
-                                            <p:cond delay="338"/>
-                                          </p:stCondLst>
-                                        </p:cTn>
-                                        <p:tgtEl>
-                                          <p:spTgt spid="8"/>
-                                        </p:tgtEl>
-                                      </p:cBhvr>
-                                      <p:to x="100000" y="100000"/>
-                                    </p:animScale>
-                                    <p:animScale>
-                                      <p:cBhvr>
-                                        <p:cTn id="19" dur="13">
-                                          <p:stCondLst>
-                                            <p:cond delay="656"/>
-                                          </p:stCondLst>
-                                        </p:cTn>
-                                        <p:tgtEl>
-                                          <p:spTgt spid="8"/>
-                                        </p:tgtEl>
-                                      </p:cBhvr>
-                                      <p:to x="100000" y="80000"/>
-                                    </p:animScale>
-                                    <p:animScale>
-                                      <p:cBhvr>
-                                        <p:cTn id="20" dur="83" decel="50000">
-                                          <p:stCondLst>
-                                            <p:cond delay="669"/>
-                                          </p:stCondLst>
-                                        </p:cTn>
-                                        <p:tgtEl>
-                                          <p:spTgt spid="8"/>
-                                        </p:tgtEl>
-                                      </p:cBhvr>
-                                      <p:to x="100000" y="100000"/>
-                                    </p:animScale>
-                                    <p:animScale>
-                                      <p:cBhvr>
-                                        <p:cTn id="21" dur="13">
-                                          <p:stCondLst>
-                                            <p:cond delay="821"/>
-                                          </p:stCondLst>
-                                        </p:cTn>
-                                        <p:tgtEl>
-                                          <p:spTgt spid="8"/>
-                                        </p:tgtEl>
-                                      </p:cBhvr>
-                                      <p:to x="100000" y="90000"/>
-                                    </p:animScale>
-                                    <p:animScale>
-                                      <p:cBhvr>
-                                        <p:cTn id="22" dur="83" decel="50000">
-                                          <p:stCondLst>
-                                            <p:cond delay="834"/>
-                                          </p:stCondLst>
-                                        </p:cTn>
-                                        <p:tgtEl>
-                                          <p:spTgt spid="8"/>
-                                        </p:tgtEl>
-                                      </p:cBhvr>
-                                      <p:to x="100000" y="100000"/>
-                                    </p:animScale>
-                                    <p:animScale>
-                                      <p:cBhvr>
-                                        <p:cTn id="23" dur="13">
-                                          <p:stCondLst>
-                                            <p:cond delay="904"/>
-                                          </p:stCondLst>
-                                        </p:cTn>
-                                        <p:tgtEl>
-                                          <p:spTgt spid="8"/>
-                                        </p:tgtEl>
-                                      </p:cBhvr>
-                                      <p:to x="100000" y="95000"/>
-                                    </p:animScale>
-                                    <p:animScale>
-                                      <p:cBhvr>
-                                        <p:cTn id="24" dur="83" decel="50000">
-                                          <p:stCondLst>
-                                            <p:cond delay="917"/>
-                                          </p:stCondLst>
-                                        </p:cTn>
-                                        <p:tgtEl>
-                                          <p:spTgt spid="8"/>
-                                        </p:tgtEl>
-                                      </p:cBhvr>
-                                      <p:to x="100000" y="100000"/>
-                                    </p:animScale>
-                                  </p:childTnLst>
-                                </p:cTn>
-                              </p:par>
-                              <p:par>
-                                <p:cTn id="25" presetID="26" presetClass="entr" presetSubtype="0" fill="hold" nodeType="withEffect">
-                                  <p:stCondLst>
-                                    <p:cond delay="0"/>
-                                  </p:stCondLst>
-                                  <p:childTnLst>
-                                    <p:set>
-                                      <p:cBhvr>
-                                        <p:cTn id="26" dur="1" fill="hold">
-                                          <p:stCondLst>
-                                            <p:cond delay="0"/>
-                                          </p:stCondLst>
-                                        </p:cTn>
-                                        <p:tgtEl>
-                                          <p:spTgt spid="6"/>
-                                        </p:tgtEl>
-                                        <p:attrNameLst>
-                                          <p:attrName>style.visibility</p:attrName>
-                                        </p:attrNameLst>
-                                      </p:cBhvr>
-                                      <p:to>
-                                        <p:strVal val="visible"/>
-                                      </p:to>
-                                    </p:set>
-                                    <p:animEffect transition="in" filter="wipe(down)">
-                                      <p:cBhvr>
-                                        <p:cTn id="27" dur="290">
-                                          <p:stCondLst>
-                                            <p:cond delay="0"/>
-                                          </p:stCondLst>
-                                        </p:cTn>
-                                        <p:tgtEl>
-                                          <p:spTgt spid="6"/>
-                                        </p:tgtEl>
-                                      </p:cBhvr>
-                                    </p:animEffect>
-                                    <p:anim calcmode="lin" valueType="num">
-                                      <p:cBhvr>
-                                        <p:cTn id="28" dur="911" tmFilter="0,0; 0.14,0.36; 0.43,0.73; 0.71,0.91; 1.0,1.0">
-                                          <p:stCondLst>
-                                            <p:cond delay="0"/>
-                                          </p:stCondLst>
-                                        </p:cTn>
-                                        <p:tgtEl>
-                                          <p:spTgt spid="6"/>
-                                        </p:tgtEl>
-                                        <p:attrNameLst>
-                                          <p:attrName>ppt_x</p:attrName>
-                                        </p:attrNameLst>
-                                      </p:cBhvr>
-                                      <p:tavLst>
-                                        <p:tav tm="0">
-                                          <p:val>
-                                            <p:strVal val="#ppt_x-0.25"/>
-                                          </p:val>
-                                        </p:tav>
-                                        <p:tav tm="100000">
-                                          <p:val>
-                                            <p:strVal val="#ppt_x"/>
-                                          </p:val>
-                                        </p:tav>
-                                      </p:tavLst>
-                                    </p:anim>
-                                    <p:anim calcmode="lin" valueType="num">
-                                      <p:cBhvr>
-                                        <p:cTn id="29" dur="332" tmFilter="0.0,0.0; 0.25,0.07; 0.50,0.2; 0.75,0.467; 1.0,1.0">
-                                          <p:stCondLst>
-                                            <p:cond delay="0"/>
-                                          </p:stCondLst>
-                                        </p:cTn>
-                                        <p:tgtEl>
-                                          <p:spTgt spid="6"/>
-                                        </p:tgtEl>
-                                        <p:attrNameLst>
-                                          <p:attrName>ppt_y</p:attrName>
-                                        </p:attrNameLst>
-                                      </p:cBhvr>
-                                      <p:tavLst>
-                                        <p:tav tm="0" fmla="#ppt_y-sin(pi*$)/3">
-                                          <p:val>
-                                            <p:fltVal val="0.5"/>
-                                          </p:val>
-                                        </p:tav>
-                                        <p:tav tm="100000">
-                                          <p:val>
-                                            <p:fltVal val="1"/>
-                                          </p:val>
-                                        </p:tav>
-                                      </p:tavLst>
-                                    </p:anim>
-                                    <p:anim calcmode="lin" valueType="num">
-                                      <p:cBhvr>
-                                        <p:cTn id="30" dur="332" tmFilter="0, 0; 0.125,0.2665; 0.25,0.4; 0.375,0.465; 0.5,0.5;  0.625,0.535; 0.75,0.6; 0.875,0.7335; 1,1">
-                                          <p:stCondLst>
-                                            <p:cond delay="332"/>
-                                          </p:stCondLst>
-                                        </p:cTn>
-                                        <p:tgtEl>
-                                          <p:spTgt spid="6"/>
-                                        </p:tgtEl>
-                                        <p:attrNameLst>
-                                          <p:attrName>ppt_y</p:attrName>
-                                        </p:attrNameLst>
-                                      </p:cBhvr>
-                                      <p:tavLst>
-                                        <p:tav tm="0" fmla="#ppt_y-sin(pi*$)/9">
-                                          <p:val>
-                                            <p:fltVal val="0"/>
-                                          </p:val>
-                                        </p:tav>
-                                        <p:tav tm="100000">
-                                          <p:val>
-                                            <p:fltVal val="1"/>
-                                          </p:val>
-                                        </p:tav>
-                                      </p:tavLst>
-                                    </p:anim>
-                                    <p:anim calcmode="lin" valueType="num">
-                                      <p:cBhvr>
-                                        <p:cTn id="31" dur="166" tmFilter="0, 0; 0.125,0.2665; 0.25,0.4; 0.375,0.465; 0.5,0.5;  0.625,0.535; 0.75,0.6; 0.875,0.7335; 1,1">
-                                          <p:stCondLst>
-                                            <p:cond delay="662"/>
-                                          </p:stCondLst>
-                                        </p:cTn>
-                                        <p:tgtEl>
-                                          <p:spTgt spid="6"/>
-                                        </p:tgtEl>
-                                        <p:attrNameLst>
-                                          <p:attrName>ppt_y</p:attrName>
-                                        </p:attrNameLst>
-                                      </p:cBhvr>
-                                      <p:tavLst>
-                                        <p:tav tm="0" fmla="#ppt_y-sin(pi*$)/27">
-                                          <p:val>
-                                            <p:fltVal val="0"/>
-                                          </p:val>
-                                        </p:tav>
-                                        <p:tav tm="100000">
-                                          <p:val>
-                                            <p:fltVal val="1"/>
-                                          </p:val>
-                                        </p:tav>
-                                      </p:tavLst>
-                                    </p:anim>
-                                    <p:anim calcmode="lin" valueType="num">
-                                      <p:cBhvr>
-                                        <p:cTn id="32" dur="82" tmFilter="0, 0; 0.125,0.2665; 0.25,0.4; 0.375,0.465; 0.5,0.5;  0.625,0.535; 0.75,0.6; 0.875,0.7335; 1,1">
-                                          <p:stCondLst>
-                                            <p:cond delay="828"/>
-                                          </p:stCondLst>
-                                        </p:cTn>
-                                        <p:tgtEl>
-                                          <p:spTgt spid="6"/>
-                                        </p:tgtEl>
-                                        <p:attrNameLst>
-                                          <p:attrName>ppt_y</p:attrName>
-                                        </p:attrNameLst>
-                                      </p:cBhvr>
-                                      <p:tavLst>
-                                        <p:tav tm="0" fmla="#ppt_y-sin(pi*$)/81">
-                                          <p:val>
-                                            <p:fltVal val="0"/>
-                                          </p:val>
-                                        </p:tav>
-                                        <p:tav tm="100000">
-                                          <p:val>
-                                            <p:fltVal val="1"/>
-                                          </p:val>
-                                        </p:tav>
-                                      </p:tavLst>
-                                    </p:anim>
-                                    <p:animScale>
-                                      <p:cBhvr>
-                                        <p:cTn id="33" dur="13">
-                                          <p:stCondLst>
-                                            <p:cond delay="325"/>
-                                          </p:stCondLst>
-                                        </p:cTn>
-                                        <p:tgtEl>
-                                          <p:spTgt spid="6"/>
-                                        </p:tgtEl>
-                                      </p:cBhvr>
-                                      <p:to x="100000" y="60000"/>
-                                    </p:animScale>
-                                    <p:animScale>
-                                      <p:cBhvr>
-                                        <p:cTn id="34" dur="83" decel="50000">
-                                          <p:stCondLst>
-                                            <p:cond delay="338"/>
-                                          </p:stCondLst>
-                                        </p:cTn>
-                                        <p:tgtEl>
-                                          <p:spTgt spid="6"/>
-                                        </p:tgtEl>
-                                      </p:cBhvr>
-                                      <p:to x="100000" y="100000"/>
-                                    </p:animScale>
-                                    <p:animScale>
-                                      <p:cBhvr>
-                                        <p:cTn id="35" dur="13">
-                                          <p:stCondLst>
-                                            <p:cond delay="656"/>
-                                          </p:stCondLst>
-                                        </p:cTn>
-                                        <p:tgtEl>
-                                          <p:spTgt spid="6"/>
-                                        </p:tgtEl>
-                                      </p:cBhvr>
-                                      <p:to x="100000" y="80000"/>
-                                    </p:animScale>
-                                    <p:animScale>
-                                      <p:cBhvr>
-                                        <p:cTn id="36" dur="83" decel="50000">
-                                          <p:stCondLst>
-                                            <p:cond delay="669"/>
-                                          </p:stCondLst>
-                                        </p:cTn>
-                                        <p:tgtEl>
-                                          <p:spTgt spid="6"/>
-                                        </p:tgtEl>
-                                      </p:cBhvr>
-                                      <p:to x="100000" y="100000"/>
-                                    </p:animScale>
-                                    <p:animScale>
-                                      <p:cBhvr>
-                                        <p:cTn id="37" dur="13">
-                                          <p:stCondLst>
-                                            <p:cond delay="821"/>
-                                          </p:stCondLst>
-                                        </p:cTn>
-                                        <p:tgtEl>
-                                          <p:spTgt spid="6"/>
-                                        </p:tgtEl>
-                                      </p:cBhvr>
-                                      <p:to x="100000" y="90000"/>
-                                    </p:animScale>
-                                    <p:animScale>
-                                      <p:cBhvr>
-                                        <p:cTn id="38" dur="83" decel="50000">
-                                          <p:stCondLst>
-                                            <p:cond delay="834"/>
-                                          </p:stCondLst>
-                                        </p:cTn>
-                                        <p:tgtEl>
-                                          <p:spTgt spid="6"/>
-                                        </p:tgtEl>
-                                      </p:cBhvr>
-                                      <p:to x="100000" y="100000"/>
-                                    </p:animScale>
-                                    <p:animScale>
-                                      <p:cBhvr>
-                                        <p:cTn id="39" dur="13">
-                                          <p:stCondLst>
-                                            <p:cond delay="904"/>
-                                          </p:stCondLst>
-                                        </p:cTn>
-                                        <p:tgtEl>
-                                          <p:spTgt spid="6"/>
-                                        </p:tgtEl>
-                                      </p:cBhvr>
-                                      <p:to x="100000" y="95000"/>
-                                    </p:animScale>
-                                    <p:animScale>
-                                      <p:cBhvr>
-                                        <p:cTn id="40" dur="83" decel="50000">
-                                          <p:stCondLst>
-                                            <p:cond delay="917"/>
-                                          </p:stCondLst>
-                                        </p:cTn>
-                                        <p:tgtEl>
-                                          <p:spTgt spid="6"/>
-                                        </p:tgtEl>
-                                      </p:cBhvr>
-                                      <p:to x="100000" y="100000"/>
-                                    </p:animScale>
-                                  </p:childTnLst>
-                                </p:cTn>
-                              </p:par>
-                            </p:childTnLst>
-                          </p:cTn>
-                        </p:par>
-                      </p:childTnLst>
-                    </p:cTn>
-                  </p:par>
-                </p:childTnLst>
-              </p:cTn>
-              <p:prevCondLst>
-                <p:cond evt="onPrev" delay="0">
-                  <p:tgtEl>
-                    <p:sldTgt/>
-                  </p:tgtEl>
-                </p:cond>
-              </p:prevCondLst>
-              <p:nextCondLst>
-                <p:cond evt="onNext" delay="0">
-                  <p:tgtEl>
-                    <p:sldTgt/>
-                  </p:tgtEl>
-                </p:cond>
-              </p:nextCondLst>
-            </p:seq>
-          </p:childTnLst>
-        </p:cTn>
-      </p:par>
-    </p:tnLst>
-    <p:bldLst>
-      <p:bldP spid="7" grpId="0"/>
-      <p:bldP spid="8" grpId="0"/>
-    </p:bldLst>
   </p:timing>
 </p:sld>
 </file>
@@ -9569,6 +9078,805 @@
 </p:sld>
 </file>
 
+<file path=ppt/slides/slide20.xml><?xml version="1.0" encoding="utf-8"?>
+<p:sld xmlns:a="http://schemas.openxmlformats.org/drawingml/2006/main" xmlns:r="http://schemas.openxmlformats.org/officeDocument/2006/relationships" xmlns:p="http://schemas.openxmlformats.org/presentationml/2006/main">
+  <p:cSld>
+    <p:spTree>
+      <p:nvGrpSpPr>
+        <p:cNvPr id="1" name=""/>
+        <p:cNvGrpSpPr/>
+        <p:nvPr/>
+      </p:nvGrpSpPr>
+      <p:grpSpPr>
+        <a:xfrm>
+          <a:off x="0" y="0"/>
+          <a:ext cx="0" cy="0"/>
+          <a:chOff x="0" y="0"/>
+          <a:chExt cx="0" cy="0"/>
+        </a:xfrm>
+      </p:grpSpPr>
+      <p:sp>
+        <p:nvSpPr>
+          <p:cNvPr id="3" name="Titre 2"/>
+          <p:cNvSpPr>
+            <a:spLocks noGrp="1"/>
+          </p:cNvSpPr>
+          <p:nvPr>
+            <p:ph type="title"/>
+          </p:nvPr>
+        </p:nvSpPr>
+        <p:spPr/>
+        <p:txBody>
+          <a:bodyPr/>
+          <a:lstStyle/>
+          <a:p>
+            <a:endParaRPr lang="fr-FR"/>
+          </a:p>
+        </p:txBody>
+      </p:sp>
+      <p:pic>
+        <p:nvPicPr>
+          <p:cNvPr id="6" name="Image 5"/>
+          <p:cNvPicPr>
+            <a:picLocks noChangeAspect="1"/>
+          </p:cNvPicPr>
+          <p:nvPr/>
+        </p:nvPicPr>
+        <p:blipFill>
+          <a:blip r:embed="rId2">
+            <a:extLst>
+              <a:ext uri="{28A0092B-C50C-407E-A947-70E740481C1C}">
+                <a14:useLocalDpi xmlns:a14="http://schemas.microsoft.com/office/drawing/2010/main" val="0"/>
+              </a:ext>
+            </a:extLst>
+          </a:blip>
+          <a:stretch>
+            <a:fillRect/>
+          </a:stretch>
+        </p:blipFill>
+        <p:spPr>
+          <a:xfrm>
+            <a:off x="3851920" y="3645024"/>
+            <a:ext cx="1800200" cy="1795012"/>
+          </a:xfrm>
+          <a:prstGeom prst="rect">
+            <a:avLst/>
+          </a:prstGeom>
+        </p:spPr>
+      </p:pic>
+      <p:sp>
+        <p:nvSpPr>
+          <p:cNvPr id="7" name="ZoneTexte 6"/>
+          <p:cNvSpPr txBox="1"/>
+          <p:nvPr/>
+        </p:nvSpPr>
+        <p:spPr>
+          <a:xfrm>
+            <a:off x="0" y="1268760"/>
+            <a:ext cx="9144000" cy="830997"/>
+          </a:xfrm>
+          <a:prstGeom prst="rect">
+            <a:avLst/>
+          </a:prstGeom>
+          <a:noFill/>
+        </p:spPr>
+        <p:txBody>
+          <a:bodyPr wrap="square" rtlCol="0">
+            <a:spAutoFit/>
+          </a:bodyPr>
+          <a:lstStyle/>
+          <a:p>
+            <a:pPr algn="ctr"/>
+            <a:r>
+              <a:rPr lang="fr-FR" sz="4800" b="1" dirty="0" smtClean="0"/>
+              <a:t>Merci pour votre attention</a:t>
+            </a:r>
+            <a:endParaRPr lang="fr-FR" sz="4800" b="1" dirty="0"/>
+          </a:p>
+        </p:txBody>
+      </p:sp>
+      <p:sp>
+        <p:nvSpPr>
+          <p:cNvPr id="8" name="ZoneTexte 7"/>
+          <p:cNvSpPr txBox="1"/>
+          <p:nvPr/>
+        </p:nvSpPr>
+        <p:spPr>
+          <a:xfrm>
+            <a:off x="0" y="2814027"/>
+            <a:ext cx="9144000" cy="830997"/>
+          </a:xfrm>
+          <a:prstGeom prst="rect">
+            <a:avLst/>
+          </a:prstGeom>
+          <a:noFill/>
+        </p:spPr>
+        <p:txBody>
+          <a:bodyPr wrap="square" rtlCol="0">
+            <a:spAutoFit/>
+          </a:bodyPr>
+          <a:lstStyle/>
+          <a:p>
+            <a:pPr algn="ctr"/>
+            <a:r>
+              <a:rPr lang="fr-FR" sz="4800" b="1" dirty="0" smtClean="0"/>
+              <a:t>Des questions ?</a:t>
+            </a:r>
+            <a:endParaRPr lang="fr-FR" sz="4800" b="1" dirty="0"/>
+          </a:p>
+        </p:txBody>
+      </p:sp>
+    </p:spTree>
+    <p:extLst>
+      <p:ext uri="{BB962C8B-B14F-4D97-AF65-F5344CB8AC3E}">
+        <p14:creationId xmlns:p14="http://schemas.microsoft.com/office/powerpoint/2010/main" val="1628038975"/>
+      </p:ext>
+    </p:extLst>
+  </p:cSld>
+  <p:clrMapOvr>
+    <a:masterClrMapping/>
+  </p:clrMapOvr>
+  <p:transition spd="med">
+    <p:pull/>
+  </p:transition>
+  <p:timing>
+    <p:tnLst>
+      <p:par>
+        <p:cTn id="1" dur="indefinite" restart="never" nodeType="tmRoot">
+          <p:childTnLst>
+            <p:seq concurrent="1" nextAc="seek">
+              <p:cTn id="2" dur="indefinite" nodeType="mainSeq">
+                <p:childTnLst>
+                  <p:par>
+                    <p:cTn id="3" fill="hold">
+                      <p:stCondLst>
+                        <p:cond delay="indefinite"/>
+                        <p:cond evt="onBegin" delay="0">
+                          <p:tn val="2"/>
+                        </p:cond>
+                      </p:stCondLst>
+                      <p:childTnLst>
+                        <p:par>
+                          <p:cTn id="4" fill="hold">
+                            <p:stCondLst>
+                              <p:cond delay="0"/>
+                            </p:stCondLst>
+                            <p:childTnLst>
+                              <p:par>
+                                <p:cTn id="5" presetID="16" presetClass="entr" presetSubtype="21" fill="hold" grpId="0" nodeType="withEffect">
+                                  <p:stCondLst>
+                                    <p:cond delay="0"/>
+                                  </p:stCondLst>
+                                  <p:childTnLst>
+                                    <p:set>
+                                      <p:cBhvr>
+                                        <p:cTn id="6" dur="1" fill="hold">
+                                          <p:stCondLst>
+                                            <p:cond delay="0"/>
+                                          </p:stCondLst>
+                                        </p:cTn>
+                                        <p:tgtEl>
+                                          <p:spTgt spid="7"/>
+                                        </p:tgtEl>
+                                        <p:attrNameLst>
+                                          <p:attrName>style.visibility</p:attrName>
+                                        </p:attrNameLst>
+                                      </p:cBhvr>
+                                      <p:to>
+                                        <p:strVal val="visible"/>
+                                      </p:to>
+                                    </p:set>
+                                    <p:animEffect transition="in" filter="barn(inVertical)">
+                                      <p:cBhvr>
+                                        <p:cTn id="7" dur="500"/>
+                                        <p:tgtEl>
+                                          <p:spTgt spid="7"/>
+                                        </p:tgtEl>
+                                      </p:cBhvr>
+                                    </p:animEffect>
+                                  </p:childTnLst>
+                                </p:cTn>
+                              </p:par>
+                            </p:childTnLst>
+                          </p:cTn>
+                        </p:par>
+                        <p:par>
+                          <p:cTn id="8" fill="hold">
+                            <p:stCondLst>
+                              <p:cond delay="500"/>
+                            </p:stCondLst>
+                            <p:childTnLst>
+                              <p:par>
+                                <p:cTn id="9" presetID="26" presetClass="entr" presetSubtype="0" fill="hold" grpId="0" nodeType="afterEffect">
+                                  <p:stCondLst>
+                                    <p:cond delay="0"/>
+                                  </p:stCondLst>
+                                  <p:childTnLst>
+                                    <p:set>
+                                      <p:cBhvr>
+                                        <p:cTn id="10" dur="1" fill="hold">
+                                          <p:stCondLst>
+                                            <p:cond delay="0"/>
+                                          </p:stCondLst>
+                                        </p:cTn>
+                                        <p:tgtEl>
+                                          <p:spTgt spid="8"/>
+                                        </p:tgtEl>
+                                        <p:attrNameLst>
+                                          <p:attrName>style.visibility</p:attrName>
+                                        </p:attrNameLst>
+                                      </p:cBhvr>
+                                      <p:to>
+                                        <p:strVal val="visible"/>
+                                      </p:to>
+                                    </p:set>
+                                    <p:animEffect transition="in" filter="wipe(down)">
+                                      <p:cBhvr>
+                                        <p:cTn id="11" dur="290">
+                                          <p:stCondLst>
+                                            <p:cond delay="0"/>
+                                          </p:stCondLst>
+                                        </p:cTn>
+                                        <p:tgtEl>
+                                          <p:spTgt spid="8"/>
+                                        </p:tgtEl>
+                                      </p:cBhvr>
+                                    </p:animEffect>
+                                    <p:anim calcmode="lin" valueType="num">
+                                      <p:cBhvr>
+                                        <p:cTn id="12" dur="911" tmFilter="0,0; 0.14,0.36; 0.43,0.73; 0.71,0.91; 1.0,1.0">
+                                          <p:stCondLst>
+                                            <p:cond delay="0"/>
+                                          </p:stCondLst>
+                                        </p:cTn>
+                                        <p:tgtEl>
+                                          <p:spTgt spid="8"/>
+                                        </p:tgtEl>
+                                        <p:attrNameLst>
+                                          <p:attrName>ppt_x</p:attrName>
+                                        </p:attrNameLst>
+                                      </p:cBhvr>
+                                      <p:tavLst>
+                                        <p:tav tm="0">
+                                          <p:val>
+                                            <p:strVal val="#ppt_x-0.25"/>
+                                          </p:val>
+                                        </p:tav>
+                                        <p:tav tm="100000">
+                                          <p:val>
+                                            <p:strVal val="#ppt_x"/>
+                                          </p:val>
+                                        </p:tav>
+                                      </p:tavLst>
+                                    </p:anim>
+                                    <p:anim calcmode="lin" valueType="num">
+                                      <p:cBhvr>
+                                        <p:cTn id="13" dur="332" tmFilter="0.0,0.0; 0.25,0.07; 0.50,0.2; 0.75,0.467; 1.0,1.0">
+                                          <p:stCondLst>
+                                            <p:cond delay="0"/>
+                                          </p:stCondLst>
+                                        </p:cTn>
+                                        <p:tgtEl>
+                                          <p:spTgt spid="8"/>
+                                        </p:tgtEl>
+                                        <p:attrNameLst>
+                                          <p:attrName>ppt_y</p:attrName>
+                                        </p:attrNameLst>
+                                      </p:cBhvr>
+                                      <p:tavLst>
+                                        <p:tav tm="0" fmla="#ppt_y-sin(pi*$)/3">
+                                          <p:val>
+                                            <p:fltVal val="0.5"/>
+                                          </p:val>
+                                        </p:tav>
+                                        <p:tav tm="100000">
+                                          <p:val>
+                                            <p:fltVal val="1"/>
+                                          </p:val>
+                                        </p:tav>
+                                      </p:tavLst>
+                                    </p:anim>
+                                    <p:anim calcmode="lin" valueType="num">
+                                      <p:cBhvr>
+                                        <p:cTn id="14" dur="332" tmFilter="0, 0; 0.125,0.2665; 0.25,0.4; 0.375,0.465; 0.5,0.5;  0.625,0.535; 0.75,0.6; 0.875,0.7335; 1,1">
+                                          <p:stCondLst>
+                                            <p:cond delay="332"/>
+                                          </p:stCondLst>
+                                        </p:cTn>
+                                        <p:tgtEl>
+                                          <p:spTgt spid="8"/>
+                                        </p:tgtEl>
+                                        <p:attrNameLst>
+                                          <p:attrName>ppt_y</p:attrName>
+                                        </p:attrNameLst>
+                                      </p:cBhvr>
+                                      <p:tavLst>
+                                        <p:tav tm="0" fmla="#ppt_y-sin(pi*$)/9">
+                                          <p:val>
+                                            <p:fltVal val="0"/>
+                                          </p:val>
+                                        </p:tav>
+                                        <p:tav tm="100000">
+                                          <p:val>
+                                            <p:fltVal val="1"/>
+                                          </p:val>
+                                        </p:tav>
+                                      </p:tavLst>
+                                    </p:anim>
+                                    <p:anim calcmode="lin" valueType="num">
+                                      <p:cBhvr>
+                                        <p:cTn id="15" dur="166" tmFilter="0, 0; 0.125,0.2665; 0.25,0.4; 0.375,0.465; 0.5,0.5;  0.625,0.535; 0.75,0.6; 0.875,0.7335; 1,1">
+                                          <p:stCondLst>
+                                            <p:cond delay="662"/>
+                                          </p:stCondLst>
+                                        </p:cTn>
+                                        <p:tgtEl>
+                                          <p:spTgt spid="8"/>
+                                        </p:tgtEl>
+                                        <p:attrNameLst>
+                                          <p:attrName>ppt_y</p:attrName>
+                                        </p:attrNameLst>
+                                      </p:cBhvr>
+                                      <p:tavLst>
+                                        <p:tav tm="0" fmla="#ppt_y-sin(pi*$)/27">
+                                          <p:val>
+                                            <p:fltVal val="0"/>
+                                          </p:val>
+                                        </p:tav>
+                                        <p:tav tm="100000">
+                                          <p:val>
+                                            <p:fltVal val="1"/>
+                                          </p:val>
+                                        </p:tav>
+                                      </p:tavLst>
+                                    </p:anim>
+                                    <p:anim calcmode="lin" valueType="num">
+                                      <p:cBhvr>
+                                        <p:cTn id="16" dur="82" tmFilter="0, 0; 0.125,0.2665; 0.25,0.4; 0.375,0.465; 0.5,0.5;  0.625,0.535; 0.75,0.6; 0.875,0.7335; 1,1">
+                                          <p:stCondLst>
+                                            <p:cond delay="828"/>
+                                          </p:stCondLst>
+                                        </p:cTn>
+                                        <p:tgtEl>
+                                          <p:spTgt spid="8"/>
+                                        </p:tgtEl>
+                                        <p:attrNameLst>
+                                          <p:attrName>ppt_y</p:attrName>
+                                        </p:attrNameLst>
+                                      </p:cBhvr>
+                                      <p:tavLst>
+                                        <p:tav tm="0" fmla="#ppt_y-sin(pi*$)/81">
+                                          <p:val>
+                                            <p:fltVal val="0"/>
+                                          </p:val>
+                                        </p:tav>
+                                        <p:tav tm="100000">
+                                          <p:val>
+                                            <p:fltVal val="1"/>
+                                          </p:val>
+                                        </p:tav>
+                                      </p:tavLst>
+                                    </p:anim>
+                                    <p:animScale>
+                                      <p:cBhvr>
+                                        <p:cTn id="17" dur="13">
+                                          <p:stCondLst>
+                                            <p:cond delay="325"/>
+                                          </p:stCondLst>
+                                        </p:cTn>
+                                        <p:tgtEl>
+                                          <p:spTgt spid="8"/>
+                                        </p:tgtEl>
+                                      </p:cBhvr>
+                                      <p:to x="100000" y="60000"/>
+                                    </p:animScale>
+                                    <p:animScale>
+                                      <p:cBhvr>
+                                        <p:cTn id="18" dur="83" decel="50000">
+                                          <p:stCondLst>
+                                            <p:cond delay="338"/>
+                                          </p:stCondLst>
+                                        </p:cTn>
+                                        <p:tgtEl>
+                                          <p:spTgt spid="8"/>
+                                        </p:tgtEl>
+                                      </p:cBhvr>
+                                      <p:to x="100000" y="100000"/>
+                                    </p:animScale>
+                                    <p:animScale>
+                                      <p:cBhvr>
+                                        <p:cTn id="19" dur="13">
+                                          <p:stCondLst>
+                                            <p:cond delay="656"/>
+                                          </p:stCondLst>
+                                        </p:cTn>
+                                        <p:tgtEl>
+                                          <p:spTgt spid="8"/>
+                                        </p:tgtEl>
+                                      </p:cBhvr>
+                                      <p:to x="100000" y="80000"/>
+                                    </p:animScale>
+                                    <p:animScale>
+                                      <p:cBhvr>
+                                        <p:cTn id="20" dur="83" decel="50000">
+                                          <p:stCondLst>
+                                            <p:cond delay="669"/>
+                                          </p:stCondLst>
+                                        </p:cTn>
+                                        <p:tgtEl>
+                                          <p:spTgt spid="8"/>
+                                        </p:tgtEl>
+                                      </p:cBhvr>
+                                      <p:to x="100000" y="100000"/>
+                                    </p:animScale>
+                                    <p:animScale>
+                                      <p:cBhvr>
+                                        <p:cTn id="21" dur="13">
+                                          <p:stCondLst>
+                                            <p:cond delay="821"/>
+                                          </p:stCondLst>
+                                        </p:cTn>
+                                        <p:tgtEl>
+                                          <p:spTgt spid="8"/>
+                                        </p:tgtEl>
+                                      </p:cBhvr>
+                                      <p:to x="100000" y="90000"/>
+                                    </p:animScale>
+                                    <p:animScale>
+                                      <p:cBhvr>
+                                        <p:cTn id="22" dur="83" decel="50000">
+                                          <p:stCondLst>
+                                            <p:cond delay="834"/>
+                                          </p:stCondLst>
+                                        </p:cTn>
+                                        <p:tgtEl>
+                                          <p:spTgt spid="8"/>
+                                        </p:tgtEl>
+                                      </p:cBhvr>
+                                      <p:to x="100000" y="100000"/>
+                                    </p:animScale>
+                                    <p:animScale>
+                                      <p:cBhvr>
+                                        <p:cTn id="23" dur="13">
+                                          <p:stCondLst>
+                                            <p:cond delay="904"/>
+                                          </p:stCondLst>
+                                        </p:cTn>
+                                        <p:tgtEl>
+                                          <p:spTgt spid="8"/>
+                                        </p:tgtEl>
+                                      </p:cBhvr>
+                                      <p:to x="100000" y="95000"/>
+                                    </p:animScale>
+                                    <p:animScale>
+                                      <p:cBhvr>
+                                        <p:cTn id="24" dur="83" decel="50000">
+                                          <p:stCondLst>
+                                            <p:cond delay="917"/>
+                                          </p:stCondLst>
+                                        </p:cTn>
+                                        <p:tgtEl>
+                                          <p:spTgt spid="8"/>
+                                        </p:tgtEl>
+                                      </p:cBhvr>
+                                      <p:to x="100000" y="100000"/>
+                                    </p:animScale>
+                                  </p:childTnLst>
+                                </p:cTn>
+                              </p:par>
+                              <p:par>
+                                <p:cTn id="25" presetID="26" presetClass="entr" presetSubtype="0" fill="hold" nodeType="withEffect">
+                                  <p:stCondLst>
+                                    <p:cond delay="0"/>
+                                  </p:stCondLst>
+                                  <p:childTnLst>
+                                    <p:set>
+                                      <p:cBhvr>
+                                        <p:cTn id="26" dur="1" fill="hold">
+                                          <p:stCondLst>
+                                            <p:cond delay="0"/>
+                                          </p:stCondLst>
+                                        </p:cTn>
+                                        <p:tgtEl>
+                                          <p:spTgt spid="6"/>
+                                        </p:tgtEl>
+                                        <p:attrNameLst>
+                                          <p:attrName>style.visibility</p:attrName>
+                                        </p:attrNameLst>
+                                      </p:cBhvr>
+                                      <p:to>
+                                        <p:strVal val="visible"/>
+                                      </p:to>
+                                    </p:set>
+                                    <p:animEffect transition="in" filter="wipe(down)">
+                                      <p:cBhvr>
+                                        <p:cTn id="27" dur="290">
+                                          <p:stCondLst>
+                                            <p:cond delay="0"/>
+                                          </p:stCondLst>
+                                        </p:cTn>
+                                        <p:tgtEl>
+                                          <p:spTgt spid="6"/>
+                                        </p:tgtEl>
+                                      </p:cBhvr>
+                                    </p:animEffect>
+                                    <p:anim calcmode="lin" valueType="num">
+                                      <p:cBhvr>
+                                        <p:cTn id="28" dur="911" tmFilter="0,0; 0.14,0.36; 0.43,0.73; 0.71,0.91; 1.0,1.0">
+                                          <p:stCondLst>
+                                            <p:cond delay="0"/>
+                                          </p:stCondLst>
+                                        </p:cTn>
+                                        <p:tgtEl>
+                                          <p:spTgt spid="6"/>
+                                        </p:tgtEl>
+                                        <p:attrNameLst>
+                                          <p:attrName>ppt_x</p:attrName>
+                                        </p:attrNameLst>
+                                      </p:cBhvr>
+                                      <p:tavLst>
+                                        <p:tav tm="0">
+                                          <p:val>
+                                            <p:strVal val="#ppt_x-0.25"/>
+                                          </p:val>
+                                        </p:tav>
+                                        <p:tav tm="100000">
+                                          <p:val>
+                                            <p:strVal val="#ppt_x"/>
+                                          </p:val>
+                                        </p:tav>
+                                      </p:tavLst>
+                                    </p:anim>
+                                    <p:anim calcmode="lin" valueType="num">
+                                      <p:cBhvr>
+                                        <p:cTn id="29" dur="332" tmFilter="0.0,0.0; 0.25,0.07; 0.50,0.2; 0.75,0.467; 1.0,1.0">
+                                          <p:stCondLst>
+                                            <p:cond delay="0"/>
+                                          </p:stCondLst>
+                                        </p:cTn>
+                                        <p:tgtEl>
+                                          <p:spTgt spid="6"/>
+                                        </p:tgtEl>
+                                        <p:attrNameLst>
+                                          <p:attrName>ppt_y</p:attrName>
+                                        </p:attrNameLst>
+                                      </p:cBhvr>
+                                      <p:tavLst>
+                                        <p:tav tm="0" fmla="#ppt_y-sin(pi*$)/3">
+                                          <p:val>
+                                            <p:fltVal val="0.5"/>
+                                          </p:val>
+                                        </p:tav>
+                                        <p:tav tm="100000">
+                                          <p:val>
+                                            <p:fltVal val="1"/>
+                                          </p:val>
+                                        </p:tav>
+                                      </p:tavLst>
+                                    </p:anim>
+                                    <p:anim calcmode="lin" valueType="num">
+                                      <p:cBhvr>
+                                        <p:cTn id="30" dur="332" tmFilter="0, 0; 0.125,0.2665; 0.25,0.4; 0.375,0.465; 0.5,0.5;  0.625,0.535; 0.75,0.6; 0.875,0.7335; 1,1">
+                                          <p:stCondLst>
+                                            <p:cond delay="332"/>
+                                          </p:stCondLst>
+                                        </p:cTn>
+                                        <p:tgtEl>
+                                          <p:spTgt spid="6"/>
+                                        </p:tgtEl>
+                                        <p:attrNameLst>
+                                          <p:attrName>ppt_y</p:attrName>
+                                        </p:attrNameLst>
+                                      </p:cBhvr>
+                                      <p:tavLst>
+                                        <p:tav tm="0" fmla="#ppt_y-sin(pi*$)/9">
+                                          <p:val>
+                                            <p:fltVal val="0"/>
+                                          </p:val>
+                                        </p:tav>
+                                        <p:tav tm="100000">
+                                          <p:val>
+                                            <p:fltVal val="1"/>
+                                          </p:val>
+                                        </p:tav>
+                                      </p:tavLst>
+                                    </p:anim>
+                                    <p:anim calcmode="lin" valueType="num">
+                                      <p:cBhvr>
+                                        <p:cTn id="31" dur="166" tmFilter="0, 0; 0.125,0.2665; 0.25,0.4; 0.375,0.465; 0.5,0.5;  0.625,0.535; 0.75,0.6; 0.875,0.7335; 1,1">
+                                          <p:stCondLst>
+                                            <p:cond delay="662"/>
+                                          </p:stCondLst>
+                                        </p:cTn>
+                                        <p:tgtEl>
+                                          <p:spTgt spid="6"/>
+                                        </p:tgtEl>
+                                        <p:attrNameLst>
+                                          <p:attrName>ppt_y</p:attrName>
+                                        </p:attrNameLst>
+                                      </p:cBhvr>
+                                      <p:tavLst>
+                                        <p:tav tm="0" fmla="#ppt_y-sin(pi*$)/27">
+                                          <p:val>
+                                            <p:fltVal val="0"/>
+                                          </p:val>
+                                        </p:tav>
+                                        <p:tav tm="100000">
+                                          <p:val>
+                                            <p:fltVal val="1"/>
+                                          </p:val>
+                                        </p:tav>
+                                      </p:tavLst>
+                                    </p:anim>
+                                    <p:anim calcmode="lin" valueType="num">
+                                      <p:cBhvr>
+                                        <p:cTn id="32" dur="82" tmFilter="0, 0; 0.125,0.2665; 0.25,0.4; 0.375,0.465; 0.5,0.5;  0.625,0.535; 0.75,0.6; 0.875,0.7335; 1,1">
+                                          <p:stCondLst>
+                                            <p:cond delay="828"/>
+                                          </p:stCondLst>
+                                        </p:cTn>
+                                        <p:tgtEl>
+                                          <p:spTgt spid="6"/>
+                                        </p:tgtEl>
+                                        <p:attrNameLst>
+                                          <p:attrName>ppt_y</p:attrName>
+                                        </p:attrNameLst>
+                                      </p:cBhvr>
+                                      <p:tavLst>
+                                        <p:tav tm="0" fmla="#ppt_y-sin(pi*$)/81">
+                                          <p:val>
+                                            <p:fltVal val="0"/>
+                                          </p:val>
+                                        </p:tav>
+                                        <p:tav tm="100000">
+                                          <p:val>
+                                            <p:fltVal val="1"/>
+                                          </p:val>
+                                        </p:tav>
+                                      </p:tavLst>
+                                    </p:anim>
+                                    <p:animScale>
+                                      <p:cBhvr>
+                                        <p:cTn id="33" dur="13">
+                                          <p:stCondLst>
+                                            <p:cond delay="325"/>
+                                          </p:stCondLst>
+                                        </p:cTn>
+                                        <p:tgtEl>
+                                          <p:spTgt spid="6"/>
+                                        </p:tgtEl>
+                                      </p:cBhvr>
+                                      <p:to x="100000" y="60000"/>
+                                    </p:animScale>
+                                    <p:animScale>
+                                      <p:cBhvr>
+                                        <p:cTn id="34" dur="83" decel="50000">
+                                          <p:stCondLst>
+                                            <p:cond delay="338"/>
+                                          </p:stCondLst>
+                                        </p:cTn>
+                                        <p:tgtEl>
+                                          <p:spTgt spid="6"/>
+                                        </p:tgtEl>
+                                      </p:cBhvr>
+                                      <p:to x="100000" y="100000"/>
+                                    </p:animScale>
+                                    <p:animScale>
+                                      <p:cBhvr>
+                                        <p:cTn id="35" dur="13">
+                                          <p:stCondLst>
+                                            <p:cond delay="656"/>
+                                          </p:stCondLst>
+                                        </p:cTn>
+                                        <p:tgtEl>
+                                          <p:spTgt spid="6"/>
+                                        </p:tgtEl>
+                                      </p:cBhvr>
+                                      <p:to x="100000" y="80000"/>
+                                    </p:animScale>
+                                    <p:animScale>
+                                      <p:cBhvr>
+                                        <p:cTn id="36" dur="83" decel="50000">
+                                          <p:stCondLst>
+                                            <p:cond delay="669"/>
+                                          </p:stCondLst>
+                                        </p:cTn>
+                                        <p:tgtEl>
+                                          <p:spTgt spid="6"/>
+                                        </p:tgtEl>
+                                      </p:cBhvr>
+                                      <p:to x="100000" y="100000"/>
+                                    </p:animScale>
+                                    <p:animScale>
+                                      <p:cBhvr>
+                                        <p:cTn id="37" dur="13">
+                                          <p:stCondLst>
+                                            <p:cond delay="821"/>
+                                          </p:stCondLst>
+                                        </p:cTn>
+                                        <p:tgtEl>
+                                          <p:spTgt spid="6"/>
+                                        </p:tgtEl>
+                                      </p:cBhvr>
+                                      <p:to x="100000" y="90000"/>
+                                    </p:animScale>
+                                    <p:animScale>
+                                      <p:cBhvr>
+                                        <p:cTn id="38" dur="83" decel="50000">
+                                          <p:stCondLst>
+                                            <p:cond delay="834"/>
+                                          </p:stCondLst>
+                                        </p:cTn>
+                                        <p:tgtEl>
+                                          <p:spTgt spid="6"/>
+                                        </p:tgtEl>
+                                      </p:cBhvr>
+                                      <p:to x="100000" y="100000"/>
+                                    </p:animScale>
+                                    <p:animScale>
+                                      <p:cBhvr>
+                                        <p:cTn id="39" dur="13">
+                                          <p:stCondLst>
+                                            <p:cond delay="904"/>
+                                          </p:stCondLst>
+                                        </p:cTn>
+                                        <p:tgtEl>
+                                          <p:spTgt spid="6"/>
+                                        </p:tgtEl>
+                                      </p:cBhvr>
+                                      <p:to x="100000" y="95000"/>
+                                    </p:animScale>
+                                    <p:animScale>
+                                      <p:cBhvr>
+                                        <p:cTn id="40" dur="83" decel="50000">
+                                          <p:stCondLst>
+                                            <p:cond delay="917"/>
+                                          </p:stCondLst>
+                                        </p:cTn>
+                                        <p:tgtEl>
+                                          <p:spTgt spid="6"/>
+                                        </p:tgtEl>
+                                      </p:cBhvr>
+                                      <p:to x="100000" y="100000"/>
+                                    </p:animScale>
+                                  </p:childTnLst>
+                                </p:cTn>
+                              </p:par>
+                            </p:childTnLst>
+                          </p:cTn>
+                        </p:par>
+                      </p:childTnLst>
+                    </p:cTn>
+                  </p:par>
+                </p:childTnLst>
+              </p:cTn>
+              <p:prevCondLst>
+                <p:cond evt="onPrev" delay="0">
+                  <p:tgtEl>
+                    <p:sldTgt/>
+                  </p:tgtEl>
+                </p:cond>
+              </p:prevCondLst>
+              <p:nextCondLst>
+                <p:cond evt="onNext" delay="0">
+                  <p:tgtEl>
+                    <p:sldTgt/>
+                  </p:tgtEl>
+                </p:cond>
+              </p:nextCondLst>
+            </p:seq>
+          </p:childTnLst>
+        </p:cTn>
+      </p:par>
+    </p:tnLst>
+    <p:bldLst>
+      <p:bldP spid="7" grpId="0"/>
+      <p:bldP spid="8" grpId="0"/>
+    </p:bldLst>
+  </p:timing>
+</p:sld>
+</file>
+
 <file path=ppt/slides/slide3.xml><?xml version="1.0" encoding="utf-8"?>
 <p:sld xmlns:a="http://schemas.openxmlformats.org/drawingml/2006/main" xmlns:r="http://schemas.openxmlformats.org/officeDocument/2006/relationships" xmlns:p="http://schemas.openxmlformats.org/presentationml/2006/main">
   <p:cSld>
@@ -9649,6 +9957,9 @@
   <p:clrMapOvr>
     <a:masterClrMapping/>
   </p:clrMapOvr>
+  <p:transition spd="med">
+    <p:pull/>
+  </p:transition>
   <p:timing>
     <p:tnLst>
       <p:par>
@@ -10067,6 +10378,9 @@
   <p:clrMapOvr>
     <a:masterClrMapping/>
   </p:clrMapOvr>
+  <p:transition spd="med">
+    <p:pull/>
+  </p:transition>
   <p:timing>
     <p:tnLst>
       <p:par>
@@ -10623,6 +10937,9 @@
   <p:clrMapOvr>
     <a:masterClrMapping/>
   </p:clrMapOvr>
+  <p:transition spd="med">
+    <p:pull/>
+  </p:transition>
   <p:timing>
     <p:tnLst>
       <p:par>

--- a/Diapo_soutenance_anim.pptx
+++ b/Diapo_soutenance_anim.pptx
@@ -864,6 +864,90 @@
     <p:extLst>
       <p:ext uri="{BB962C8B-B14F-4D97-AF65-F5344CB8AC3E}">
         <p14:creationId xmlns:p14="http://schemas.microsoft.com/office/powerpoint/2010/main" val="4134003466"/>
+      </p:ext>
+    </p:extLst>
+  </p:cSld>
+  <p:clrMapOvr>
+    <a:masterClrMapping/>
+  </p:clrMapOvr>
+</p:notes>
+</file>
+
+<file path=ppt/notesSlides/notesSlide3.xml><?xml version="1.0" encoding="utf-8"?>
+<p:notes xmlns:a="http://schemas.openxmlformats.org/drawingml/2006/main" xmlns:r="http://schemas.openxmlformats.org/officeDocument/2006/relationships" xmlns:p="http://schemas.openxmlformats.org/presentationml/2006/main">
+  <p:cSld>
+    <p:spTree>
+      <p:nvGrpSpPr>
+        <p:cNvPr id="1" name=""/>
+        <p:cNvGrpSpPr/>
+        <p:nvPr/>
+      </p:nvGrpSpPr>
+      <p:grpSpPr>
+        <a:xfrm>
+          <a:off x="0" y="0"/>
+          <a:ext cx="0" cy="0"/>
+          <a:chOff x="0" y="0"/>
+          <a:chExt cx="0" cy="0"/>
+        </a:xfrm>
+      </p:grpSpPr>
+      <p:sp>
+        <p:nvSpPr>
+          <p:cNvPr id="2" name="Espace réservé de l'image des diapositives 1"/>
+          <p:cNvSpPr>
+            <a:spLocks noGrp="1" noRot="1" noChangeAspect="1"/>
+          </p:cNvSpPr>
+          <p:nvPr>
+            <p:ph type="sldImg"/>
+          </p:nvPr>
+        </p:nvSpPr>
+        <p:spPr/>
+      </p:sp>
+      <p:sp>
+        <p:nvSpPr>
+          <p:cNvPr id="3" name="Espace réservé des notes 2"/>
+          <p:cNvSpPr>
+            <a:spLocks noGrp="1"/>
+          </p:cNvSpPr>
+          <p:nvPr>
+            <p:ph type="body" idx="1"/>
+          </p:nvPr>
+        </p:nvSpPr>
+        <p:spPr/>
+        <p:txBody>
+          <a:bodyPr/>
+          <a:lstStyle/>
+          <a:p>
+            <a:endParaRPr lang="fr-FR" dirty="0"/>
+          </a:p>
+        </p:txBody>
+      </p:sp>
+      <p:sp>
+        <p:nvSpPr>
+          <p:cNvPr id="4" name="Espace réservé du numéro de diapositive 3"/>
+          <p:cNvSpPr>
+            <a:spLocks noGrp="1"/>
+          </p:cNvSpPr>
+          <p:nvPr>
+            <p:ph type="sldNum" sz="quarter" idx="10"/>
+          </p:nvPr>
+        </p:nvSpPr>
+        <p:spPr/>
+        <p:txBody>
+          <a:bodyPr/>
+          <a:lstStyle/>
+          <a:p>
+            <a:fld id="{C591C018-655D-44EC-B865-EFE2E25980DA}" type="slidenum">
+              <a:rPr lang="fr-FR" smtClean="0"/>
+              <a:t>14</a:t>
+            </a:fld>
+            <a:endParaRPr lang="fr-FR"/>
+          </a:p>
+        </p:txBody>
+      </p:sp>
+    </p:spTree>
+    <p:extLst>
+      <p:ext uri="{BB962C8B-B14F-4D97-AF65-F5344CB8AC3E}">
+        <p14:creationId xmlns:p14="http://schemas.microsoft.com/office/powerpoint/2010/main" val="2788175412"/>
       </p:ext>
     </p:extLst>
   </p:cSld>
@@ -3650,7 +3734,7 @@
         </p:nvSpPr>
         <p:spPr>
           <a:xfrm>
-            <a:off x="2159732" y="436300"/>
+            <a:off x="1763688" y="199312"/>
             <a:ext cx="4608512" cy="423109"/>
           </a:xfrm>
         </p:spPr>
@@ -3658,7 +3742,7 @@
           <a:bodyPr/>
           <a:lstStyle/>
           <a:p>
-            <a:pPr algn="ctr"/>
+            <a:pPr algn="l"/>
             <a:r>
               <a:rPr lang="fr-FR" sz="2000" dirty="0" smtClean="0"/>
               <a:t>Architecture détaillée</a:t>
@@ -3695,6 +3779,36 @@
           </a:prstGeom>
         </p:spPr>
       </p:pic>
+      <p:sp>
+        <p:nvSpPr>
+          <p:cNvPr id="7" name="ZoneTexte 6"/>
+          <p:cNvSpPr txBox="1"/>
+          <p:nvPr/>
+        </p:nvSpPr>
+        <p:spPr>
+          <a:xfrm>
+            <a:off x="107504" y="6447133"/>
+            <a:ext cx="301686" cy="369332"/>
+          </a:xfrm>
+          <a:prstGeom prst="rect">
+            <a:avLst/>
+          </a:prstGeom>
+          <a:noFill/>
+        </p:spPr>
+        <p:txBody>
+          <a:bodyPr wrap="none" rtlCol="0">
+            <a:spAutoFit/>
+          </a:bodyPr>
+          <a:lstStyle/>
+          <a:p>
+            <a:r>
+              <a:rPr lang="fr-FR" dirty="0"/>
+              <a:t>9</a:t>
+            </a:r>
+            <a:endParaRPr lang="fr-FR" dirty="0"/>
+          </a:p>
+        </p:txBody>
+      </p:sp>
     </p:spTree>
     <p:extLst>
       <p:ext uri="{BB962C8B-B14F-4D97-AF65-F5344CB8AC3E}">
@@ -3810,7 +3924,7 @@
         </p:nvSpPr>
         <p:spPr>
           <a:xfrm>
-            <a:off x="2769726" y="593522"/>
+            <a:off x="1763688" y="199175"/>
             <a:ext cx="4608512" cy="423109"/>
           </a:xfrm>
         </p:spPr>
@@ -3821,13 +3935,47 @@
             <a:pPr algn="l"/>
             <a:r>
               <a:rPr lang="fr-FR" sz="2000" dirty="0" smtClean="0"/>
-              <a:t>Circuit finale </a:t>
+              <a:t>Schéma </a:t>
             </a:r>
             <a:r>
               <a:rPr lang="fr-FR" sz="2000" dirty="0" err="1" smtClean="0"/>
               <a:t>LTspice</a:t>
             </a:r>
+            <a:r>
+              <a:rPr lang="fr-FR" sz="2000" dirty="0" smtClean="0"/>
+              <a:t> final</a:t>
+            </a:r>
             <a:endParaRPr lang="fr-FR" sz="2000" dirty="0"/>
+          </a:p>
+        </p:txBody>
+      </p:sp>
+      <p:sp>
+        <p:nvSpPr>
+          <p:cNvPr id="19" name="ZoneTexte 18"/>
+          <p:cNvSpPr txBox="1"/>
+          <p:nvPr/>
+        </p:nvSpPr>
+        <p:spPr>
+          <a:xfrm>
+            <a:off x="107504" y="6447133"/>
+            <a:ext cx="418704" cy="369332"/>
+          </a:xfrm>
+          <a:prstGeom prst="rect">
+            <a:avLst/>
+          </a:prstGeom>
+          <a:noFill/>
+        </p:spPr>
+        <p:txBody>
+          <a:bodyPr wrap="none" rtlCol="0">
+            <a:spAutoFit/>
+          </a:bodyPr>
+          <a:lstStyle/>
+          <a:p>
+            <a:r>
+              <a:rPr lang="fr-FR" dirty="0" smtClean="0"/>
+              <a:t>10</a:t>
+            </a:r>
+            <a:endParaRPr lang="fr-FR" dirty="0"/>
           </a:p>
         </p:txBody>
       </p:sp>
@@ -3922,7 +4070,7 @@
         </p:nvSpPr>
         <p:spPr>
           <a:xfrm>
-            <a:off x="2769726" y="593522"/>
+            <a:off x="1693026" y="170759"/>
             <a:ext cx="4608512" cy="423109"/>
           </a:xfrm>
         </p:spPr>
@@ -4045,6 +4193,36 @@
           </a:prstGeom>
         </p:spPr>
       </p:pic>
+      <p:sp>
+        <p:nvSpPr>
+          <p:cNvPr id="13" name="ZoneTexte 12"/>
+          <p:cNvSpPr txBox="1"/>
+          <p:nvPr/>
+        </p:nvSpPr>
+        <p:spPr>
+          <a:xfrm>
+            <a:off x="107504" y="6447133"/>
+            <a:ext cx="418704" cy="369332"/>
+          </a:xfrm>
+          <a:prstGeom prst="rect">
+            <a:avLst/>
+          </a:prstGeom>
+          <a:noFill/>
+        </p:spPr>
+        <p:txBody>
+          <a:bodyPr wrap="none" rtlCol="0">
+            <a:spAutoFit/>
+          </a:bodyPr>
+          <a:lstStyle/>
+          <a:p>
+            <a:r>
+              <a:rPr lang="fr-FR" dirty="0" smtClean="0"/>
+              <a:t>11</a:t>
+            </a:r>
+            <a:endParaRPr lang="fr-FR" dirty="0"/>
+          </a:p>
+        </p:txBody>
+      </p:sp>
     </p:spTree>
     <p:extLst>
       <p:ext uri="{BB962C8B-B14F-4D97-AF65-F5344CB8AC3E}">
@@ -4343,7 +4521,7 @@
         </p:nvSpPr>
         <p:spPr>
           <a:xfrm>
-            <a:off x="2769726" y="593522"/>
+            <a:off x="1763688" y="204847"/>
             <a:ext cx="4608512" cy="423109"/>
           </a:xfrm>
         </p:spPr>
@@ -4411,6 +4589,36 @@
           </a:prstGeom>
         </p:spPr>
       </p:pic>
+      <p:sp>
+        <p:nvSpPr>
+          <p:cNvPr id="8" name="ZoneTexte 7"/>
+          <p:cNvSpPr txBox="1"/>
+          <p:nvPr/>
+        </p:nvSpPr>
+        <p:spPr>
+          <a:xfrm>
+            <a:off x="107504" y="6447133"/>
+            <a:ext cx="418704" cy="369332"/>
+          </a:xfrm>
+          <a:prstGeom prst="rect">
+            <a:avLst/>
+          </a:prstGeom>
+          <a:noFill/>
+        </p:spPr>
+        <p:txBody>
+          <a:bodyPr wrap="none" rtlCol="0">
+            <a:spAutoFit/>
+          </a:bodyPr>
+          <a:lstStyle/>
+          <a:p>
+            <a:r>
+              <a:rPr lang="fr-FR" dirty="0" smtClean="0"/>
+              <a:t>12</a:t>
+            </a:r>
+            <a:endParaRPr lang="fr-FR" dirty="0"/>
+          </a:p>
+        </p:txBody>
+      </p:sp>
     </p:spTree>
     <p:extLst>
       <p:ext uri="{BB962C8B-B14F-4D97-AF65-F5344CB8AC3E}">
@@ -4502,7 +4710,7 @@
         </p:nvSpPr>
         <p:spPr>
           <a:xfrm>
-            <a:off x="2195736" y="620688"/>
+            <a:off x="1691680" y="199312"/>
             <a:ext cx="5258658" cy="423109"/>
           </a:xfrm>
         </p:spPr>
@@ -4526,7 +4734,7 @@
           <p:nvPr/>
         </p:nvPicPr>
         <p:blipFill rotWithShape="1">
-          <a:blip r:embed="rId2"/>
+          <a:blip r:embed="rId3"/>
           <a:srcRect t="13084"/>
           <a:stretch/>
         </p:blipFill>
@@ -4557,7 +4765,7 @@
           <p:nvPr/>
         </p:nvPicPr>
         <p:blipFill>
-          <a:blip r:embed="rId3">
+          <a:blip r:embed="rId4">
             <a:extLst>
               <a:ext uri="{28A0092B-C50C-407E-A947-70E740481C1C}">
                 <a14:useLocalDpi xmlns:a14="http://schemas.microsoft.com/office/drawing/2010/main" val="0"/>
@@ -4602,6 +4810,62 @@
           </a:extLst>
         </p:spPr>
       </p:pic>
+      <p:sp>
+        <p:nvSpPr>
+          <p:cNvPr id="6" name="ZoneTexte 5"/>
+          <p:cNvSpPr txBox="1"/>
+          <p:nvPr/>
+        </p:nvSpPr>
+        <p:spPr>
+          <a:xfrm>
+            <a:off x="107504" y="6447133"/>
+            <a:ext cx="418704" cy="369332"/>
+          </a:xfrm>
+          <a:prstGeom prst="rect">
+            <a:avLst/>
+          </a:prstGeom>
+          <a:noFill/>
+        </p:spPr>
+        <p:txBody>
+          <a:bodyPr wrap="none" rtlCol="0">
+            <a:spAutoFit/>
+          </a:bodyPr>
+          <a:lstStyle/>
+          <a:p>
+            <a:r>
+              <a:rPr lang="fr-FR" dirty="0" smtClean="0"/>
+              <a:t>13</a:t>
+            </a:r>
+            <a:endParaRPr lang="fr-FR" dirty="0"/>
+          </a:p>
+        </p:txBody>
+      </p:sp>
+      <p:sp>
+        <p:nvSpPr>
+          <p:cNvPr id="7" name="ZoneTexte 6"/>
+          <p:cNvSpPr txBox="1"/>
+          <p:nvPr/>
+        </p:nvSpPr>
+        <p:spPr>
+          <a:xfrm>
+            <a:off x="259904" y="6599533"/>
+            <a:ext cx="184731" cy="369332"/>
+          </a:xfrm>
+          <a:prstGeom prst="rect">
+            <a:avLst/>
+          </a:prstGeom>
+          <a:noFill/>
+        </p:spPr>
+        <p:txBody>
+          <a:bodyPr wrap="none" rtlCol="0">
+            <a:spAutoFit/>
+          </a:bodyPr>
+          <a:lstStyle/>
+          <a:p>
+            <a:endParaRPr lang="fr-FR" dirty="0"/>
+          </a:p>
+        </p:txBody>
+      </p:sp>
     </p:spTree>
     <p:extLst>
       <p:ext uri="{BB962C8B-B14F-4D97-AF65-F5344CB8AC3E}">
@@ -4799,6 +5063,36 @@
           </a:p>
         </p:txBody>
       </p:sp>
+      <p:sp>
+        <p:nvSpPr>
+          <p:cNvPr id="4" name="ZoneTexte 3"/>
+          <p:cNvSpPr txBox="1"/>
+          <p:nvPr/>
+        </p:nvSpPr>
+        <p:spPr>
+          <a:xfrm>
+            <a:off x="107504" y="6447133"/>
+            <a:ext cx="418704" cy="369332"/>
+          </a:xfrm>
+          <a:prstGeom prst="rect">
+            <a:avLst/>
+          </a:prstGeom>
+          <a:noFill/>
+        </p:spPr>
+        <p:txBody>
+          <a:bodyPr wrap="none" rtlCol="0">
+            <a:spAutoFit/>
+          </a:bodyPr>
+          <a:lstStyle/>
+          <a:p>
+            <a:r>
+              <a:rPr lang="fr-FR" dirty="0" smtClean="0"/>
+              <a:t>14</a:t>
+            </a:r>
+            <a:endParaRPr lang="fr-FR" dirty="0"/>
+          </a:p>
+        </p:txBody>
+      </p:sp>
     </p:spTree>
     <p:extLst>
       <p:ext uri="{BB962C8B-B14F-4D97-AF65-F5344CB8AC3E}">
@@ -4890,7 +5184,7 @@
         </p:nvSpPr>
         <p:spPr>
           <a:xfrm>
-            <a:off x="3347864" y="548680"/>
+            <a:off x="1691680" y="149883"/>
             <a:ext cx="4608512" cy="423109"/>
           </a:xfrm>
         </p:spPr>
@@ -4901,7 +5195,7 @@
             <a:pPr algn="l"/>
             <a:r>
               <a:rPr lang="fr-FR" sz="2000" dirty="0" smtClean="0"/>
-              <a:t>PCB prototype</a:t>
+              <a:t>Schématique et routage du PCB</a:t>
             </a:r>
             <a:endParaRPr lang="fr-FR" sz="2000" dirty="0"/>
           </a:p>
@@ -5122,6 +5416,36 @@
               <a:t>BOTTOM</a:t>
             </a:r>
             <a:endParaRPr lang="fr-FR" sz="2400" b="1" dirty="0"/>
+          </a:p>
+        </p:txBody>
+      </p:sp>
+      <p:sp>
+        <p:nvSpPr>
+          <p:cNvPr id="11" name="ZoneTexte 10"/>
+          <p:cNvSpPr txBox="1"/>
+          <p:nvPr/>
+        </p:nvSpPr>
+        <p:spPr>
+          <a:xfrm>
+            <a:off x="107504" y="6447133"/>
+            <a:ext cx="418704" cy="369332"/>
+          </a:xfrm>
+          <a:prstGeom prst="rect">
+            <a:avLst/>
+          </a:prstGeom>
+          <a:noFill/>
+        </p:spPr>
+        <p:txBody>
+          <a:bodyPr wrap="none" rtlCol="0">
+            <a:spAutoFit/>
+          </a:bodyPr>
+          <a:lstStyle/>
+          <a:p>
+            <a:r>
+              <a:rPr lang="fr-FR" dirty="0" smtClean="0"/>
+              <a:t>15</a:t>
+            </a:r>
+            <a:endParaRPr lang="fr-FR" dirty="0"/>
           </a:p>
         </p:txBody>
       </p:sp>
@@ -5662,7 +5986,7 @@
         </p:nvSpPr>
         <p:spPr>
           <a:xfrm>
-            <a:off x="2699792" y="539935"/>
+            <a:off x="1835696" y="174864"/>
             <a:ext cx="4608512" cy="423109"/>
           </a:xfrm>
         </p:spPr>
@@ -5712,6 +6036,36 @@
           </a:ln>
         </p:spPr>
       </p:pic>
+      <p:sp>
+        <p:nvSpPr>
+          <p:cNvPr id="12" name="ZoneTexte 11"/>
+          <p:cNvSpPr txBox="1"/>
+          <p:nvPr/>
+        </p:nvSpPr>
+        <p:spPr>
+          <a:xfrm>
+            <a:off x="107504" y="6447133"/>
+            <a:ext cx="418704" cy="369332"/>
+          </a:xfrm>
+          <a:prstGeom prst="rect">
+            <a:avLst/>
+          </a:prstGeom>
+          <a:noFill/>
+        </p:spPr>
+        <p:txBody>
+          <a:bodyPr wrap="none" rtlCol="0">
+            <a:spAutoFit/>
+          </a:bodyPr>
+          <a:lstStyle/>
+          <a:p>
+            <a:r>
+              <a:rPr lang="fr-FR" dirty="0" smtClean="0"/>
+              <a:t>16</a:t>
+            </a:r>
+            <a:endParaRPr lang="fr-FR" dirty="0"/>
+          </a:p>
+        </p:txBody>
+      </p:sp>
     </p:spTree>
     <p:extLst>
       <p:ext uri="{BB962C8B-B14F-4D97-AF65-F5344CB8AC3E}">
@@ -5803,7 +6157,7 @@
         </p:nvSpPr>
         <p:spPr>
           <a:xfrm>
-            <a:off x="3077580" y="548680"/>
+            <a:off x="1763688" y="160044"/>
             <a:ext cx="4608512" cy="423109"/>
           </a:xfrm>
         </p:spPr>
@@ -5829,7 +6183,7 @@
           <p:nvPr>
             <p:extLst>
               <p:ext uri="{D42A27DB-BD31-4B8C-83A1-F6EECF244321}">
-                <p14:modId xmlns:p14="http://schemas.microsoft.com/office/powerpoint/2010/main" val="2886493711"/>
+                <p14:modId xmlns:p14="http://schemas.microsoft.com/office/powerpoint/2010/main" val="1385976669"/>
               </p:ext>
             </p:extLst>
           </p:nvPr>
@@ -6057,7 +6411,7 @@
                       </a:br>
                       <a:r>
                         <a:rPr lang="fr-FR" dirty="0" smtClean="0"/>
-                        <a:t>           avec routage: entre 300mm2 et 400m2 </a:t>
+                        <a:t>           avec routage: entre 300mm2 et 400mm2 </a:t>
                       </a:r>
                       <a:endParaRPr lang="fr-FR" dirty="0"/>
                     </a:p>
@@ -6133,6 +6487,36 @@
           </a:graphicData>
         </a:graphic>
       </p:graphicFrame>
+      <p:sp>
+        <p:nvSpPr>
+          <p:cNvPr id="8" name="ZoneTexte 7"/>
+          <p:cNvSpPr txBox="1"/>
+          <p:nvPr/>
+        </p:nvSpPr>
+        <p:spPr>
+          <a:xfrm>
+            <a:off x="107504" y="6447133"/>
+            <a:ext cx="418704" cy="369332"/>
+          </a:xfrm>
+          <a:prstGeom prst="rect">
+            <a:avLst/>
+          </a:prstGeom>
+          <a:noFill/>
+        </p:spPr>
+        <p:txBody>
+          <a:bodyPr wrap="none" rtlCol="0">
+            <a:spAutoFit/>
+          </a:bodyPr>
+          <a:lstStyle/>
+          <a:p>
+            <a:r>
+              <a:rPr lang="fr-FR" dirty="0" smtClean="0"/>
+              <a:t>17</a:t>
+            </a:r>
+            <a:endParaRPr lang="fr-FR" dirty="0"/>
+          </a:p>
+        </p:txBody>
+      </p:sp>
     </p:spTree>
     <p:extLst>
       <p:ext uri="{BB962C8B-B14F-4D97-AF65-F5344CB8AC3E}">
@@ -6227,6 +6611,36 @@
           </a:p>
           <a:p>
             <a:pPr algn="ctr"/>
+            <a:endParaRPr lang="fr-FR" dirty="0"/>
+          </a:p>
+        </p:txBody>
+      </p:sp>
+      <p:sp>
+        <p:nvSpPr>
+          <p:cNvPr id="4" name="ZoneTexte 3"/>
+          <p:cNvSpPr txBox="1"/>
+          <p:nvPr/>
+        </p:nvSpPr>
+        <p:spPr>
+          <a:xfrm>
+            <a:off x="107504" y="6447133"/>
+            <a:ext cx="418704" cy="369332"/>
+          </a:xfrm>
+          <a:prstGeom prst="rect">
+            <a:avLst/>
+          </a:prstGeom>
+          <a:noFill/>
+        </p:spPr>
+        <p:txBody>
+          <a:bodyPr wrap="none" rtlCol="0">
+            <a:spAutoFit/>
+          </a:bodyPr>
+          <a:lstStyle/>
+          <a:p>
+            <a:r>
+              <a:rPr lang="fr-FR" dirty="0" smtClean="0"/>
+              <a:t>18</a:t>
+            </a:r>
             <a:endParaRPr lang="fr-FR" dirty="0"/>
           </a:p>
         </p:txBody>
@@ -8455,6 +8869,36 @@
           </p:txBody>
         </p:sp>
       </p:grpSp>
+      <p:sp>
+        <p:nvSpPr>
+          <p:cNvPr id="43" name="ZoneTexte 42"/>
+          <p:cNvSpPr txBox="1"/>
+          <p:nvPr/>
+        </p:nvSpPr>
+        <p:spPr>
+          <a:xfrm>
+            <a:off x="107504" y="6447133"/>
+            <a:ext cx="301686" cy="369332"/>
+          </a:xfrm>
+          <a:prstGeom prst="rect">
+            <a:avLst/>
+          </a:prstGeom>
+          <a:noFill/>
+        </p:spPr>
+        <p:txBody>
+          <a:bodyPr wrap="none" rtlCol="0">
+            <a:spAutoFit/>
+          </a:bodyPr>
+          <a:lstStyle/>
+          <a:p>
+            <a:r>
+              <a:rPr lang="fr-FR" dirty="0" smtClean="0"/>
+              <a:t>1</a:t>
+            </a:r>
+            <a:endParaRPr lang="fr-FR" dirty="0"/>
+          </a:p>
+        </p:txBody>
+      </p:sp>
     </p:spTree>
     <p:extLst>
       <p:ext uri="{BB962C8B-B14F-4D97-AF65-F5344CB8AC3E}">
@@ -9206,6 +9650,36 @@
           </a:p>
         </p:txBody>
       </p:sp>
+      <p:sp>
+        <p:nvSpPr>
+          <p:cNvPr id="9" name="ZoneTexte 8"/>
+          <p:cNvSpPr txBox="1"/>
+          <p:nvPr/>
+        </p:nvSpPr>
+        <p:spPr>
+          <a:xfrm>
+            <a:off x="107504" y="6447133"/>
+            <a:ext cx="418704" cy="369332"/>
+          </a:xfrm>
+          <a:prstGeom prst="rect">
+            <a:avLst/>
+          </a:prstGeom>
+          <a:noFill/>
+        </p:spPr>
+        <p:txBody>
+          <a:bodyPr wrap="none" rtlCol="0">
+            <a:spAutoFit/>
+          </a:bodyPr>
+          <a:lstStyle/>
+          <a:p>
+            <a:r>
+              <a:rPr lang="fr-FR" dirty="0" smtClean="0"/>
+              <a:t>19</a:t>
+            </a:r>
+            <a:endParaRPr lang="fr-FR" dirty="0"/>
+          </a:p>
+        </p:txBody>
+      </p:sp>
     </p:spTree>
     <p:extLst>
       <p:ext uri="{BB962C8B-B14F-4D97-AF65-F5344CB8AC3E}">
@@ -9947,6 +10421,36 @@
           </a:p>
         </p:txBody>
       </p:sp>
+      <p:sp>
+        <p:nvSpPr>
+          <p:cNvPr id="6" name="ZoneTexte 5"/>
+          <p:cNvSpPr txBox="1"/>
+          <p:nvPr/>
+        </p:nvSpPr>
+        <p:spPr>
+          <a:xfrm>
+            <a:off x="107504" y="6447133"/>
+            <a:ext cx="301686" cy="369332"/>
+          </a:xfrm>
+          <a:prstGeom prst="rect">
+            <a:avLst/>
+          </a:prstGeom>
+          <a:noFill/>
+        </p:spPr>
+        <p:txBody>
+          <a:bodyPr wrap="none" rtlCol="0">
+            <a:spAutoFit/>
+          </a:bodyPr>
+          <a:lstStyle/>
+          <a:p>
+            <a:r>
+              <a:rPr lang="fr-FR" dirty="0"/>
+              <a:t>2</a:t>
+            </a:r>
+            <a:endParaRPr lang="fr-FR" dirty="0"/>
+          </a:p>
+        </p:txBody>
+      </p:sp>
     </p:spTree>
     <p:extLst>
       <p:ext uri="{BB962C8B-B14F-4D97-AF65-F5344CB8AC3E}">
@@ -10038,7 +10542,7 @@
         </p:nvSpPr>
         <p:spPr>
           <a:xfrm>
-            <a:off x="1907946" y="517063"/>
+            <a:off x="1763688" y="188640"/>
             <a:ext cx="4608512" cy="423109"/>
           </a:xfrm>
         </p:spPr>
@@ -10144,6 +10648,36 @@
           </a:extLst>
         </p:spPr>
       </p:pic>
+      <p:sp>
+        <p:nvSpPr>
+          <p:cNvPr id="9" name="ZoneTexte 8"/>
+          <p:cNvSpPr txBox="1"/>
+          <p:nvPr/>
+        </p:nvSpPr>
+        <p:spPr>
+          <a:xfrm>
+            <a:off x="107504" y="6447133"/>
+            <a:ext cx="301686" cy="369332"/>
+          </a:xfrm>
+          <a:prstGeom prst="rect">
+            <a:avLst/>
+          </a:prstGeom>
+          <a:noFill/>
+        </p:spPr>
+        <p:txBody>
+          <a:bodyPr wrap="none" rtlCol="0">
+            <a:spAutoFit/>
+          </a:bodyPr>
+          <a:lstStyle/>
+          <a:p>
+            <a:r>
+              <a:rPr lang="fr-FR" dirty="0" smtClean="0"/>
+              <a:t>3</a:t>
+            </a:r>
+            <a:endParaRPr lang="fr-FR" dirty="0"/>
+          </a:p>
+        </p:txBody>
+      </p:sp>
     </p:spTree>
     <p:extLst>
       <p:ext uri="{BB962C8B-B14F-4D97-AF65-F5344CB8AC3E}">
@@ -10368,6 +10902,36 @@
           </a:p>
         </p:txBody>
       </p:sp>
+      <p:sp>
+        <p:nvSpPr>
+          <p:cNvPr id="6" name="ZoneTexte 5"/>
+          <p:cNvSpPr txBox="1"/>
+          <p:nvPr/>
+        </p:nvSpPr>
+        <p:spPr>
+          <a:xfrm>
+            <a:off x="107504" y="6447133"/>
+            <a:ext cx="301686" cy="369332"/>
+          </a:xfrm>
+          <a:prstGeom prst="rect">
+            <a:avLst/>
+          </a:prstGeom>
+          <a:noFill/>
+        </p:spPr>
+        <p:txBody>
+          <a:bodyPr wrap="none" rtlCol="0">
+            <a:spAutoFit/>
+          </a:bodyPr>
+          <a:lstStyle/>
+          <a:p>
+            <a:r>
+              <a:rPr lang="fr-FR" dirty="0"/>
+              <a:t>4</a:t>
+            </a:r>
+            <a:endParaRPr lang="fr-FR" dirty="0"/>
+          </a:p>
+        </p:txBody>
+      </p:sp>
     </p:spTree>
     <p:extLst>
       <p:ext uri="{BB962C8B-B14F-4D97-AF65-F5344CB8AC3E}">
@@ -10459,7 +11023,7 @@
         </p:nvSpPr>
         <p:spPr>
           <a:xfrm>
-            <a:off x="2195736" y="518609"/>
+            <a:off x="611560" y="148436"/>
             <a:ext cx="4608512" cy="423109"/>
           </a:xfrm>
         </p:spPr>
@@ -10530,7 +11094,7 @@
         </p:nvSpPr>
         <p:spPr>
           <a:xfrm>
-            <a:off x="2123728" y="518141"/>
+            <a:off x="1907704" y="156223"/>
             <a:ext cx="4608512" cy="423109"/>
           </a:xfrm>
           <a:prstGeom prst="rect">
@@ -10677,12 +11241,42 @@
             </a:lvl9pPr>
           </a:lstStyle>
           <a:p>
-            <a:pPr algn="ctr"/>
+            <a:pPr algn="l"/>
             <a:r>
               <a:rPr lang="fr-FR" sz="2000" dirty="0" smtClean="0"/>
               <a:t>Planning final</a:t>
             </a:r>
             <a:endParaRPr lang="fr-FR" sz="2000" dirty="0"/>
+          </a:p>
+        </p:txBody>
+      </p:sp>
+      <p:sp>
+        <p:nvSpPr>
+          <p:cNvPr id="8" name="ZoneTexte 7"/>
+          <p:cNvSpPr txBox="1"/>
+          <p:nvPr/>
+        </p:nvSpPr>
+        <p:spPr>
+          <a:xfrm>
+            <a:off x="107504" y="6447133"/>
+            <a:ext cx="301686" cy="369332"/>
+          </a:xfrm>
+          <a:prstGeom prst="rect">
+            <a:avLst/>
+          </a:prstGeom>
+          <a:noFill/>
+        </p:spPr>
+        <p:txBody>
+          <a:bodyPr wrap="none" rtlCol="0">
+            <a:spAutoFit/>
+          </a:bodyPr>
+          <a:lstStyle/>
+          <a:p>
+            <a:r>
+              <a:rPr lang="fr-FR" dirty="0"/>
+              <a:t>5</a:t>
+            </a:r>
+            <a:endParaRPr lang="fr-FR" dirty="0"/>
           </a:p>
         </p:txBody>
       </p:sp>
@@ -10927,6 +11521,36 @@
           </a:p>
         </p:txBody>
       </p:sp>
+      <p:sp>
+        <p:nvSpPr>
+          <p:cNvPr id="4" name="ZoneTexte 3"/>
+          <p:cNvSpPr txBox="1"/>
+          <p:nvPr/>
+        </p:nvSpPr>
+        <p:spPr>
+          <a:xfrm>
+            <a:off x="107504" y="6447133"/>
+            <a:ext cx="301686" cy="369332"/>
+          </a:xfrm>
+          <a:prstGeom prst="rect">
+            <a:avLst/>
+          </a:prstGeom>
+          <a:noFill/>
+        </p:spPr>
+        <p:txBody>
+          <a:bodyPr wrap="none" rtlCol="0">
+            <a:spAutoFit/>
+          </a:bodyPr>
+          <a:lstStyle/>
+          <a:p>
+            <a:r>
+              <a:rPr lang="fr-FR" dirty="0"/>
+              <a:t>6</a:t>
+            </a:r>
+            <a:endParaRPr lang="fr-FR" dirty="0"/>
+          </a:p>
+        </p:txBody>
+      </p:sp>
     </p:spTree>
     <p:extLst>
       <p:ext uri="{BB962C8B-B14F-4D97-AF65-F5344CB8AC3E}">
@@ -11018,7 +11642,7 @@
         </p:nvSpPr>
         <p:spPr>
           <a:xfrm>
-            <a:off x="2195736" y="548680"/>
+            <a:off x="1691680" y="116632"/>
             <a:ext cx="4608512" cy="423109"/>
           </a:xfrm>
         </p:spPr>
@@ -11026,7 +11650,7 @@
           <a:bodyPr/>
           <a:lstStyle/>
           <a:p>
-            <a:pPr algn="ctr"/>
+            <a:pPr algn="l"/>
             <a:r>
               <a:rPr lang="fr-FR" sz="2000" dirty="0" smtClean="0"/>
               <a:t>Cahier des charges</a:t>
@@ -11044,14 +11668,14 @@
           <p:nvPr>
             <p:extLst>
               <p:ext uri="{D42A27DB-BD31-4B8C-83A1-F6EECF244321}">
-                <p14:modId xmlns:p14="http://schemas.microsoft.com/office/powerpoint/2010/main" val="724372767"/>
+                <p14:modId xmlns:p14="http://schemas.microsoft.com/office/powerpoint/2010/main" val="3923794241"/>
               </p:ext>
             </p:extLst>
           </p:nvPr>
         </p:nvGraphicFramePr>
         <p:xfrm>
           <a:off x="611560" y="1628801"/>
-          <a:ext cx="7903790" cy="4129792"/>
+          <a:ext cx="7903790" cy="4366068"/>
         </p:xfrm>
         <a:graphic>
           <a:graphicData uri="http://schemas.openxmlformats.org/drawingml/2006/table">
@@ -11184,12 +11808,12 @@
                         </a:spcAft>
                       </a:pPr>
                       <a:r>
-                        <a:rPr lang="fr-FR" sz="1200">
+                        <a:rPr lang="fr-FR" sz="1200" dirty="0">
                           <a:effectLst/>
                         </a:rPr>
                         <a:t>   Sinusoïde</a:t>
                       </a:r>
-                      <a:endParaRPr lang="fr-FR" sz="1200">
+                      <a:endParaRPr lang="fr-FR" sz="1200" dirty="0">
                         <a:effectLst/>
                         <a:latin typeface="Calibri" panose="020F0502020204030204" pitchFamily="34" charset="0"/>
                         <a:ea typeface="Times New Roman" panose="02020603050405020304" pitchFamily="18" charset="0"/>
@@ -11202,6 +11826,86 @@
                 <a:extLst>
                   <a:ext uri="{0D108BD9-81ED-4DB2-BD59-A6C34878D82A}">
                     <a16:rowId xmlns:a16="http://schemas.microsoft.com/office/drawing/2014/main" val="3990151457"/>
+                  </a:ext>
+                </a:extLst>
+              </a:tr>
+              <a:tr h="236276">
+                <a:tc>
+                  <a:txBody>
+                    <a:bodyPr/>
+                    <a:lstStyle/>
+                    <a:p>
+                      <a:pPr algn="l">
+                        <a:lnSpc>
+                          <a:spcPts val="1800"/>
+                        </a:lnSpc>
+                        <a:spcAft>
+                          <a:spcPts val="300"/>
+                        </a:spcAft>
+                      </a:pPr>
+                      <a:r>
+                        <a:rPr lang="fr-FR" sz="1200" dirty="0" smtClean="0">
+                          <a:effectLst/>
+                          <a:latin typeface="Calibri" panose="020F0502020204030204" pitchFamily="34" charset="0"/>
+                          <a:ea typeface="Times New Roman" panose="02020603050405020304" pitchFamily="18" charset="0"/>
+                          <a:cs typeface="Times New Roman" panose="02020603050405020304" pitchFamily="18" charset="0"/>
+                        </a:rPr>
+                        <a:t>Type</a:t>
+                      </a:r>
+                      <a:r>
+                        <a:rPr lang="fr-FR" sz="1200" baseline="0" dirty="0" smtClean="0">
+                          <a:effectLst/>
+                          <a:latin typeface="Calibri" panose="020F0502020204030204" pitchFamily="34" charset="0"/>
+                          <a:ea typeface="Times New Roman" panose="02020603050405020304" pitchFamily="18" charset="0"/>
+                          <a:cs typeface="Times New Roman" panose="02020603050405020304" pitchFamily="18" charset="0"/>
+                        </a:rPr>
+                        <a:t> de sortie</a:t>
+                      </a:r>
+                      <a:endParaRPr lang="fr-FR" sz="1200" dirty="0">
+                        <a:effectLst/>
+                        <a:latin typeface="Calibri" panose="020F0502020204030204" pitchFamily="34" charset="0"/>
+                        <a:ea typeface="Times New Roman" panose="02020603050405020304" pitchFamily="18" charset="0"/>
+                        <a:cs typeface="Times New Roman" panose="02020603050405020304" pitchFamily="18" charset="0"/>
+                      </a:endParaRPr>
+                    </a:p>
+                  </a:txBody>
+                  <a:tcPr marL="0" marR="0" marT="0" marB="0" anchor="ctr"/>
+                </a:tc>
+                <a:tc>
+                  <a:txBody>
+                    <a:bodyPr/>
+                    <a:lstStyle/>
+                    <a:p>
+                      <a:pPr algn="l">
+                        <a:lnSpc>
+                          <a:spcPts val="1800"/>
+                        </a:lnSpc>
+                        <a:spcAft>
+                          <a:spcPts val="300"/>
+                        </a:spcAft>
+                      </a:pPr>
+                      <a:r>
+                        <a:rPr lang="fr-FR" sz="1200" dirty="0" smtClean="0">
+                          <a:effectLst/>
+                          <a:latin typeface="Calibri" panose="020F0502020204030204" pitchFamily="34" charset="0"/>
+                          <a:ea typeface="Times New Roman" panose="02020603050405020304" pitchFamily="18" charset="0"/>
+                          <a:cs typeface="Times New Roman" panose="02020603050405020304" pitchFamily="18" charset="0"/>
+                        </a:rPr>
+                        <a:t>   Sortie différentielle</a:t>
+                      </a:r>
+                      <a:endParaRPr lang="fr-FR" sz="1200" dirty="0">
+                        <a:effectLst/>
+                        <a:latin typeface="Calibri" panose="020F0502020204030204" pitchFamily="34" charset="0"/>
+                        <a:ea typeface="Times New Roman" panose="02020603050405020304" pitchFamily="18" charset="0"/>
+                        <a:cs typeface="Times New Roman" panose="02020603050405020304" pitchFamily="18" charset="0"/>
+                      </a:endParaRPr>
+                    </a:p>
+                  </a:txBody>
+                  <a:tcPr marL="0" marR="0" marT="0" marB="0" anchor="ctr"/>
+                </a:tc>
+                <a:extLst>
+                  <a:ext uri="{0D108BD9-81ED-4DB2-BD59-A6C34878D82A}">
+                    <a16:rowId xmlns:a16="http://schemas.microsoft.com/office/drawing/2014/main" val="1381483077"/>
                   </a:ext>
                 </a:extLst>
               </a:tr>
@@ -11704,12 +12408,12 @@
                         </a:spcAft>
                       </a:pPr>
                       <a:r>
-                        <a:rPr lang="fr-FR" sz="1200">
+                        <a:rPr lang="fr-FR" sz="1200" dirty="0">
                           <a:effectLst/>
                         </a:rPr>
                         <a:t>   Inférieur à 1%</a:t>
                       </a:r>
-                      <a:endParaRPr lang="fr-FR" sz="1200">
+                      <a:endParaRPr lang="fr-FR" sz="1200" dirty="0">
                         <a:effectLst/>
                         <a:latin typeface="Calibri" panose="020F0502020204030204" pitchFamily="34" charset="0"/>
                         <a:ea typeface="Times New Roman" panose="02020603050405020304" pitchFamily="18" charset="0"/>
@@ -11794,6 +12498,36 @@
           </a:graphicData>
         </a:graphic>
       </p:graphicFrame>
+      <p:sp>
+        <p:nvSpPr>
+          <p:cNvPr id="6" name="ZoneTexte 5"/>
+          <p:cNvSpPr txBox="1"/>
+          <p:nvPr/>
+        </p:nvSpPr>
+        <p:spPr>
+          <a:xfrm>
+            <a:off x="107504" y="6447133"/>
+            <a:ext cx="301686" cy="369332"/>
+          </a:xfrm>
+          <a:prstGeom prst="rect">
+            <a:avLst/>
+          </a:prstGeom>
+          <a:noFill/>
+        </p:spPr>
+        <p:txBody>
+          <a:bodyPr wrap="none" rtlCol="0">
+            <a:spAutoFit/>
+          </a:bodyPr>
+          <a:lstStyle/>
+          <a:p>
+            <a:r>
+              <a:rPr lang="fr-FR" dirty="0"/>
+              <a:t>7</a:t>
+            </a:r>
+            <a:endParaRPr lang="fr-FR" dirty="0"/>
+          </a:p>
+        </p:txBody>
+      </p:sp>
     </p:spTree>
     <p:extLst>
       <p:ext uri="{BB962C8B-B14F-4D97-AF65-F5344CB8AC3E}">
@@ -11885,7 +12619,7 @@
         </p:nvSpPr>
         <p:spPr>
           <a:xfrm>
-            <a:off x="2159732" y="436300"/>
+            <a:off x="1763688" y="204735"/>
             <a:ext cx="4608512" cy="423109"/>
           </a:xfrm>
         </p:spPr>
@@ -11893,7 +12627,7 @@
           <a:bodyPr/>
           <a:lstStyle/>
           <a:p>
-            <a:pPr algn="ctr"/>
+            <a:pPr algn="l"/>
             <a:r>
               <a:rPr lang="fr-FR" sz="2000" dirty="0" smtClean="0"/>
               <a:t>Choix de l’architecture</a:t>
@@ -12795,6 +13529,36 @@
           </a:prstGeom>
         </p:spPr>
       </p:pic>
+      <p:sp>
+        <p:nvSpPr>
+          <p:cNvPr id="17" name="ZoneTexte 16"/>
+          <p:cNvSpPr txBox="1"/>
+          <p:nvPr/>
+        </p:nvSpPr>
+        <p:spPr>
+          <a:xfrm>
+            <a:off x="107504" y="6447133"/>
+            <a:ext cx="301686" cy="369332"/>
+          </a:xfrm>
+          <a:prstGeom prst="rect">
+            <a:avLst/>
+          </a:prstGeom>
+          <a:noFill/>
+        </p:spPr>
+        <p:txBody>
+          <a:bodyPr wrap="none" rtlCol="0">
+            <a:spAutoFit/>
+          </a:bodyPr>
+          <a:lstStyle/>
+          <a:p>
+            <a:r>
+              <a:rPr lang="fr-FR" dirty="0"/>
+              <a:t>8</a:t>
+            </a:r>
+            <a:endParaRPr lang="fr-FR" dirty="0"/>
+          </a:p>
+        </p:txBody>
+      </p:sp>
     </p:spTree>
     <p:extLst>
       <p:ext uri="{BB962C8B-B14F-4D97-AF65-F5344CB8AC3E}">

--- a/Diapo_soutenance_anim.pptx
+++ b/Diapo_soutenance_anim.pptx
@@ -5,32 +5,34 @@
     <p:sldMasterId id="2147483651" r:id="rId1"/>
   </p:sldMasterIdLst>
   <p:notesMasterIdLst>
-    <p:notesMasterId r:id="rId22"/>
+    <p:notesMasterId r:id="rId24"/>
   </p:notesMasterIdLst>
   <p:handoutMasterIdLst>
-    <p:handoutMasterId r:id="rId23"/>
+    <p:handoutMasterId r:id="rId25"/>
   </p:handoutMasterIdLst>
   <p:sldIdLst>
     <p:sldId id="280" r:id="rId2"/>
     <p:sldId id="278" r:id="rId3"/>
     <p:sldId id="287" r:id="rId4"/>
-    <p:sldId id="279" r:id="rId5"/>
-    <p:sldId id="288" r:id="rId6"/>
-    <p:sldId id="281" r:id="rId7"/>
-    <p:sldId id="289" r:id="rId8"/>
-    <p:sldId id="286" r:id="rId9"/>
-    <p:sldId id="282" r:id="rId10"/>
-    <p:sldId id="296" r:id="rId11"/>
-    <p:sldId id="285" r:id="rId12"/>
-    <p:sldId id="292" r:id="rId13"/>
-    <p:sldId id="293" r:id="rId14"/>
-    <p:sldId id="294" r:id="rId15"/>
-    <p:sldId id="290" r:id="rId16"/>
-    <p:sldId id="283" r:id="rId17"/>
-    <p:sldId id="297" r:id="rId18"/>
-    <p:sldId id="295" r:id="rId19"/>
-    <p:sldId id="291" r:id="rId20"/>
-    <p:sldId id="284" r:id="rId21"/>
+    <p:sldId id="300" r:id="rId5"/>
+    <p:sldId id="279" r:id="rId6"/>
+    <p:sldId id="288" r:id="rId7"/>
+    <p:sldId id="281" r:id="rId8"/>
+    <p:sldId id="289" r:id="rId9"/>
+    <p:sldId id="286" r:id="rId10"/>
+    <p:sldId id="282" r:id="rId11"/>
+    <p:sldId id="296" r:id="rId12"/>
+    <p:sldId id="285" r:id="rId13"/>
+    <p:sldId id="292" r:id="rId14"/>
+    <p:sldId id="293" r:id="rId15"/>
+    <p:sldId id="294" r:id="rId16"/>
+    <p:sldId id="290" r:id="rId17"/>
+    <p:sldId id="283" r:id="rId18"/>
+    <p:sldId id="297" r:id="rId19"/>
+    <p:sldId id="295" r:id="rId20"/>
+    <p:sldId id="298" r:id="rId21"/>
+    <p:sldId id="291" r:id="rId22"/>
+    <p:sldId id="284" r:id="rId23"/>
   </p:sldIdLst>
   <p:sldSz cx="9144000" cy="6858000" type="screen4x3"/>
   <p:notesSz cx="6858000" cy="9144000"/>
@@ -137,6 +139,7 @@
             <p14:sldId id="280"/>
             <p14:sldId id="278"/>
             <p14:sldId id="287"/>
+            <p14:sldId id="300"/>
             <p14:sldId id="279"/>
             <p14:sldId id="288"/>
             <p14:sldId id="281"/>
@@ -152,6 +155,7 @@
             <p14:sldId id="283"/>
             <p14:sldId id="297"/>
             <p14:sldId id="295"/>
+            <p14:sldId id="298"/>
             <p14:sldId id="291"/>
             <p14:sldId id="284"/>
           </p14:sldIdLst>
@@ -863,7 +867,7 @@
     </p:spTree>
     <p:extLst>
       <p:ext uri="{BB962C8B-B14F-4D97-AF65-F5344CB8AC3E}">
-        <p14:creationId xmlns:p14="http://schemas.microsoft.com/office/powerpoint/2010/main" val="4134003466"/>
+        <p14:creationId xmlns:p14="http://schemas.microsoft.com/office/powerpoint/2010/main" val="3556251797"/>
       </p:ext>
     </p:extLst>
   </p:cSld>
@@ -938,7 +942,91 @@
           <a:p>
             <a:fld id="{C591C018-655D-44EC-B865-EFE2E25980DA}" type="slidenum">
               <a:rPr lang="fr-FR" smtClean="0"/>
-              <a:t>14</a:t>
+              <a:t>5</a:t>
+            </a:fld>
+            <a:endParaRPr lang="fr-FR"/>
+          </a:p>
+        </p:txBody>
+      </p:sp>
+    </p:spTree>
+    <p:extLst>
+      <p:ext uri="{BB962C8B-B14F-4D97-AF65-F5344CB8AC3E}">
+        <p14:creationId xmlns:p14="http://schemas.microsoft.com/office/powerpoint/2010/main" val="4134003466"/>
+      </p:ext>
+    </p:extLst>
+  </p:cSld>
+  <p:clrMapOvr>
+    <a:masterClrMapping/>
+  </p:clrMapOvr>
+</p:notes>
+</file>
+
+<file path=ppt/notesSlides/notesSlide4.xml><?xml version="1.0" encoding="utf-8"?>
+<p:notes xmlns:a="http://schemas.openxmlformats.org/drawingml/2006/main" xmlns:r="http://schemas.openxmlformats.org/officeDocument/2006/relationships" xmlns:p="http://schemas.openxmlformats.org/presentationml/2006/main">
+  <p:cSld>
+    <p:spTree>
+      <p:nvGrpSpPr>
+        <p:cNvPr id="1" name=""/>
+        <p:cNvGrpSpPr/>
+        <p:nvPr/>
+      </p:nvGrpSpPr>
+      <p:grpSpPr>
+        <a:xfrm>
+          <a:off x="0" y="0"/>
+          <a:ext cx="0" cy="0"/>
+          <a:chOff x="0" y="0"/>
+          <a:chExt cx="0" cy="0"/>
+        </a:xfrm>
+      </p:grpSpPr>
+      <p:sp>
+        <p:nvSpPr>
+          <p:cNvPr id="2" name="Espace réservé de l'image des diapositives 1"/>
+          <p:cNvSpPr>
+            <a:spLocks noGrp="1" noRot="1" noChangeAspect="1"/>
+          </p:cNvSpPr>
+          <p:nvPr>
+            <p:ph type="sldImg"/>
+          </p:nvPr>
+        </p:nvSpPr>
+        <p:spPr/>
+      </p:sp>
+      <p:sp>
+        <p:nvSpPr>
+          <p:cNvPr id="3" name="Espace réservé des notes 2"/>
+          <p:cNvSpPr>
+            <a:spLocks noGrp="1"/>
+          </p:cNvSpPr>
+          <p:nvPr>
+            <p:ph type="body" idx="1"/>
+          </p:nvPr>
+        </p:nvSpPr>
+        <p:spPr/>
+        <p:txBody>
+          <a:bodyPr/>
+          <a:lstStyle/>
+          <a:p>
+            <a:endParaRPr lang="fr-FR" dirty="0"/>
+          </a:p>
+        </p:txBody>
+      </p:sp>
+      <p:sp>
+        <p:nvSpPr>
+          <p:cNvPr id="4" name="Espace réservé du numéro de diapositive 3"/>
+          <p:cNvSpPr>
+            <a:spLocks noGrp="1"/>
+          </p:cNvSpPr>
+          <p:nvPr>
+            <p:ph type="sldNum" sz="quarter" idx="10"/>
+          </p:nvPr>
+        </p:nvSpPr>
+        <p:spPr/>
+        <p:txBody>
+          <a:bodyPr/>
+          <a:lstStyle/>
+          <a:p>
+            <a:fld id="{C591C018-655D-44EC-B865-EFE2E25980DA}" type="slidenum">
+              <a:rPr lang="fr-FR" smtClean="0"/>
+              <a:t>15</a:t>
             </a:fld>
             <a:endParaRPr lang="fr-FR"/>
           </a:p>
@@ -3734,6 +3822,1233 @@
         </p:nvSpPr>
         <p:spPr>
           <a:xfrm>
+            <a:off x="1763688" y="204735"/>
+            <a:ext cx="4608512" cy="423109"/>
+          </a:xfrm>
+        </p:spPr>
+        <p:txBody>
+          <a:bodyPr/>
+          <a:lstStyle/>
+          <a:p>
+            <a:pPr algn="l"/>
+            <a:r>
+              <a:rPr lang="fr-FR" sz="2000" dirty="0" smtClean="0"/>
+              <a:t>Choix de l’architecture</a:t>
+            </a:r>
+            <a:endParaRPr lang="fr-FR" sz="2000" dirty="0"/>
+          </a:p>
+        </p:txBody>
+      </p:sp>
+      <p:graphicFrame>
+        <p:nvGraphicFramePr>
+          <p:cNvPr id="13" name="Tableau 12"/>
+          <p:cNvGraphicFramePr>
+            <a:graphicFrameLocks noGrp="1"/>
+          </p:cNvGraphicFramePr>
+          <p:nvPr>
+            <p:extLst>
+              <p:ext uri="{D42A27DB-BD31-4B8C-83A1-F6EECF244321}">
+                <p14:modId xmlns:p14="http://schemas.microsoft.com/office/powerpoint/2010/main" val="2739898861"/>
+              </p:ext>
+            </p:extLst>
+          </p:nvPr>
+        </p:nvGraphicFramePr>
+        <p:xfrm>
+          <a:off x="1907704" y="1268760"/>
+          <a:ext cx="5281504" cy="4495354"/>
+        </p:xfrm>
+        <a:graphic>
+          <a:graphicData uri="http://schemas.openxmlformats.org/drawingml/2006/table">
+            <a:tbl>
+              <a:tblPr firstRow="1" firstCol="1" bandRow="1">
+                <a:tableStyleId>{073A0DAA-6AF3-43AB-8588-CEC1D06C72B9}</a:tableStyleId>
+              </a:tblPr>
+              <a:tblGrid>
+                <a:gridCol w="1158485">
+                  <a:extLst>
+                    <a:ext uri="{9D8B030D-6E8A-4147-A177-3AD203B41FA5}">
+                      <a16:colId xmlns:a16="http://schemas.microsoft.com/office/drawing/2014/main" val="1289205732"/>
+                    </a:ext>
+                  </a:extLst>
+                </a:gridCol>
+                <a:gridCol w="1446951">
+                  <a:extLst>
+                    <a:ext uri="{9D8B030D-6E8A-4147-A177-3AD203B41FA5}">
+                      <a16:colId xmlns:a16="http://schemas.microsoft.com/office/drawing/2014/main" val="2964269228"/>
+                    </a:ext>
+                  </a:extLst>
+                </a:gridCol>
+                <a:gridCol w="1338034">
+                  <a:extLst>
+                    <a:ext uri="{9D8B030D-6E8A-4147-A177-3AD203B41FA5}">
+                      <a16:colId xmlns:a16="http://schemas.microsoft.com/office/drawing/2014/main" val="4041495667"/>
+                    </a:ext>
+                  </a:extLst>
+                </a:gridCol>
+                <a:gridCol w="1338034">
+                  <a:extLst>
+                    <a:ext uri="{9D8B030D-6E8A-4147-A177-3AD203B41FA5}">
+                      <a16:colId xmlns:a16="http://schemas.microsoft.com/office/drawing/2014/main" val="3790033679"/>
+                    </a:ext>
+                  </a:extLst>
+                </a:gridCol>
+              </a:tblGrid>
+              <a:tr h="706385">
+                <a:tc>
+                  <a:txBody>
+                    <a:bodyPr/>
+                    <a:lstStyle/>
+                    <a:p>
+                      <a:pPr algn="l">
+                        <a:lnSpc>
+                          <a:spcPct val="115000"/>
+                        </a:lnSpc>
+                      </a:pPr>
+                      <a:endParaRPr lang="fr-FR" sz="1100" dirty="0">
+                        <a:effectLst/>
+                        <a:latin typeface="Calibri" panose="020F0502020204030204" pitchFamily="34" charset="0"/>
+                        <a:cs typeface="Times New Roman" panose="02020603050405020304" pitchFamily="18" charset="0"/>
+                      </a:endParaRPr>
+                    </a:p>
+                  </a:txBody>
+                  <a:tcPr marL="0" marR="0" marT="0" marB="0"/>
+                </a:tc>
+                <a:tc>
+                  <a:txBody>
+                    <a:bodyPr/>
+                    <a:lstStyle/>
+                    <a:p>
+                      <a:pPr algn="ctr" fontAlgn="base">
+                        <a:lnSpc>
+                          <a:spcPts val="1800"/>
+                        </a:lnSpc>
+                        <a:spcAft>
+                          <a:spcPts val="0"/>
+                        </a:spcAft>
+                      </a:pPr>
+                      <a:r>
+                        <a:rPr lang="fr-FR" sz="1400" dirty="0">
+                          <a:effectLst/>
+                        </a:rPr>
+                        <a:t>Composant COTS avec entrée analogique</a:t>
+                      </a:r>
+                      <a:endParaRPr lang="fr-FR" sz="1200" dirty="0">
+                        <a:effectLst/>
+                        <a:latin typeface="Calibri" panose="020F0502020204030204" pitchFamily="34" charset="0"/>
+                        <a:ea typeface="Times New Roman" panose="02020603050405020304" pitchFamily="18" charset="0"/>
+                        <a:cs typeface="Times New Roman" panose="02020603050405020304" pitchFamily="18" charset="0"/>
+                      </a:endParaRPr>
+                    </a:p>
+                  </a:txBody>
+                  <a:tcPr marL="0" marR="0" marT="0" marB="0" anchor="ctr"/>
+                </a:tc>
+                <a:tc>
+                  <a:txBody>
+                    <a:bodyPr/>
+                    <a:lstStyle/>
+                    <a:p>
+                      <a:pPr algn="ctr" fontAlgn="base">
+                        <a:lnSpc>
+                          <a:spcPts val="1800"/>
+                        </a:lnSpc>
+                        <a:spcAft>
+                          <a:spcPts val="0"/>
+                        </a:spcAft>
+                      </a:pPr>
+                      <a:r>
+                        <a:rPr lang="fr-FR" sz="1400" dirty="0">
+                          <a:effectLst/>
+                        </a:rPr>
+                        <a:t>Composant COTS avec entrée PWM</a:t>
+                      </a:r>
+                      <a:endParaRPr lang="fr-FR" sz="1200" dirty="0">
+                        <a:effectLst/>
+                        <a:latin typeface="Calibri" panose="020F0502020204030204" pitchFamily="34" charset="0"/>
+                        <a:ea typeface="Times New Roman" panose="02020603050405020304" pitchFamily="18" charset="0"/>
+                        <a:cs typeface="Times New Roman" panose="02020603050405020304" pitchFamily="18" charset="0"/>
+                      </a:endParaRPr>
+                    </a:p>
+                  </a:txBody>
+                  <a:tcPr marL="0" marR="0" marT="0" marB="0" anchor="ctr"/>
+                </a:tc>
+                <a:tc>
+                  <a:txBody>
+                    <a:bodyPr/>
+                    <a:lstStyle/>
+                    <a:p>
+                      <a:pPr algn="ctr" fontAlgn="base">
+                        <a:lnSpc>
+                          <a:spcPts val="1800"/>
+                        </a:lnSpc>
+                        <a:spcAft>
+                          <a:spcPts val="0"/>
+                        </a:spcAft>
+                      </a:pPr>
+                      <a:r>
+                        <a:rPr lang="fr-FR" sz="1400" dirty="0">
+                          <a:effectLst/>
+                        </a:rPr>
+                        <a:t>MOSFET driver + étage d’amplification </a:t>
+                      </a:r>
+                      <a:endParaRPr lang="fr-FR" sz="1200" dirty="0">
+                        <a:effectLst/>
+                        <a:latin typeface="Calibri" panose="020F0502020204030204" pitchFamily="34" charset="0"/>
+                        <a:ea typeface="Times New Roman" panose="02020603050405020304" pitchFamily="18" charset="0"/>
+                        <a:cs typeface="Times New Roman" panose="02020603050405020304" pitchFamily="18" charset="0"/>
+                      </a:endParaRPr>
+                    </a:p>
+                  </a:txBody>
+                  <a:tcPr marL="0" marR="0" marT="0" marB="0" anchor="ctr"/>
+                </a:tc>
+                <a:extLst>
+                  <a:ext uri="{0D108BD9-81ED-4DB2-BD59-A6C34878D82A}">
+                    <a16:rowId xmlns:a16="http://schemas.microsoft.com/office/drawing/2014/main" val="129942126"/>
+                  </a:ext>
+                </a:extLst>
+              </a:tr>
+              <a:tr h="727969">
+                <a:tc>
+                  <a:txBody>
+                    <a:bodyPr/>
+                    <a:lstStyle/>
+                    <a:p>
+                      <a:pPr algn="ctr" fontAlgn="base">
+                        <a:lnSpc>
+                          <a:spcPts val="1800"/>
+                        </a:lnSpc>
+                        <a:spcAft>
+                          <a:spcPts val="0"/>
+                        </a:spcAft>
+                      </a:pPr>
+                      <a:r>
+                        <a:rPr lang="fr-FR" sz="1400" dirty="0">
+                          <a:effectLst/>
+                        </a:rPr>
+                        <a:t>Consommation</a:t>
+                      </a:r>
+                      <a:endParaRPr lang="fr-FR" sz="1200" dirty="0">
+                        <a:effectLst/>
+                        <a:latin typeface="Calibri" panose="020F0502020204030204" pitchFamily="34" charset="0"/>
+                        <a:ea typeface="Times New Roman" panose="02020603050405020304" pitchFamily="18" charset="0"/>
+                        <a:cs typeface="Times New Roman" panose="02020603050405020304" pitchFamily="18" charset="0"/>
+                      </a:endParaRPr>
+                    </a:p>
+                  </a:txBody>
+                  <a:tcPr marL="0" marR="0" marT="0" marB="0" anchor="ctr"/>
+                </a:tc>
+                <a:tc>
+                  <a:txBody>
+                    <a:bodyPr/>
+                    <a:lstStyle/>
+                    <a:p>
+                      <a:pPr algn="ctr" fontAlgn="base">
+                        <a:lnSpc>
+                          <a:spcPts val="1800"/>
+                        </a:lnSpc>
+                        <a:spcAft>
+                          <a:spcPts val="0"/>
+                        </a:spcAft>
+                      </a:pPr>
+                      <a:r>
+                        <a:rPr lang="fr-FR" sz="1200" dirty="0">
+                          <a:effectLst/>
+                        </a:rPr>
+                        <a:t>35mA + courant tiré par la charge</a:t>
+                      </a:r>
+                      <a:endParaRPr lang="fr-FR" sz="1200" dirty="0">
+                        <a:effectLst/>
+                        <a:latin typeface="Calibri" panose="020F0502020204030204" pitchFamily="34" charset="0"/>
+                        <a:ea typeface="Times New Roman" panose="02020603050405020304" pitchFamily="18" charset="0"/>
+                        <a:cs typeface="Times New Roman" panose="02020603050405020304" pitchFamily="18" charset="0"/>
+                      </a:endParaRPr>
+                    </a:p>
+                  </a:txBody>
+                  <a:tcPr marL="0" marR="0" marT="0" marB="0" anchor="ctr">
+                    <a:solidFill>
+                      <a:srgbClr val="FFC000"/>
+                    </a:solidFill>
+                  </a:tcPr>
+                </a:tc>
+                <a:tc>
+                  <a:txBody>
+                    <a:bodyPr/>
+                    <a:lstStyle/>
+                    <a:p>
+                      <a:pPr algn="ctr" fontAlgn="base">
+                        <a:lnSpc>
+                          <a:spcPts val="1800"/>
+                        </a:lnSpc>
+                        <a:spcAft>
+                          <a:spcPts val="0"/>
+                        </a:spcAft>
+                      </a:pPr>
+                      <a:r>
+                        <a:rPr lang="fr-FR" sz="1200" dirty="0">
+                          <a:effectLst/>
+                        </a:rPr>
+                        <a:t>7.3mA + courant tiré par la charge</a:t>
+                      </a:r>
+                      <a:endParaRPr lang="fr-FR" sz="1200" dirty="0">
+                        <a:effectLst/>
+                        <a:latin typeface="Calibri" panose="020F0502020204030204" pitchFamily="34" charset="0"/>
+                        <a:ea typeface="Times New Roman" panose="02020603050405020304" pitchFamily="18" charset="0"/>
+                        <a:cs typeface="Times New Roman" panose="02020603050405020304" pitchFamily="18" charset="0"/>
+                      </a:endParaRPr>
+                    </a:p>
+                  </a:txBody>
+                  <a:tcPr marL="0" marR="0" marT="0" marB="0" anchor="ctr">
+                    <a:solidFill>
+                      <a:srgbClr val="FFFF00"/>
+                    </a:solidFill>
+                  </a:tcPr>
+                </a:tc>
+                <a:tc>
+                  <a:txBody>
+                    <a:bodyPr/>
+                    <a:lstStyle/>
+                    <a:p>
+                      <a:pPr algn="ctr" fontAlgn="base">
+                        <a:lnSpc>
+                          <a:spcPts val="1800"/>
+                        </a:lnSpc>
+                        <a:spcAft>
+                          <a:spcPts val="0"/>
+                        </a:spcAft>
+                      </a:pPr>
+                      <a:r>
+                        <a:rPr lang="fr-FR" sz="1200" dirty="0">
+                          <a:effectLst/>
+                        </a:rPr>
+                        <a:t>Moins de 1mA + courant tiré par la charge</a:t>
+                      </a:r>
+                      <a:endParaRPr lang="fr-FR" sz="1200" dirty="0">
+                        <a:effectLst/>
+                        <a:latin typeface="Calibri" panose="020F0502020204030204" pitchFamily="34" charset="0"/>
+                        <a:ea typeface="Times New Roman" panose="02020603050405020304" pitchFamily="18" charset="0"/>
+                        <a:cs typeface="Times New Roman" panose="02020603050405020304" pitchFamily="18" charset="0"/>
+                      </a:endParaRPr>
+                    </a:p>
+                  </a:txBody>
+                  <a:tcPr marL="0" marR="0" marT="0" marB="0" anchor="ctr">
+                    <a:solidFill>
+                      <a:srgbClr val="92D050"/>
+                    </a:solidFill>
+                  </a:tcPr>
+                </a:tc>
+                <a:extLst>
+                  <a:ext uri="{0D108BD9-81ED-4DB2-BD59-A6C34878D82A}">
+                    <a16:rowId xmlns:a16="http://schemas.microsoft.com/office/drawing/2014/main" val="3175399155"/>
+                  </a:ext>
+                </a:extLst>
+              </a:tr>
+              <a:tr h="1648231">
+                <a:tc>
+                  <a:txBody>
+                    <a:bodyPr/>
+                    <a:lstStyle/>
+                    <a:p>
+                      <a:pPr algn="ctr" fontAlgn="base">
+                        <a:lnSpc>
+                          <a:spcPts val="1800"/>
+                        </a:lnSpc>
+                        <a:spcAft>
+                          <a:spcPts val="0"/>
+                        </a:spcAft>
+                      </a:pPr>
+                      <a:r>
+                        <a:rPr lang="fr-FR" sz="1400" dirty="0">
+                          <a:effectLst/>
+                        </a:rPr>
+                        <a:t>Surface</a:t>
+                      </a:r>
+                      <a:endParaRPr lang="fr-FR" sz="1200" dirty="0">
+                        <a:effectLst/>
+                        <a:latin typeface="Calibri" panose="020F0502020204030204" pitchFamily="34" charset="0"/>
+                        <a:ea typeface="Times New Roman" panose="02020603050405020304" pitchFamily="18" charset="0"/>
+                        <a:cs typeface="Times New Roman" panose="02020603050405020304" pitchFamily="18" charset="0"/>
+                      </a:endParaRPr>
+                    </a:p>
+                  </a:txBody>
+                  <a:tcPr marL="0" marR="0" marT="0" marB="0" anchor="ctr"/>
+                </a:tc>
+                <a:tc>
+                  <a:txBody>
+                    <a:bodyPr/>
+                    <a:lstStyle/>
+                    <a:p>
+                      <a:pPr algn="ctr" fontAlgn="base">
+                        <a:lnSpc>
+                          <a:spcPts val="1800"/>
+                        </a:lnSpc>
+                        <a:spcAft>
+                          <a:spcPts val="0"/>
+                        </a:spcAft>
+                      </a:pPr>
+                      <a:r>
+                        <a:rPr lang="fr-FR" sz="1200" dirty="0">
+                          <a:effectLst/>
+                        </a:rPr>
+                        <a:t> </a:t>
+                      </a:r>
+                    </a:p>
+                    <a:p>
+                      <a:pPr algn="ctr" fontAlgn="base">
+                        <a:lnSpc>
+                          <a:spcPts val="1800"/>
+                        </a:lnSpc>
+                        <a:spcAft>
+                          <a:spcPts val="0"/>
+                        </a:spcAft>
+                      </a:pPr>
+                      <a:r>
+                        <a:rPr lang="fr-FR" sz="1200" dirty="0">
+                          <a:effectLst/>
+                        </a:rPr>
+                        <a:t>Sans le filtre, entre 50 et 70mm2</a:t>
+                      </a:r>
+                      <a:endParaRPr lang="fr-FR" sz="1200" dirty="0">
+                        <a:effectLst/>
+                        <a:latin typeface="Calibri" panose="020F0502020204030204" pitchFamily="34" charset="0"/>
+                        <a:ea typeface="Times New Roman" panose="02020603050405020304" pitchFamily="18" charset="0"/>
+                        <a:cs typeface="Times New Roman" panose="02020603050405020304" pitchFamily="18" charset="0"/>
+                      </a:endParaRPr>
+                    </a:p>
+                  </a:txBody>
+                  <a:tcPr marL="0" marR="0" marT="0" marB="0" anchor="ctr">
+                    <a:solidFill>
+                      <a:srgbClr val="92D050"/>
+                    </a:solidFill>
+                  </a:tcPr>
+                </a:tc>
+                <a:tc>
+                  <a:txBody>
+                    <a:bodyPr/>
+                    <a:lstStyle/>
+                    <a:p>
+                      <a:pPr algn="ctr" fontAlgn="base">
+                        <a:lnSpc>
+                          <a:spcPts val="1800"/>
+                        </a:lnSpc>
+                        <a:spcAft>
+                          <a:spcPts val="0"/>
+                        </a:spcAft>
+                      </a:pPr>
+                      <a:r>
+                        <a:rPr lang="fr-FR" sz="1200" dirty="0">
+                          <a:effectLst/>
+                        </a:rPr>
+                        <a:t>Sans le filtre, entre 60 et 90mm2</a:t>
+                      </a:r>
+                      <a:endParaRPr lang="fr-FR" sz="1200" dirty="0">
+                        <a:effectLst/>
+                        <a:latin typeface="Calibri" panose="020F0502020204030204" pitchFamily="34" charset="0"/>
+                        <a:ea typeface="Times New Roman" panose="02020603050405020304" pitchFamily="18" charset="0"/>
+                        <a:cs typeface="Times New Roman" panose="02020603050405020304" pitchFamily="18" charset="0"/>
+                      </a:endParaRPr>
+                    </a:p>
+                  </a:txBody>
+                  <a:tcPr marL="0" marR="0" marT="0" marB="0" anchor="ctr">
+                    <a:solidFill>
+                      <a:srgbClr val="FFFF00"/>
+                    </a:solidFill>
+                  </a:tcPr>
+                </a:tc>
+                <a:tc>
+                  <a:txBody>
+                    <a:bodyPr/>
+                    <a:lstStyle/>
+                    <a:p>
+                      <a:pPr algn="ctr" fontAlgn="base">
+                        <a:lnSpc>
+                          <a:spcPts val="1800"/>
+                        </a:lnSpc>
+                        <a:spcAft>
+                          <a:spcPts val="0"/>
+                        </a:spcAft>
+                      </a:pPr>
+                      <a:r>
+                        <a:rPr lang="fr-FR" sz="1200" dirty="0">
+                          <a:effectLst/>
+                        </a:rPr>
+                        <a:t>4 double NMOS: 4*4.2=17.2mm2</a:t>
+                      </a:r>
+                    </a:p>
+                    <a:p>
+                      <a:pPr algn="ctr" fontAlgn="base">
+                        <a:lnSpc>
+                          <a:spcPts val="1800"/>
+                        </a:lnSpc>
+                        <a:spcAft>
+                          <a:spcPts val="0"/>
+                        </a:spcAft>
+                      </a:pPr>
+                      <a:r>
+                        <a:rPr lang="fr-FR" sz="1200" dirty="0">
+                          <a:effectLst/>
+                        </a:rPr>
+                        <a:t> </a:t>
+                      </a:r>
+                    </a:p>
+                    <a:p>
+                      <a:pPr algn="ctr" fontAlgn="base">
+                        <a:lnSpc>
+                          <a:spcPts val="1800"/>
+                        </a:lnSpc>
+                        <a:spcAft>
+                          <a:spcPts val="0"/>
+                        </a:spcAft>
+                      </a:pPr>
+                      <a:r>
+                        <a:rPr lang="fr-FR" sz="1200" dirty="0">
+                          <a:effectLst/>
+                        </a:rPr>
+                        <a:t>4 </a:t>
+                      </a:r>
+                      <a:r>
+                        <a:rPr lang="fr-FR" sz="1200" dirty="0" err="1">
+                          <a:effectLst/>
+                        </a:rPr>
+                        <a:t>gate</a:t>
+                      </a:r>
+                      <a:r>
+                        <a:rPr lang="fr-FR" sz="1200" dirty="0">
+                          <a:effectLst/>
+                        </a:rPr>
+                        <a:t> drivers:</a:t>
+                      </a:r>
+                    </a:p>
+                    <a:p>
+                      <a:pPr algn="ctr" fontAlgn="base">
+                        <a:lnSpc>
+                          <a:spcPts val="1800"/>
+                        </a:lnSpc>
+                        <a:spcAft>
+                          <a:spcPts val="0"/>
+                        </a:spcAft>
+                      </a:pPr>
+                      <a:r>
+                        <a:rPr lang="fr-FR" sz="1200" dirty="0">
+                          <a:effectLst/>
+                        </a:rPr>
+                        <a:t>4*9=36mm2</a:t>
+                      </a:r>
+                    </a:p>
+                    <a:p>
+                      <a:pPr algn="ctr" fontAlgn="base">
+                        <a:lnSpc>
+                          <a:spcPts val="1800"/>
+                        </a:lnSpc>
+                        <a:spcAft>
+                          <a:spcPts val="0"/>
+                        </a:spcAft>
+                      </a:pPr>
+                      <a:r>
+                        <a:rPr lang="fr-FR" sz="1200" dirty="0">
+                          <a:effectLst/>
+                        </a:rPr>
+                        <a:t> </a:t>
+                      </a:r>
+                    </a:p>
+                    <a:p>
+                      <a:pPr algn="ctr" fontAlgn="base">
+                        <a:lnSpc>
+                          <a:spcPts val="1800"/>
+                        </a:lnSpc>
+                        <a:spcAft>
+                          <a:spcPts val="0"/>
+                        </a:spcAft>
+                      </a:pPr>
+                      <a:r>
+                        <a:rPr lang="fr-FR" sz="1200" dirty="0">
+                          <a:effectLst/>
+                        </a:rPr>
+                        <a:t>Total: 53.2mm2</a:t>
+                      </a:r>
+                      <a:endParaRPr lang="fr-FR" sz="1200" dirty="0">
+                        <a:effectLst/>
+                        <a:latin typeface="Calibri" panose="020F0502020204030204" pitchFamily="34" charset="0"/>
+                        <a:ea typeface="Times New Roman" panose="02020603050405020304" pitchFamily="18" charset="0"/>
+                        <a:cs typeface="Times New Roman" panose="02020603050405020304" pitchFamily="18" charset="0"/>
+                      </a:endParaRPr>
+                    </a:p>
+                  </a:txBody>
+                  <a:tcPr marL="0" marR="0" marT="0" marB="0" anchor="ctr">
+                    <a:solidFill>
+                      <a:srgbClr val="92D050"/>
+                    </a:solidFill>
+                  </a:tcPr>
+                </a:tc>
+                <a:extLst>
+                  <a:ext uri="{0D108BD9-81ED-4DB2-BD59-A6C34878D82A}">
+                    <a16:rowId xmlns:a16="http://schemas.microsoft.com/office/drawing/2014/main" val="2287675172"/>
+                  </a:ext>
+                </a:extLst>
+              </a:tr>
+              <a:tr h="1177308">
+                <a:tc>
+                  <a:txBody>
+                    <a:bodyPr/>
+                    <a:lstStyle/>
+                    <a:p>
+                      <a:pPr algn="ctr" fontAlgn="base">
+                        <a:lnSpc>
+                          <a:spcPts val="1800"/>
+                        </a:lnSpc>
+                        <a:spcAft>
+                          <a:spcPts val="0"/>
+                        </a:spcAft>
+                      </a:pPr>
+                      <a:r>
+                        <a:rPr lang="fr-FR" sz="1400" dirty="0">
+                          <a:effectLst/>
+                        </a:rPr>
+                        <a:t>Prix (pour 500 unités)</a:t>
+                      </a:r>
+                      <a:endParaRPr lang="fr-FR" sz="1200" dirty="0">
+                        <a:effectLst/>
+                        <a:latin typeface="Calibri" panose="020F0502020204030204" pitchFamily="34" charset="0"/>
+                        <a:ea typeface="Times New Roman" panose="02020603050405020304" pitchFamily="18" charset="0"/>
+                        <a:cs typeface="Times New Roman" panose="02020603050405020304" pitchFamily="18" charset="0"/>
+                      </a:endParaRPr>
+                    </a:p>
+                  </a:txBody>
+                  <a:tcPr marL="0" marR="0" marT="0" marB="0" anchor="ctr"/>
+                </a:tc>
+                <a:tc>
+                  <a:txBody>
+                    <a:bodyPr/>
+                    <a:lstStyle/>
+                    <a:p>
+                      <a:pPr algn="ctr" fontAlgn="base">
+                        <a:lnSpc>
+                          <a:spcPts val="1800"/>
+                        </a:lnSpc>
+                        <a:spcAft>
+                          <a:spcPts val="0"/>
+                        </a:spcAft>
+                      </a:pPr>
+                      <a:r>
+                        <a:rPr lang="fr-FR" sz="1200" dirty="0">
+                          <a:effectLst/>
+                        </a:rPr>
+                        <a:t>Entre 1 et 2€ le composant</a:t>
+                      </a:r>
+                      <a:endParaRPr lang="fr-FR" sz="1200" dirty="0">
+                        <a:effectLst/>
+                        <a:latin typeface="Calibri" panose="020F0502020204030204" pitchFamily="34" charset="0"/>
+                        <a:ea typeface="Times New Roman" panose="02020603050405020304" pitchFamily="18" charset="0"/>
+                        <a:cs typeface="Times New Roman" panose="02020603050405020304" pitchFamily="18" charset="0"/>
+                      </a:endParaRPr>
+                    </a:p>
+                  </a:txBody>
+                  <a:tcPr marL="0" marR="0" marT="0" marB="0" anchor="ctr">
+                    <a:solidFill>
+                      <a:srgbClr val="92D050"/>
+                    </a:solidFill>
+                  </a:tcPr>
+                </a:tc>
+                <a:tc>
+                  <a:txBody>
+                    <a:bodyPr/>
+                    <a:lstStyle/>
+                    <a:p>
+                      <a:pPr algn="ctr" fontAlgn="base">
+                        <a:lnSpc>
+                          <a:spcPts val="1800"/>
+                        </a:lnSpc>
+                        <a:spcAft>
+                          <a:spcPts val="0"/>
+                        </a:spcAft>
+                      </a:pPr>
+                      <a:r>
+                        <a:rPr lang="fr-FR" sz="1200" dirty="0">
+                          <a:effectLst/>
+                        </a:rPr>
+                        <a:t>Plus de 3€</a:t>
+                      </a:r>
+                      <a:endParaRPr lang="fr-FR" sz="1200" dirty="0">
+                        <a:effectLst/>
+                        <a:latin typeface="Calibri" panose="020F0502020204030204" pitchFamily="34" charset="0"/>
+                        <a:ea typeface="Times New Roman" panose="02020603050405020304" pitchFamily="18" charset="0"/>
+                        <a:cs typeface="Times New Roman" panose="02020603050405020304" pitchFamily="18" charset="0"/>
+                      </a:endParaRPr>
+                    </a:p>
+                  </a:txBody>
+                  <a:tcPr marL="0" marR="0" marT="0" marB="0" anchor="ctr">
+                    <a:solidFill>
+                      <a:srgbClr val="FFC000"/>
+                    </a:solidFill>
+                  </a:tcPr>
+                </a:tc>
+                <a:tc>
+                  <a:txBody>
+                    <a:bodyPr/>
+                    <a:lstStyle/>
+                    <a:p>
+                      <a:pPr algn="ctr" fontAlgn="base">
+                        <a:lnSpc>
+                          <a:spcPts val="1800"/>
+                        </a:lnSpc>
+                        <a:spcAft>
+                          <a:spcPts val="0"/>
+                        </a:spcAft>
+                      </a:pPr>
+                      <a:r>
+                        <a:rPr lang="fr-FR" sz="1200" dirty="0">
+                          <a:effectLst/>
+                        </a:rPr>
+                        <a:t>NMOS : 4*0.266€</a:t>
+                      </a:r>
+                    </a:p>
+                    <a:p>
+                      <a:pPr algn="ctr" fontAlgn="base">
+                        <a:lnSpc>
+                          <a:spcPts val="1800"/>
+                        </a:lnSpc>
+                        <a:spcAft>
+                          <a:spcPts val="0"/>
+                        </a:spcAft>
+                      </a:pPr>
+                      <a:r>
+                        <a:rPr lang="fr-FR" sz="1200" dirty="0">
+                          <a:effectLst/>
+                        </a:rPr>
+                        <a:t> </a:t>
+                      </a:r>
+                    </a:p>
+                    <a:p>
+                      <a:pPr algn="ctr" fontAlgn="base">
+                        <a:lnSpc>
+                          <a:spcPts val="1800"/>
+                        </a:lnSpc>
+                        <a:spcAft>
+                          <a:spcPts val="0"/>
+                        </a:spcAft>
+                      </a:pPr>
+                      <a:r>
+                        <a:rPr lang="fr-FR" sz="1200" dirty="0">
+                          <a:effectLst/>
+                        </a:rPr>
+                        <a:t>Driver: 4*0.243€</a:t>
+                      </a:r>
+                    </a:p>
+                    <a:p>
+                      <a:pPr algn="ctr" fontAlgn="base">
+                        <a:lnSpc>
+                          <a:spcPts val="1800"/>
+                        </a:lnSpc>
+                        <a:spcAft>
+                          <a:spcPts val="0"/>
+                        </a:spcAft>
+                      </a:pPr>
+                      <a:r>
+                        <a:rPr lang="fr-FR" sz="1200" dirty="0">
+                          <a:effectLst/>
+                        </a:rPr>
+                        <a:t> </a:t>
+                      </a:r>
+                    </a:p>
+                    <a:p>
+                      <a:pPr algn="ctr" fontAlgn="base">
+                        <a:lnSpc>
+                          <a:spcPts val="1800"/>
+                        </a:lnSpc>
+                        <a:spcAft>
+                          <a:spcPts val="0"/>
+                        </a:spcAft>
+                      </a:pPr>
+                      <a:r>
+                        <a:rPr lang="fr-FR" sz="1200" dirty="0">
+                          <a:effectLst/>
+                        </a:rPr>
+                        <a:t>Total=2.036€</a:t>
+                      </a:r>
+                      <a:endParaRPr lang="fr-FR" sz="1200" dirty="0">
+                        <a:effectLst/>
+                        <a:latin typeface="Calibri" panose="020F0502020204030204" pitchFamily="34" charset="0"/>
+                        <a:ea typeface="Times New Roman" panose="02020603050405020304" pitchFamily="18" charset="0"/>
+                        <a:cs typeface="Times New Roman" panose="02020603050405020304" pitchFamily="18" charset="0"/>
+                      </a:endParaRPr>
+                    </a:p>
+                  </a:txBody>
+                  <a:tcPr marL="0" marR="0" marT="0" marB="0" anchor="ctr">
+                    <a:solidFill>
+                      <a:srgbClr val="FFFF00"/>
+                    </a:solidFill>
+                  </a:tcPr>
+                </a:tc>
+                <a:extLst>
+                  <a:ext uri="{0D108BD9-81ED-4DB2-BD59-A6C34878D82A}">
+                    <a16:rowId xmlns:a16="http://schemas.microsoft.com/office/drawing/2014/main" val="1933834363"/>
+                  </a:ext>
+                </a:extLst>
+              </a:tr>
+              <a:tr h="235461">
+                <a:tc>
+                  <a:txBody>
+                    <a:bodyPr/>
+                    <a:lstStyle/>
+                    <a:p>
+                      <a:pPr algn="ctr" fontAlgn="base">
+                        <a:lnSpc>
+                          <a:spcPts val="1800"/>
+                        </a:lnSpc>
+                        <a:spcAft>
+                          <a:spcPts val="0"/>
+                        </a:spcAft>
+                      </a:pPr>
+                      <a:r>
+                        <a:rPr lang="fr-FR" sz="1400" dirty="0">
+                          <a:effectLst/>
+                        </a:rPr>
+                        <a:t>Disponibilité</a:t>
+                      </a:r>
+                      <a:endParaRPr lang="fr-FR" sz="1200" dirty="0">
+                        <a:effectLst/>
+                        <a:latin typeface="Calibri" panose="020F0502020204030204" pitchFamily="34" charset="0"/>
+                        <a:ea typeface="Times New Roman" panose="02020603050405020304" pitchFamily="18" charset="0"/>
+                        <a:cs typeface="Times New Roman" panose="02020603050405020304" pitchFamily="18" charset="0"/>
+                      </a:endParaRPr>
+                    </a:p>
+                  </a:txBody>
+                  <a:tcPr marL="0" marR="0" marT="0" marB="0" anchor="ctr"/>
+                </a:tc>
+                <a:tc>
+                  <a:txBody>
+                    <a:bodyPr/>
+                    <a:lstStyle/>
+                    <a:p>
+                      <a:pPr algn="l">
+                        <a:lnSpc>
+                          <a:spcPct val="115000"/>
+                        </a:lnSpc>
+                      </a:pPr>
+                      <a:endParaRPr lang="fr-FR" sz="1100" dirty="0">
+                        <a:effectLst/>
+                        <a:latin typeface="Calibri" panose="020F0502020204030204" pitchFamily="34" charset="0"/>
+                        <a:cs typeface="Times New Roman" panose="02020603050405020304" pitchFamily="18" charset="0"/>
+                      </a:endParaRPr>
+                    </a:p>
+                  </a:txBody>
+                  <a:tcPr marL="0" marR="0" marT="0" marB="0" anchor="ctr">
+                    <a:solidFill>
+                      <a:srgbClr val="FFFF00"/>
+                    </a:solidFill>
+                  </a:tcPr>
+                </a:tc>
+                <a:tc>
+                  <a:txBody>
+                    <a:bodyPr/>
+                    <a:lstStyle/>
+                    <a:p>
+                      <a:pPr algn="ctr" fontAlgn="base">
+                        <a:lnSpc>
+                          <a:spcPts val="1800"/>
+                        </a:lnSpc>
+                        <a:spcAft>
+                          <a:spcPts val="0"/>
+                        </a:spcAft>
+                      </a:pPr>
+                      <a:r>
+                        <a:rPr lang="fr-FR" sz="1200" dirty="0">
+                          <a:effectLst/>
+                        </a:rPr>
+                        <a:t> </a:t>
+                      </a:r>
+                      <a:endParaRPr lang="fr-FR" sz="1200" dirty="0">
+                        <a:effectLst/>
+                        <a:latin typeface="Calibri" panose="020F0502020204030204" pitchFamily="34" charset="0"/>
+                        <a:ea typeface="Times New Roman" panose="02020603050405020304" pitchFamily="18" charset="0"/>
+                        <a:cs typeface="Times New Roman" panose="02020603050405020304" pitchFamily="18" charset="0"/>
+                      </a:endParaRPr>
+                    </a:p>
+                  </a:txBody>
+                  <a:tcPr marL="0" marR="0" marT="0" marB="0" anchor="ctr">
+                    <a:solidFill>
+                      <a:srgbClr val="FFC000"/>
+                    </a:solidFill>
+                  </a:tcPr>
+                </a:tc>
+                <a:tc>
+                  <a:txBody>
+                    <a:bodyPr/>
+                    <a:lstStyle/>
+                    <a:p>
+                      <a:pPr algn="l">
+                        <a:lnSpc>
+                          <a:spcPct val="115000"/>
+                        </a:lnSpc>
+                      </a:pPr>
+                      <a:endParaRPr lang="fr-FR" sz="1100" dirty="0">
+                        <a:effectLst/>
+                        <a:latin typeface="Calibri" panose="020F0502020204030204" pitchFamily="34" charset="0"/>
+                        <a:cs typeface="Times New Roman" panose="02020603050405020304" pitchFamily="18" charset="0"/>
+                      </a:endParaRPr>
+                    </a:p>
+                  </a:txBody>
+                  <a:tcPr marL="0" marR="0" marT="0" marB="0" anchor="ctr">
+                    <a:solidFill>
+                      <a:srgbClr val="92D050"/>
+                    </a:solidFill>
+                  </a:tcPr>
+                </a:tc>
+                <a:extLst>
+                  <a:ext uri="{0D108BD9-81ED-4DB2-BD59-A6C34878D82A}">
+                    <a16:rowId xmlns:a16="http://schemas.microsoft.com/office/drawing/2014/main" val="502034831"/>
+                  </a:ext>
+                </a:extLst>
+              </a:tr>
+            </a:tbl>
+          </a:graphicData>
+        </a:graphic>
+      </p:graphicFrame>
+      <p:pic>
+        <p:nvPicPr>
+          <p:cNvPr id="16" name="Image 15"/>
+          <p:cNvPicPr>
+            <a:picLocks noChangeAspect="1"/>
+          </p:cNvPicPr>
+          <p:nvPr/>
+        </p:nvPicPr>
+        <p:blipFill>
+          <a:blip r:embed="rId2" cstate="print">
+            <a:extLst>
+              <a:ext uri="{28A0092B-C50C-407E-A947-70E740481C1C}">
+                <a14:useLocalDpi xmlns:a14="http://schemas.microsoft.com/office/drawing/2010/main" val="0"/>
+              </a:ext>
+            </a:extLst>
+          </a:blip>
+          <a:stretch>
+            <a:fillRect/>
+          </a:stretch>
+        </p:blipFill>
+        <p:spPr>
+          <a:xfrm>
+            <a:off x="3707904" y="1052736"/>
+            <a:ext cx="1512168" cy="850595"/>
+          </a:xfrm>
+          <a:prstGeom prst="rect">
+            <a:avLst/>
+          </a:prstGeom>
+        </p:spPr>
+      </p:pic>
+      <p:sp>
+        <p:nvSpPr>
+          <p:cNvPr id="17" name="ZoneTexte 16"/>
+          <p:cNvSpPr txBox="1"/>
+          <p:nvPr/>
+        </p:nvSpPr>
+        <p:spPr>
+          <a:xfrm>
+            <a:off x="107504" y="6447133"/>
+            <a:ext cx="301686" cy="369332"/>
+          </a:xfrm>
+          <a:prstGeom prst="rect">
+            <a:avLst/>
+          </a:prstGeom>
+          <a:noFill/>
+        </p:spPr>
+        <p:txBody>
+          <a:bodyPr wrap="none" rtlCol="0">
+            <a:spAutoFit/>
+          </a:bodyPr>
+          <a:lstStyle/>
+          <a:p>
+            <a:r>
+              <a:rPr lang="fr-FR" dirty="0" smtClean="0"/>
+              <a:t>9</a:t>
+            </a:r>
+            <a:endParaRPr lang="fr-FR" dirty="0"/>
+          </a:p>
+        </p:txBody>
+      </p:sp>
+      <p:sp>
+        <p:nvSpPr>
+          <p:cNvPr id="18" name="Rectangle 17"/>
+          <p:cNvSpPr/>
+          <p:nvPr/>
+        </p:nvSpPr>
+        <p:spPr>
+          <a:xfrm>
+            <a:off x="5652120" y="1114442"/>
+            <a:ext cx="4572000" cy="646331"/>
+          </a:xfrm>
+          <a:prstGeom prst="rect">
+            <a:avLst/>
+          </a:prstGeom>
+        </p:spPr>
+        <p:txBody>
+          <a:bodyPr>
+            <a:spAutoFit/>
+          </a:bodyPr>
+          <a:lstStyle/>
+          <a:p>
+            <a:pPr fontAlgn="base">
+              <a:buFont typeface="Arial" panose="020B0604020202020204" pitchFamily="34" charset="0"/>
+              <a:buChar char="•"/>
+            </a:pPr>
+            <a:r>
+              <a:rPr lang="fr-FR" dirty="0">
+                <a:solidFill>
+                  <a:srgbClr val="000000"/>
+                </a:solidFill>
+                <a:latin typeface="Calibri" panose="020F0502020204030204" pitchFamily="34" charset="0"/>
+              </a:rPr>
+              <a:t>TPA3113d2  </a:t>
+            </a:r>
+          </a:p>
+          <a:p>
+            <a:pPr fontAlgn="base">
+              <a:buFont typeface="Arial" panose="020B0604020202020204" pitchFamily="34" charset="0"/>
+              <a:buChar char="•"/>
+            </a:pPr>
+            <a:r>
+              <a:rPr lang="fr-FR" dirty="0">
+                <a:solidFill>
+                  <a:srgbClr val="000000"/>
+                </a:solidFill>
+                <a:latin typeface="Calibri" panose="020F0502020204030204" pitchFamily="34" charset="0"/>
+              </a:rPr>
+              <a:t>TPA3129d2</a:t>
+            </a:r>
+          </a:p>
+        </p:txBody>
+      </p:sp>
+    </p:spTree>
+    <p:extLst>
+      <p:ext uri="{BB962C8B-B14F-4D97-AF65-F5344CB8AC3E}">
+        <p14:creationId xmlns:p14="http://schemas.microsoft.com/office/powerpoint/2010/main" val="2856400760"/>
+      </p:ext>
+    </p:extLst>
+  </p:cSld>
+  <p:clrMapOvr>
+    <a:masterClrMapping/>
+  </p:clrMapOvr>
+  <p:transition spd="med">
+    <p:pull/>
+  </p:transition>
+  <p:timing>
+    <p:tnLst>
+      <p:par>
+        <p:cTn id="1" dur="indefinite" restart="never" nodeType="tmRoot">
+          <p:childTnLst>
+            <p:seq concurrent="1" nextAc="seek">
+              <p:cTn id="2" dur="indefinite" nodeType="mainSeq">
+                <p:childTnLst>
+                  <p:par>
+                    <p:cTn id="3" fill="hold">
+                      <p:stCondLst>
+                        <p:cond delay="indefinite"/>
+                      </p:stCondLst>
+                      <p:childTnLst>
+                        <p:par>
+                          <p:cTn id="4" fill="hold">
+                            <p:stCondLst>
+                              <p:cond delay="0"/>
+                            </p:stCondLst>
+                            <p:childTnLst>
+                              <p:par>
+                                <p:cTn id="5" presetID="0" presetClass="path" presetSubtype="0" accel="50000" decel="50000" fill="hold" nodeType="clickEffect">
+                                  <p:stCondLst>
+                                    <p:cond delay="0"/>
+                                  </p:stCondLst>
+                                  <p:childTnLst>
+                                    <p:animMotion origin="layout" path="M -6.94444E-6 3.7037E-7 C -0.00035 0.03333 -0.00053 0.06667 -0.0007 0.1 " pathEditMode="relative" ptsTypes="AA">
+                                      <p:cBhvr>
+                                        <p:cTn id="6" dur="1000" fill="hold"/>
+                                        <p:tgtEl>
+                                          <p:spTgt spid="13"/>
+                                        </p:tgtEl>
+                                        <p:attrNameLst>
+                                          <p:attrName>ppt_x</p:attrName>
+                                          <p:attrName>ppt_y</p:attrName>
+                                        </p:attrNameLst>
+                                      </p:cBhvr>
+                                    </p:animMotion>
+                                  </p:childTnLst>
+                                </p:cTn>
+                              </p:par>
+                            </p:childTnLst>
+                          </p:cTn>
+                        </p:par>
+                        <p:par>
+                          <p:cTn id="7" fill="hold">
+                            <p:stCondLst>
+                              <p:cond delay="1000"/>
+                            </p:stCondLst>
+                            <p:childTnLst>
+                              <p:par>
+                                <p:cTn id="8" presetID="10" presetClass="entr" presetSubtype="0" fill="hold" nodeType="afterEffect">
+                                  <p:stCondLst>
+                                    <p:cond delay="0"/>
+                                  </p:stCondLst>
+                                  <p:childTnLst>
+                                    <p:set>
+                                      <p:cBhvr>
+                                        <p:cTn id="9" dur="1" fill="hold">
+                                          <p:stCondLst>
+                                            <p:cond delay="0"/>
+                                          </p:stCondLst>
+                                        </p:cTn>
+                                        <p:tgtEl>
+                                          <p:spTgt spid="16"/>
+                                        </p:tgtEl>
+                                        <p:attrNameLst>
+                                          <p:attrName>style.visibility</p:attrName>
+                                        </p:attrNameLst>
+                                      </p:cBhvr>
+                                      <p:to>
+                                        <p:strVal val="visible"/>
+                                      </p:to>
+                                    </p:set>
+                                    <p:animEffect transition="in" filter="fade">
+                                      <p:cBhvr>
+                                        <p:cTn id="10" dur="500"/>
+                                        <p:tgtEl>
+                                          <p:spTgt spid="16"/>
+                                        </p:tgtEl>
+                                      </p:cBhvr>
+                                    </p:animEffect>
+                                  </p:childTnLst>
+                                </p:cTn>
+                              </p:par>
+                              <p:par>
+                                <p:cTn id="11" presetID="10" presetClass="entr" presetSubtype="0" fill="hold" grpId="0" nodeType="withEffect">
+                                  <p:stCondLst>
+                                    <p:cond delay="0"/>
+                                  </p:stCondLst>
+                                  <p:childTnLst>
+                                    <p:set>
+                                      <p:cBhvr>
+                                        <p:cTn id="12" dur="1" fill="hold">
+                                          <p:stCondLst>
+                                            <p:cond delay="0"/>
+                                          </p:stCondLst>
+                                        </p:cTn>
+                                        <p:tgtEl>
+                                          <p:spTgt spid="18"/>
+                                        </p:tgtEl>
+                                        <p:attrNameLst>
+                                          <p:attrName>style.visibility</p:attrName>
+                                        </p:attrNameLst>
+                                      </p:cBhvr>
+                                      <p:to>
+                                        <p:strVal val="visible"/>
+                                      </p:to>
+                                    </p:set>
+                                    <p:animEffect transition="in" filter="fade">
+                                      <p:cBhvr>
+                                        <p:cTn id="13" dur="500"/>
+                                        <p:tgtEl>
+                                          <p:spTgt spid="18"/>
+                                        </p:tgtEl>
+                                      </p:cBhvr>
+                                    </p:animEffect>
+                                  </p:childTnLst>
+                                </p:cTn>
+                              </p:par>
+                            </p:childTnLst>
+                          </p:cTn>
+                        </p:par>
+                      </p:childTnLst>
+                    </p:cTn>
+                  </p:par>
+                </p:childTnLst>
+              </p:cTn>
+              <p:prevCondLst>
+                <p:cond evt="onPrev" delay="0">
+                  <p:tgtEl>
+                    <p:sldTgt/>
+                  </p:tgtEl>
+                </p:cond>
+              </p:prevCondLst>
+              <p:nextCondLst>
+                <p:cond evt="onNext" delay="0">
+                  <p:tgtEl>
+                    <p:sldTgt/>
+                  </p:tgtEl>
+                </p:cond>
+              </p:nextCondLst>
+            </p:seq>
+          </p:childTnLst>
+        </p:cTn>
+      </p:par>
+    </p:tnLst>
+    <p:bldLst>
+      <p:bldP spid="18" grpId="0"/>
+    </p:bldLst>
+  </p:timing>
+</p:sld>
+</file>
+
+<file path=ppt/slides/slide11.xml><?xml version="1.0" encoding="utf-8"?>
+<p:sld xmlns:a="http://schemas.openxmlformats.org/drawingml/2006/main" xmlns:r="http://schemas.openxmlformats.org/officeDocument/2006/relationships" xmlns:p="http://schemas.openxmlformats.org/presentationml/2006/main">
+  <p:cSld>
+    <p:spTree>
+      <p:nvGrpSpPr>
+        <p:cNvPr id="1" name=""/>
+        <p:cNvGrpSpPr/>
+        <p:nvPr/>
+      </p:nvGrpSpPr>
+      <p:grpSpPr>
+        <a:xfrm>
+          <a:off x="0" y="0"/>
+          <a:ext cx="0" cy="0"/>
+          <a:chOff x="0" y="0"/>
+          <a:chExt cx="0" cy="0"/>
+        </a:xfrm>
+      </p:grpSpPr>
+      <p:sp>
+        <p:nvSpPr>
+          <p:cNvPr id="3" name="Titre 2"/>
+          <p:cNvSpPr>
+            <a:spLocks noGrp="1"/>
+          </p:cNvSpPr>
+          <p:nvPr>
+            <p:ph type="title"/>
+          </p:nvPr>
+        </p:nvSpPr>
+        <p:spPr/>
+        <p:txBody>
+          <a:bodyPr/>
+          <a:lstStyle/>
+          <a:p>
+            <a:r>
+              <a:rPr lang="fr-FR" dirty="0">
+                <a:solidFill>
+                  <a:schemeClr val="tx1"/>
+                </a:solidFill>
+              </a:rPr>
+              <a:t>3 - </a:t>
+            </a:r>
+            <a:r>
+              <a:rPr lang="fr-FR" dirty="0" smtClean="0">
+                <a:solidFill>
+                  <a:schemeClr val="tx1"/>
+                </a:solidFill>
+              </a:rPr>
+              <a:t>Conception</a:t>
+            </a:r>
+            <a:endParaRPr lang="fr-FR" dirty="0">
+              <a:solidFill>
+                <a:schemeClr val="tx1"/>
+              </a:solidFill>
+            </a:endParaRPr>
+          </a:p>
+        </p:txBody>
+      </p:sp>
+      <p:sp>
+        <p:nvSpPr>
+          <p:cNvPr id="4" name="Espace réservé du texte 3"/>
+          <p:cNvSpPr>
+            <a:spLocks noGrp="1"/>
+          </p:cNvSpPr>
+          <p:nvPr>
+            <p:ph type="body" sz="quarter" idx="13"/>
+          </p:nvPr>
+        </p:nvSpPr>
+        <p:spPr>
+          <a:xfrm>
             <a:off x="1763688" y="199312"/>
             <a:ext cx="4608512" cy="423109"/>
           </a:xfrm>
@@ -3788,7 +5103,7 @@
         <p:spPr>
           <a:xfrm>
             <a:off x="107504" y="6447133"/>
-            <a:ext cx="301686" cy="369332"/>
+            <a:ext cx="418704" cy="369332"/>
           </a:xfrm>
           <a:prstGeom prst="rect">
             <a:avLst/>
@@ -3802,8 +5117,8 @@
           <a:lstStyle/>
           <a:p>
             <a:r>
-              <a:rPr lang="fr-FR" dirty="0"/>
-              <a:t>9</a:t>
+              <a:rPr lang="fr-FR" dirty="0" smtClean="0"/>
+              <a:t>10</a:t>
             </a:r>
             <a:endParaRPr lang="fr-FR" dirty="0"/>
           </a:p>
@@ -3832,7 +5147,7 @@
 </p:sld>
 </file>
 
-<file path=ppt/slides/slide11.xml><?xml version="1.0" encoding="utf-8"?>
+<file path=ppt/slides/slide12.xml><?xml version="1.0" encoding="utf-8"?>
 <p:sld xmlns:a="http://schemas.openxmlformats.org/drawingml/2006/main" xmlns:r="http://schemas.openxmlformats.org/officeDocument/2006/relationships" xmlns:p="http://schemas.openxmlformats.org/presentationml/2006/main">
   <p:cSld>
     <p:spTree>
@@ -3973,7 +5288,7 @@
           <a:p>
             <a:r>
               <a:rPr lang="fr-FR" dirty="0" smtClean="0"/>
-              <a:t>10</a:t>
+              <a:t>11</a:t>
             </a:r>
             <a:endParaRPr lang="fr-FR" dirty="0"/>
           </a:p>
@@ -4002,7 +5317,7 @@
 </p:sld>
 </file>
 
-<file path=ppt/slides/slide12.xml><?xml version="1.0" encoding="utf-8"?>
+<file path=ppt/slides/slide13.xml><?xml version="1.0" encoding="utf-8"?>
 <p:sld xmlns:a="http://schemas.openxmlformats.org/drawingml/2006/main" xmlns:r="http://schemas.openxmlformats.org/officeDocument/2006/relationships" xmlns:p="http://schemas.openxmlformats.org/presentationml/2006/main">
   <p:cSld>
     <p:spTree>
@@ -4217,7 +5532,7 @@
           <a:p>
             <a:r>
               <a:rPr lang="fr-FR" dirty="0" smtClean="0"/>
-              <a:t>11</a:t>
+              <a:t>12</a:t>
             </a:r>
             <a:endParaRPr lang="fr-FR" dirty="0"/>
           </a:p>
@@ -4453,7 +5768,7 @@
 </p:sld>
 </file>
 
-<file path=ppt/slides/slide13.xml><?xml version="1.0" encoding="utf-8"?>
+<file path=ppt/slides/slide14.xml><?xml version="1.0" encoding="utf-8"?>
 <p:sld xmlns:a="http://schemas.openxmlformats.org/drawingml/2006/main" xmlns:r="http://schemas.openxmlformats.org/officeDocument/2006/relationships" xmlns:p="http://schemas.openxmlformats.org/presentationml/2006/main">
   <p:cSld>
     <p:spTree>
@@ -4559,8 +5874,8 @@
         </p:blipFill>
         <p:spPr>
           <a:xfrm>
-            <a:off x="323528" y="1124744"/>
-            <a:ext cx="3124458" cy="5118735"/>
+            <a:off x="1400941" y="932696"/>
+            <a:ext cx="3329353" cy="5336441"/>
           </a:xfrm>
           <a:prstGeom prst="rect">
             <a:avLst/>
@@ -4573,16 +5888,15 @@
           <p:cNvPicPr/>
           <p:nvPr/>
         </p:nvPicPr>
-        <p:blipFill>
+        <p:blipFill rotWithShape="1">
           <a:blip r:embed="rId3"/>
-          <a:stretch>
-            <a:fillRect/>
-          </a:stretch>
+          <a:srcRect r="53639"/>
+          <a:stretch/>
         </p:blipFill>
         <p:spPr>
           <a:xfrm>
-            <a:off x="2915816" y="1916832"/>
-            <a:ext cx="6057532" cy="3240360"/>
+            <a:off x="4730294" y="1628800"/>
+            <a:ext cx="3594142" cy="3744416"/>
           </a:xfrm>
           <a:prstGeom prst="rect">
             <a:avLst/>
@@ -4613,7 +5927,7 @@
           <a:p>
             <a:r>
               <a:rPr lang="fr-FR" dirty="0" smtClean="0"/>
-              <a:t>12</a:t>
+              <a:t>13</a:t>
             </a:r>
             <a:endParaRPr lang="fr-FR" dirty="0"/>
           </a:p>
@@ -4642,7 +5956,7 @@
 </p:sld>
 </file>
 
-<file path=ppt/slides/slide14.xml><?xml version="1.0" encoding="utf-8"?>
+<file path=ppt/slides/slide15.xml><?xml version="1.0" encoding="utf-8"?>
 <p:sld xmlns:a="http://schemas.openxmlformats.org/drawingml/2006/main" xmlns:r="http://schemas.openxmlformats.org/officeDocument/2006/relationships" xmlns:p="http://schemas.openxmlformats.org/presentationml/2006/main">
   <p:cSld>
     <p:spTree>
@@ -4834,7 +6148,7 @@
           <a:p>
             <a:r>
               <a:rPr lang="fr-FR" dirty="0" smtClean="0"/>
-              <a:t>13</a:t>
+              <a:t>14</a:t>
             </a:r>
             <a:endParaRPr lang="fr-FR" dirty="0"/>
           </a:p>
@@ -4992,7 +6306,7 @@
 </p:sld>
 </file>
 
-<file path=ppt/slides/slide15.xml><?xml version="1.0" encoding="utf-8"?>
+<file path=ppt/slides/slide16.xml><?xml version="1.0" encoding="utf-8"?>
 <p:sld xmlns:a="http://schemas.openxmlformats.org/drawingml/2006/main" xmlns:r="http://schemas.openxmlformats.org/officeDocument/2006/relationships" xmlns:p="http://schemas.openxmlformats.org/presentationml/2006/main">
   <p:cSld>
     <p:spTree>
@@ -5087,7 +6401,7 @@
           <a:p>
             <a:r>
               <a:rPr lang="fr-FR" dirty="0" smtClean="0"/>
-              <a:t>14</a:t>
+              <a:t>15</a:t>
             </a:r>
             <a:endParaRPr lang="fr-FR" dirty="0"/>
           </a:p>
@@ -5116,7 +6430,7 @@
 </p:sld>
 </file>
 
-<file path=ppt/slides/slide16.xml><?xml version="1.0" encoding="utf-8"?>
+<file path=ppt/slides/slide17.xml><?xml version="1.0" encoding="utf-8"?>
 <p:sld xmlns:a="http://schemas.openxmlformats.org/drawingml/2006/main" xmlns:r="http://schemas.openxmlformats.org/officeDocument/2006/relationships" xmlns:p="http://schemas.openxmlformats.org/presentationml/2006/main">
   <p:cSld>
     <p:spTree>
@@ -5443,7 +6757,7 @@
           <a:p>
             <a:r>
               <a:rPr lang="fr-FR" dirty="0" smtClean="0"/>
-              <a:t>15</a:t>
+              <a:t>16</a:t>
             </a:r>
             <a:endParaRPr lang="fr-FR" dirty="0"/>
           </a:p>
@@ -5918,7 +7232,7 @@
 </p:sld>
 </file>
 
-<file path=ppt/slides/slide17.xml><?xml version="1.0" encoding="utf-8"?>
+<file path=ppt/slides/slide18.xml><?xml version="1.0" encoding="utf-8"?>
 <p:sld xmlns:a="http://schemas.openxmlformats.org/drawingml/2006/main" xmlns:r="http://schemas.openxmlformats.org/officeDocument/2006/relationships" xmlns:p="http://schemas.openxmlformats.org/presentationml/2006/main">
   <p:cSld>
     <p:spTree>
@@ -6060,7 +7374,7 @@
           <a:p>
             <a:r>
               <a:rPr lang="fr-FR" dirty="0" smtClean="0"/>
-              <a:t>16</a:t>
+              <a:t>17</a:t>
             </a:r>
             <a:endParaRPr lang="fr-FR" dirty="0"/>
           </a:p>
@@ -6089,7 +7403,7 @@
 </p:sld>
 </file>
 
-<file path=ppt/slides/slide18.xml><?xml version="1.0" encoding="utf-8"?>
+<file path=ppt/slides/slide19.xml><?xml version="1.0" encoding="utf-8"?>
 <p:sld xmlns:a="http://schemas.openxmlformats.org/drawingml/2006/main" xmlns:r="http://schemas.openxmlformats.org/officeDocument/2006/relationships" xmlns:p="http://schemas.openxmlformats.org/presentationml/2006/main">
   <p:cSld>
     <p:spTree>
@@ -6511,7 +7825,7 @@
           <a:p>
             <a:r>
               <a:rPr lang="fr-FR" dirty="0" smtClean="0"/>
-              <a:t>17</a:t>
+              <a:t>18</a:t>
             </a:r>
             <a:endParaRPr lang="fr-FR" dirty="0"/>
           </a:p>
@@ -6521,134 +7835,6 @@
     <p:extLst>
       <p:ext uri="{BB962C8B-B14F-4D97-AF65-F5344CB8AC3E}">
         <p14:creationId xmlns:p14="http://schemas.microsoft.com/office/powerpoint/2010/main" val="1490512302"/>
-      </p:ext>
-    </p:extLst>
-  </p:cSld>
-  <p:clrMapOvr>
-    <a:masterClrMapping/>
-  </p:clrMapOvr>
-  <p:transition spd="med">
-    <p:pull/>
-  </p:transition>
-  <p:timing>
-    <p:tnLst>
-      <p:par>
-        <p:cTn id="1" dur="indefinite" restart="never" nodeType="tmRoot"/>
-      </p:par>
-    </p:tnLst>
-  </p:timing>
-</p:sld>
-</file>
-
-<file path=ppt/slides/slide19.xml><?xml version="1.0" encoding="utf-8"?>
-<p:sld xmlns:a="http://schemas.openxmlformats.org/drawingml/2006/main" xmlns:r="http://schemas.openxmlformats.org/officeDocument/2006/relationships" xmlns:p="http://schemas.openxmlformats.org/presentationml/2006/main">
-  <p:cSld>
-    <p:spTree>
-      <p:nvGrpSpPr>
-        <p:cNvPr id="1" name=""/>
-        <p:cNvGrpSpPr/>
-        <p:nvPr/>
-      </p:nvGrpSpPr>
-      <p:grpSpPr>
-        <a:xfrm>
-          <a:off x="0" y="0"/>
-          <a:ext cx="0" cy="0"/>
-          <a:chOff x="0" y="0"/>
-          <a:chExt cx="0" cy="0"/>
-        </a:xfrm>
-      </p:grpSpPr>
-      <p:sp>
-        <p:nvSpPr>
-          <p:cNvPr id="3" name="Titre 2"/>
-          <p:cNvSpPr>
-            <a:spLocks noGrp="1"/>
-          </p:cNvSpPr>
-          <p:nvPr>
-            <p:ph type="title"/>
-          </p:nvPr>
-        </p:nvSpPr>
-        <p:spPr/>
-        <p:txBody>
-          <a:bodyPr/>
-          <a:lstStyle/>
-          <a:p>
-            <a:endParaRPr lang="fr-FR"/>
-          </a:p>
-        </p:txBody>
-      </p:sp>
-      <p:sp>
-        <p:nvSpPr>
-          <p:cNvPr id="5" name="ZoneTexte 4"/>
-          <p:cNvSpPr txBox="1"/>
-          <p:nvPr/>
-        </p:nvSpPr>
-        <p:spPr>
-          <a:xfrm>
-            <a:off x="0" y="2564904"/>
-            <a:ext cx="9144000" cy="1200329"/>
-          </a:xfrm>
-          <a:prstGeom prst="rect">
-            <a:avLst/>
-          </a:prstGeom>
-          <a:noFill/>
-        </p:spPr>
-        <p:txBody>
-          <a:bodyPr wrap="square" rtlCol="0">
-            <a:spAutoFit/>
-          </a:bodyPr>
-          <a:lstStyle/>
-          <a:p>
-            <a:pPr algn="ctr"/>
-            <a:r>
-              <a:rPr lang="fr-FR" sz="5400" b="1" u="sng" dirty="0"/>
-              <a:t>5</a:t>
-            </a:r>
-            <a:r>
-              <a:rPr lang="fr-FR" sz="5400" b="1" u="sng" dirty="0" smtClean="0"/>
-              <a:t> – Conclusion</a:t>
-            </a:r>
-            <a:endParaRPr lang="fr-FR" sz="5400" b="1" u="sng" dirty="0"/>
-          </a:p>
-          <a:p>
-            <a:pPr algn="ctr"/>
-            <a:endParaRPr lang="fr-FR" dirty="0"/>
-          </a:p>
-        </p:txBody>
-      </p:sp>
-      <p:sp>
-        <p:nvSpPr>
-          <p:cNvPr id="4" name="ZoneTexte 3"/>
-          <p:cNvSpPr txBox="1"/>
-          <p:nvPr/>
-        </p:nvSpPr>
-        <p:spPr>
-          <a:xfrm>
-            <a:off x="107504" y="6447133"/>
-            <a:ext cx="418704" cy="369332"/>
-          </a:xfrm>
-          <a:prstGeom prst="rect">
-            <a:avLst/>
-          </a:prstGeom>
-          <a:noFill/>
-        </p:spPr>
-        <p:txBody>
-          <a:bodyPr wrap="none" rtlCol="0">
-            <a:spAutoFit/>
-          </a:bodyPr>
-          <a:lstStyle/>
-          <a:p>
-            <a:r>
-              <a:rPr lang="fr-FR" dirty="0" smtClean="0"/>
-              <a:t>18</a:t>
-            </a:r>
-            <a:endParaRPr lang="fr-FR" dirty="0"/>
-          </a:p>
-        </p:txBody>
-      </p:sp>
-    </p:spTree>
-    <p:extLst>
-      <p:ext uri="{BB962C8B-B14F-4D97-AF65-F5344CB8AC3E}">
-        <p14:creationId xmlns:p14="http://schemas.microsoft.com/office/powerpoint/2010/main" val="3262789837"/>
       </p:ext>
     </p:extLst>
   </p:cSld>
@@ -9554,6 +10740,420 @@
           <a:bodyPr/>
           <a:lstStyle/>
           <a:p>
+            <a:r>
+              <a:rPr lang="fr-FR" dirty="0">
+                <a:solidFill>
+                  <a:schemeClr val="tx1"/>
+                </a:solidFill>
+              </a:rPr>
+              <a:t>4 – Réalisation et </a:t>
+            </a:r>
+            <a:r>
+              <a:rPr lang="fr-FR" dirty="0" smtClean="0">
+                <a:solidFill>
+                  <a:schemeClr val="tx1"/>
+                </a:solidFill>
+              </a:rPr>
+              <a:t>tests</a:t>
+            </a:r>
+            <a:endParaRPr lang="fr-FR" dirty="0">
+              <a:solidFill>
+                <a:schemeClr val="tx1"/>
+              </a:solidFill>
+            </a:endParaRPr>
+          </a:p>
+        </p:txBody>
+      </p:sp>
+      <p:sp>
+        <p:nvSpPr>
+          <p:cNvPr id="4" name="Espace réservé du texte 3"/>
+          <p:cNvSpPr>
+            <a:spLocks noGrp="1"/>
+          </p:cNvSpPr>
+          <p:nvPr>
+            <p:ph type="body" sz="quarter" idx="13"/>
+          </p:nvPr>
+        </p:nvSpPr>
+        <p:spPr>
+          <a:xfrm>
+            <a:off x="1763688" y="160044"/>
+            <a:ext cx="4608512" cy="423109"/>
+          </a:xfrm>
+        </p:spPr>
+        <p:txBody>
+          <a:bodyPr/>
+          <a:lstStyle/>
+          <a:p>
+            <a:pPr algn="l"/>
+            <a:r>
+              <a:rPr lang="fr-FR" sz="2000" dirty="0" smtClean="0"/>
+              <a:t>Les tâches qui sont à réaliser</a:t>
+            </a:r>
+            <a:endParaRPr lang="fr-FR" sz="2000" dirty="0"/>
+          </a:p>
+        </p:txBody>
+      </p:sp>
+      <p:sp>
+        <p:nvSpPr>
+          <p:cNvPr id="8" name="ZoneTexte 7"/>
+          <p:cNvSpPr txBox="1"/>
+          <p:nvPr/>
+        </p:nvSpPr>
+        <p:spPr>
+          <a:xfrm>
+            <a:off x="107504" y="6447133"/>
+            <a:ext cx="418704" cy="369332"/>
+          </a:xfrm>
+          <a:prstGeom prst="rect">
+            <a:avLst/>
+          </a:prstGeom>
+          <a:noFill/>
+        </p:spPr>
+        <p:txBody>
+          <a:bodyPr wrap="none" rtlCol="0">
+            <a:spAutoFit/>
+          </a:bodyPr>
+          <a:lstStyle/>
+          <a:p>
+            <a:r>
+              <a:rPr lang="fr-FR" dirty="0" smtClean="0"/>
+              <a:t>19</a:t>
+            </a:r>
+            <a:endParaRPr lang="fr-FR" dirty="0"/>
+          </a:p>
+        </p:txBody>
+      </p:sp>
+      <p:sp>
+        <p:nvSpPr>
+          <p:cNvPr id="2" name="ZoneTexte 1"/>
+          <p:cNvSpPr txBox="1"/>
+          <p:nvPr/>
+        </p:nvSpPr>
+        <p:spPr>
+          <a:xfrm>
+            <a:off x="899592" y="1700808"/>
+            <a:ext cx="7619137" cy="3416320"/>
+          </a:xfrm>
+          <a:prstGeom prst="rect">
+            <a:avLst/>
+          </a:prstGeom>
+          <a:noFill/>
+        </p:spPr>
+        <p:txBody>
+          <a:bodyPr wrap="none" rtlCol="0">
+            <a:spAutoFit/>
+          </a:bodyPr>
+          <a:lstStyle/>
+          <a:p>
+            <a:r>
+              <a:rPr lang="fr-FR" dirty="0" smtClean="0"/>
+              <a:t>Avant la fin de mon stage : </a:t>
+            </a:r>
+          </a:p>
+          <a:p>
+            <a:endParaRPr lang="fr-FR" dirty="0" smtClean="0"/>
+          </a:p>
+          <a:p>
+            <a:pPr marL="285750" indent="-285750">
+              <a:buFont typeface="Arial" panose="020B0604020202020204" pitchFamily="34" charset="0"/>
+              <a:buChar char="•"/>
+            </a:pPr>
+            <a:r>
+              <a:rPr lang="fr-FR" dirty="0" smtClean="0"/>
+              <a:t>Tester l’asservissement</a:t>
+            </a:r>
+          </a:p>
+          <a:p>
+            <a:pPr marL="285750" indent="-285750">
+              <a:buFont typeface="Arial" panose="020B0604020202020204" pitchFamily="34" charset="0"/>
+              <a:buChar char="•"/>
+            </a:pPr>
+            <a:r>
+              <a:rPr lang="fr-FR" dirty="0" smtClean="0"/>
+              <a:t>Faire des mesures plus précises (THD, consommation)</a:t>
+            </a:r>
+          </a:p>
+          <a:p>
+            <a:pPr marL="285750" indent="-285750">
+              <a:buFont typeface="Arial" panose="020B0604020202020204" pitchFamily="34" charset="0"/>
+              <a:buChar char="•"/>
+            </a:pPr>
+            <a:r>
+              <a:rPr lang="fr-FR" dirty="0" smtClean="0"/>
+              <a:t>Faire des mesures CEM si possible</a:t>
+            </a:r>
+          </a:p>
+          <a:p>
+            <a:pPr marL="285750" indent="-285750">
+              <a:buFont typeface="Arial" panose="020B0604020202020204" pitchFamily="34" charset="0"/>
+              <a:buChar char="•"/>
+            </a:pPr>
+            <a:r>
+              <a:rPr lang="fr-FR" dirty="0" smtClean="0"/>
+              <a:t>Conclure sur la viabilité de cette solution</a:t>
+            </a:r>
+          </a:p>
+          <a:p>
+            <a:pPr marL="285750" indent="-285750">
+              <a:buFont typeface="Arial" panose="020B0604020202020204" pitchFamily="34" charset="0"/>
+              <a:buChar char="•"/>
+            </a:pPr>
+            <a:endParaRPr lang="fr-FR" dirty="0"/>
+          </a:p>
+          <a:p>
+            <a:r>
+              <a:rPr lang="fr-FR" dirty="0" smtClean="0"/>
+              <a:t>Pour THALES:</a:t>
+            </a:r>
+          </a:p>
+          <a:p>
+            <a:endParaRPr lang="fr-FR" dirty="0" smtClean="0"/>
+          </a:p>
+          <a:p>
+            <a:pPr marL="285750" indent="-285750">
+              <a:buFont typeface="Arial" panose="020B0604020202020204" pitchFamily="34" charset="0"/>
+              <a:buChar char="•"/>
+            </a:pPr>
+            <a:r>
+              <a:rPr lang="fr-FR" dirty="0" smtClean="0"/>
+              <a:t>Etudier les résultats possibles avec les moyens THALES (surface, conso, coût)</a:t>
+            </a:r>
+          </a:p>
+          <a:p>
+            <a:pPr marL="285750" indent="-285750">
+              <a:buFont typeface="Arial" panose="020B0604020202020204" pitchFamily="34" charset="0"/>
+              <a:buChar char="•"/>
+            </a:pPr>
+            <a:r>
+              <a:rPr lang="fr-FR" dirty="0" smtClean="0"/>
+              <a:t>Conclure sur l’intérêt ou non d’utiliser cette solution</a:t>
+            </a:r>
+          </a:p>
+          <a:p>
+            <a:pPr marL="285750" indent="-285750">
+              <a:buFont typeface="Arial" panose="020B0604020202020204" pitchFamily="34" charset="0"/>
+              <a:buChar char="•"/>
+            </a:pPr>
+            <a:r>
+              <a:rPr lang="fr-FR" dirty="0" smtClean="0"/>
+              <a:t>Développer le circuit industriel et l’intégrer dans les produits THALES</a:t>
+            </a:r>
+          </a:p>
+        </p:txBody>
+      </p:sp>
+      <p:pic>
+        <p:nvPicPr>
+          <p:cNvPr id="7" name="Image 6"/>
+          <p:cNvPicPr>
+            <a:picLocks noChangeAspect="1"/>
+          </p:cNvPicPr>
+          <p:nvPr/>
+        </p:nvPicPr>
+        <p:blipFill>
+          <a:blip r:embed="rId2" cstate="print">
+            <a:extLst>
+              <a:ext uri="{28A0092B-C50C-407E-A947-70E740481C1C}">
+                <a14:useLocalDpi xmlns:a14="http://schemas.microsoft.com/office/drawing/2010/main" val="0"/>
+              </a:ext>
+            </a:extLst>
+          </a:blip>
+          <a:stretch>
+            <a:fillRect/>
+          </a:stretch>
+        </p:blipFill>
+        <p:spPr>
+          <a:xfrm>
+            <a:off x="6516216" y="1700808"/>
+            <a:ext cx="1197583" cy="1556792"/>
+          </a:xfrm>
+          <a:prstGeom prst="rect">
+            <a:avLst/>
+          </a:prstGeom>
+        </p:spPr>
+      </p:pic>
+    </p:spTree>
+    <p:extLst>
+      <p:ext uri="{BB962C8B-B14F-4D97-AF65-F5344CB8AC3E}">
+        <p14:creationId xmlns:p14="http://schemas.microsoft.com/office/powerpoint/2010/main" val="590524372"/>
+      </p:ext>
+    </p:extLst>
+  </p:cSld>
+  <p:clrMapOvr>
+    <a:masterClrMapping/>
+  </p:clrMapOvr>
+  <p:transition spd="med">
+    <p:pull/>
+  </p:transition>
+  <p:timing>
+    <p:tnLst>
+      <p:par>
+        <p:cTn id="1" dur="indefinite" restart="never" nodeType="tmRoot"/>
+      </p:par>
+    </p:tnLst>
+  </p:timing>
+</p:sld>
+</file>
+
+<file path=ppt/slides/slide21.xml><?xml version="1.0" encoding="utf-8"?>
+<p:sld xmlns:a="http://schemas.openxmlformats.org/drawingml/2006/main" xmlns:r="http://schemas.openxmlformats.org/officeDocument/2006/relationships" xmlns:p="http://schemas.openxmlformats.org/presentationml/2006/main">
+  <p:cSld>
+    <p:spTree>
+      <p:nvGrpSpPr>
+        <p:cNvPr id="1" name=""/>
+        <p:cNvGrpSpPr/>
+        <p:nvPr/>
+      </p:nvGrpSpPr>
+      <p:grpSpPr>
+        <a:xfrm>
+          <a:off x="0" y="0"/>
+          <a:ext cx="0" cy="0"/>
+          <a:chOff x="0" y="0"/>
+          <a:chExt cx="0" cy="0"/>
+        </a:xfrm>
+      </p:grpSpPr>
+      <p:sp>
+        <p:nvSpPr>
+          <p:cNvPr id="3" name="Titre 2"/>
+          <p:cNvSpPr>
+            <a:spLocks noGrp="1"/>
+          </p:cNvSpPr>
+          <p:nvPr>
+            <p:ph type="title"/>
+          </p:nvPr>
+        </p:nvSpPr>
+        <p:spPr/>
+        <p:txBody>
+          <a:bodyPr/>
+          <a:lstStyle/>
+          <a:p>
+            <a:endParaRPr lang="fr-FR"/>
+          </a:p>
+        </p:txBody>
+      </p:sp>
+      <p:sp>
+        <p:nvSpPr>
+          <p:cNvPr id="5" name="ZoneTexte 4"/>
+          <p:cNvSpPr txBox="1"/>
+          <p:nvPr/>
+        </p:nvSpPr>
+        <p:spPr>
+          <a:xfrm>
+            <a:off x="0" y="2564904"/>
+            <a:ext cx="9144000" cy="1200329"/>
+          </a:xfrm>
+          <a:prstGeom prst="rect">
+            <a:avLst/>
+          </a:prstGeom>
+          <a:noFill/>
+        </p:spPr>
+        <p:txBody>
+          <a:bodyPr wrap="square" rtlCol="0">
+            <a:spAutoFit/>
+          </a:bodyPr>
+          <a:lstStyle/>
+          <a:p>
+            <a:pPr algn="ctr"/>
+            <a:r>
+              <a:rPr lang="fr-FR" sz="5400" b="1" u="sng" dirty="0"/>
+              <a:t>5</a:t>
+            </a:r>
+            <a:r>
+              <a:rPr lang="fr-FR" sz="5400" b="1" u="sng" dirty="0" smtClean="0"/>
+              <a:t> – Conclusion</a:t>
+            </a:r>
+            <a:endParaRPr lang="fr-FR" sz="5400" b="1" u="sng" dirty="0"/>
+          </a:p>
+          <a:p>
+            <a:pPr algn="ctr"/>
+            <a:endParaRPr lang="fr-FR" dirty="0"/>
+          </a:p>
+        </p:txBody>
+      </p:sp>
+      <p:sp>
+        <p:nvSpPr>
+          <p:cNvPr id="4" name="ZoneTexte 3"/>
+          <p:cNvSpPr txBox="1"/>
+          <p:nvPr/>
+        </p:nvSpPr>
+        <p:spPr>
+          <a:xfrm>
+            <a:off x="107504" y="6447133"/>
+            <a:ext cx="418704" cy="369332"/>
+          </a:xfrm>
+          <a:prstGeom prst="rect">
+            <a:avLst/>
+          </a:prstGeom>
+          <a:noFill/>
+        </p:spPr>
+        <p:txBody>
+          <a:bodyPr wrap="none" rtlCol="0">
+            <a:spAutoFit/>
+          </a:bodyPr>
+          <a:lstStyle/>
+          <a:p>
+            <a:r>
+              <a:rPr lang="fr-FR" dirty="0" smtClean="0"/>
+              <a:t>20</a:t>
+            </a:r>
+            <a:endParaRPr lang="fr-FR" dirty="0"/>
+          </a:p>
+        </p:txBody>
+      </p:sp>
+    </p:spTree>
+    <p:extLst>
+      <p:ext uri="{BB962C8B-B14F-4D97-AF65-F5344CB8AC3E}">
+        <p14:creationId xmlns:p14="http://schemas.microsoft.com/office/powerpoint/2010/main" val="3262789837"/>
+      </p:ext>
+    </p:extLst>
+  </p:cSld>
+  <p:clrMapOvr>
+    <a:masterClrMapping/>
+  </p:clrMapOvr>
+  <p:transition spd="med">
+    <p:pull/>
+  </p:transition>
+  <p:timing>
+    <p:tnLst>
+      <p:par>
+        <p:cTn id="1" dur="indefinite" restart="never" nodeType="tmRoot"/>
+      </p:par>
+    </p:tnLst>
+  </p:timing>
+</p:sld>
+</file>
+
+<file path=ppt/slides/slide22.xml><?xml version="1.0" encoding="utf-8"?>
+<p:sld xmlns:a="http://schemas.openxmlformats.org/drawingml/2006/main" xmlns:r="http://schemas.openxmlformats.org/officeDocument/2006/relationships" xmlns:p="http://schemas.openxmlformats.org/presentationml/2006/main">
+  <p:cSld>
+    <p:spTree>
+      <p:nvGrpSpPr>
+        <p:cNvPr id="1" name=""/>
+        <p:cNvGrpSpPr/>
+        <p:nvPr/>
+      </p:nvGrpSpPr>
+      <p:grpSpPr>
+        <a:xfrm>
+          <a:off x="0" y="0"/>
+          <a:ext cx="0" cy="0"/>
+          <a:chOff x="0" y="0"/>
+          <a:chExt cx="0" cy="0"/>
+        </a:xfrm>
+      </p:grpSpPr>
+      <p:sp>
+        <p:nvSpPr>
+          <p:cNvPr id="3" name="Titre 2"/>
+          <p:cNvSpPr>
+            <a:spLocks noGrp="1"/>
+          </p:cNvSpPr>
+          <p:nvPr>
+            <p:ph type="title"/>
+          </p:nvPr>
+        </p:nvSpPr>
+        <p:spPr/>
+        <p:txBody>
+          <a:bodyPr/>
+          <a:lstStyle/>
+          <a:p>
             <a:endParaRPr lang="fr-FR"/>
           </a:p>
         </p:txBody>
@@ -9674,7 +11274,7 @@
           <a:p>
             <a:r>
               <a:rPr lang="fr-FR" dirty="0" smtClean="0"/>
-              <a:t>19</a:t>
+              <a:t>21</a:t>
             </a:r>
             <a:endParaRPr lang="fr-FR" dirty="0"/>
           </a:p>
@@ -10491,6 +12091,30 @@
           <a:chExt cx="0" cy="0"/>
         </a:xfrm>
       </p:grpSpPr>
+      <p:pic>
+        <p:nvPicPr>
+          <p:cNvPr id="12" name="Image 11"/>
+          <p:cNvPicPr>
+            <a:picLocks noChangeAspect="1"/>
+          </p:cNvPicPr>
+          <p:nvPr/>
+        </p:nvPicPr>
+        <p:blipFill>
+          <a:blip r:embed="rId3"/>
+          <a:stretch>
+            <a:fillRect/>
+          </a:stretch>
+        </p:blipFill>
+        <p:spPr>
+          <a:xfrm>
+            <a:off x="399318" y="1088466"/>
+            <a:ext cx="8208912" cy="4659892"/>
+          </a:xfrm>
+          <a:prstGeom prst="rect">
+            <a:avLst/>
+          </a:prstGeom>
+        </p:spPr>
+      </p:pic>
       <p:sp>
         <p:nvSpPr>
           <p:cNvPr id="3" name="Titre 2"/>
@@ -10553,101 +12177,12 @@
             <a:pPr algn="l"/>
             <a:r>
               <a:rPr lang="fr-FR" sz="2000" dirty="0" smtClean="0"/>
-              <a:t>Description de THALES et du sujet</a:t>
+              <a:t>Présentation de THALES</a:t>
             </a:r>
             <a:endParaRPr lang="fr-FR" sz="2000" dirty="0"/>
           </a:p>
         </p:txBody>
       </p:sp>
-      <p:pic>
-        <p:nvPicPr>
-          <p:cNvPr id="6" name="Image 5"/>
-          <p:cNvPicPr>
-            <a:picLocks noChangeAspect="1"/>
-          </p:cNvPicPr>
-          <p:nvPr/>
-        </p:nvPicPr>
-        <p:blipFill>
-          <a:blip r:embed="rId3" cstate="print">
-            <a:extLst>
-              <a:ext uri="{28A0092B-C50C-407E-A947-70E740481C1C}">
-                <a14:useLocalDpi xmlns:a14="http://schemas.microsoft.com/office/drawing/2010/main" val="0"/>
-              </a:ext>
-            </a:extLst>
-          </a:blip>
-          <a:stretch>
-            <a:fillRect/>
-          </a:stretch>
-        </p:blipFill>
-        <p:spPr>
-          <a:xfrm>
-            <a:off x="3555250" y="1386610"/>
-            <a:ext cx="2261007" cy="849762"/>
-          </a:xfrm>
-          <a:prstGeom prst="rect">
-            <a:avLst/>
-          </a:prstGeom>
-        </p:spPr>
-      </p:pic>
-      <p:pic>
-        <p:nvPicPr>
-          <p:cNvPr id="7" name="Image 6"/>
-          <p:cNvPicPr>
-            <a:picLocks noChangeAspect="1"/>
-          </p:cNvPicPr>
-          <p:nvPr/>
-        </p:nvPicPr>
-        <p:blipFill>
-          <a:blip r:embed="rId4">
-            <a:extLst>
-              <a:ext uri="{28A0092B-C50C-407E-A947-70E740481C1C}">
-                <a14:useLocalDpi xmlns:a14="http://schemas.microsoft.com/office/drawing/2010/main" val="0"/>
-              </a:ext>
-            </a:extLst>
-          </a:blip>
-          <a:stretch>
-            <a:fillRect/>
-          </a:stretch>
-        </p:blipFill>
-        <p:spPr>
-          <a:xfrm>
-            <a:off x="1907946" y="2924944"/>
-            <a:ext cx="5555619" cy="2392372"/>
-          </a:xfrm>
-          <a:prstGeom prst="rect">
-            <a:avLst/>
-          </a:prstGeom>
-        </p:spPr>
-      </p:pic>
-      <p:pic>
-        <p:nvPicPr>
-          <p:cNvPr id="8" name="Image 7"/>
-          <p:cNvPicPr/>
-          <p:nvPr/>
-        </p:nvPicPr>
-        <p:blipFill rotWithShape="1">
-          <a:blip r:embed="rId5"/>
-          <a:srcRect r="8767"/>
-          <a:stretch/>
-        </p:blipFill>
-        <p:spPr bwMode="auto">
-          <a:xfrm>
-            <a:off x="869330" y="2392938"/>
-            <a:ext cx="7632848" cy="3456384"/>
-          </a:xfrm>
-          <a:prstGeom prst="rect">
-            <a:avLst/>
-          </a:prstGeom>
-          <a:ln>
-            <a:noFill/>
-          </a:ln>
-          <a:extLst>
-            <a:ext uri="{53640926-AAD7-44D8-BBD7-CCE9431645EC}">
-              <a14:shadowObscured xmlns:a14="http://schemas.microsoft.com/office/drawing/2010/main"/>
-            </a:ext>
-          </a:extLst>
-        </p:spPr>
-      </p:pic>
       <p:sp>
         <p:nvSpPr>
           <p:cNvPr id="9" name="ZoneTexte 8"/>
@@ -10678,6 +12213,417 @@
           </a:p>
         </p:txBody>
       </p:sp>
+      <p:pic>
+        <p:nvPicPr>
+          <p:cNvPr id="10" name="Image 9"/>
+          <p:cNvPicPr>
+            <a:picLocks noChangeAspect="1"/>
+          </p:cNvPicPr>
+          <p:nvPr/>
+        </p:nvPicPr>
+        <p:blipFill>
+          <a:blip r:embed="rId4"/>
+          <a:stretch>
+            <a:fillRect/>
+          </a:stretch>
+        </p:blipFill>
+        <p:spPr>
+          <a:xfrm>
+            <a:off x="356226" y="1088466"/>
+            <a:ext cx="8249801" cy="5163271"/>
+          </a:xfrm>
+          <a:prstGeom prst="rect">
+            <a:avLst/>
+          </a:prstGeom>
+        </p:spPr>
+      </p:pic>
+      <p:pic>
+        <p:nvPicPr>
+          <p:cNvPr id="13" name="Image 12"/>
+          <p:cNvPicPr>
+            <a:picLocks noChangeAspect="1"/>
+          </p:cNvPicPr>
+          <p:nvPr/>
+        </p:nvPicPr>
+        <p:blipFill>
+          <a:blip r:embed="rId5" cstate="print">
+            <a:extLst>
+              <a:ext uri="{28A0092B-C50C-407E-A947-70E740481C1C}">
+                <a14:useLocalDpi xmlns:a14="http://schemas.microsoft.com/office/drawing/2010/main" val="0"/>
+              </a:ext>
+            </a:extLst>
+          </a:blip>
+          <a:stretch>
+            <a:fillRect/>
+          </a:stretch>
+        </p:blipFill>
+        <p:spPr>
+          <a:xfrm>
+            <a:off x="3563888" y="893070"/>
+            <a:ext cx="2261007" cy="849762"/>
+          </a:xfrm>
+          <a:prstGeom prst="rect">
+            <a:avLst/>
+          </a:prstGeom>
+        </p:spPr>
+      </p:pic>
+    </p:spTree>
+    <p:extLst>
+      <p:ext uri="{BB962C8B-B14F-4D97-AF65-F5344CB8AC3E}">
+        <p14:creationId xmlns:p14="http://schemas.microsoft.com/office/powerpoint/2010/main" val="1646876734"/>
+      </p:ext>
+    </p:extLst>
+  </p:cSld>
+  <p:clrMapOvr>
+    <a:masterClrMapping/>
+  </p:clrMapOvr>
+  <p:transition spd="med">
+    <p:pull/>
+  </p:transition>
+  <p:timing>
+    <p:tnLst>
+      <p:par>
+        <p:cTn id="1" dur="indefinite" restart="never" nodeType="tmRoot">
+          <p:childTnLst>
+            <p:seq concurrent="1" nextAc="seek">
+              <p:cTn id="2" dur="indefinite" nodeType="mainSeq">
+                <p:childTnLst>
+                  <p:par>
+                    <p:cTn id="3" fill="hold">
+                      <p:stCondLst>
+                        <p:cond delay="indefinite"/>
+                      </p:stCondLst>
+                      <p:childTnLst>
+                        <p:par>
+                          <p:cTn id="4" fill="hold">
+                            <p:stCondLst>
+                              <p:cond delay="0"/>
+                            </p:stCondLst>
+                            <p:childTnLst>
+                              <p:par>
+                                <p:cTn id="5" presetID="10" presetClass="entr" presetSubtype="0" fill="hold" nodeType="clickEffect">
+                                  <p:stCondLst>
+                                    <p:cond delay="0"/>
+                                  </p:stCondLst>
+                                  <p:childTnLst>
+                                    <p:set>
+                                      <p:cBhvr>
+                                        <p:cTn id="6" dur="1" fill="hold">
+                                          <p:stCondLst>
+                                            <p:cond delay="0"/>
+                                          </p:stCondLst>
+                                        </p:cTn>
+                                        <p:tgtEl>
+                                          <p:spTgt spid="12"/>
+                                        </p:tgtEl>
+                                        <p:attrNameLst>
+                                          <p:attrName>style.visibility</p:attrName>
+                                        </p:attrNameLst>
+                                      </p:cBhvr>
+                                      <p:to>
+                                        <p:strVal val="visible"/>
+                                      </p:to>
+                                    </p:set>
+                                    <p:animEffect transition="in" filter="fade">
+                                      <p:cBhvr>
+                                        <p:cTn id="7" dur="500"/>
+                                        <p:tgtEl>
+                                          <p:spTgt spid="12"/>
+                                        </p:tgtEl>
+                                      </p:cBhvr>
+                                    </p:animEffect>
+                                  </p:childTnLst>
+                                </p:cTn>
+                              </p:par>
+                              <p:par>
+                                <p:cTn id="8" presetID="1" presetClass="exit" presetSubtype="0" fill="hold" nodeType="withEffect">
+                                  <p:stCondLst>
+                                    <p:cond delay="0"/>
+                                  </p:stCondLst>
+                                  <p:childTnLst>
+                                    <p:set>
+                                      <p:cBhvr>
+                                        <p:cTn id="9" dur="1" fill="hold">
+                                          <p:stCondLst>
+                                            <p:cond delay="0"/>
+                                          </p:stCondLst>
+                                        </p:cTn>
+                                        <p:tgtEl>
+                                          <p:spTgt spid="10"/>
+                                        </p:tgtEl>
+                                        <p:attrNameLst>
+                                          <p:attrName>style.visibility</p:attrName>
+                                        </p:attrNameLst>
+                                      </p:cBhvr>
+                                      <p:to>
+                                        <p:strVal val="hidden"/>
+                                      </p:to>
+                                    </p:set>
+                                  </p:childTnLst>
+                                </p:cTn>
+                              </p:par>
+                              <p:par>
+                                <p:cTn id="10" presetID="1" presetClass="exit" presetSubtype="0" fill="hold" nodeType="withEffect">
+                                  <p:stCondLst>
+                                    <p:cond delay="0"/>
+                                  </p:stCondLst>
+                                  <p:childTnLst>
+                                    <p:set>
+                                      <p:cBhvr>
+                                        <p:cTn id="11" dur="1" fill="hold">
+                                          <p:stCondLst>
+                                            <p:cond delay="0"/>
+                                          </p:stCondLst>
+                                        </p:cTn>
+                                        <p:tgtEl>
+                                          <p:spTgt spid="13"/>
+                                        </p:tgtEl>
+                                        <p:attrNameLst>
+                                          <p:attrName>style.visibility</p:attrName>
+                                        </p:attrNameLst>
+                                      </p:cBhvr>
+                                      <p:to>
+                                        <p:strVal val="hidden"/>
+                                      </p:to>
+                                    </p:set>
+                                  </p:childTnLst>
+                                </p:cTn>
+                              </p:par>
+                            </p:childTnLst>
+                          </p:cTn>
+                        </p:par>
+                      </p:childTnLst>
+                    </p:cTn>
+                  </p:par>
+                </p:childTnLst>
+              </p:cTn>
+              <p:prevCondLst>
+                <p:cond evt="onPrev" delay="0">
+                  <p:tgtEl>
+                    <p:sldTgt/>
+                  </p:tgtEl>
+                </p:cond>
+              </p:prevCondLst>
+              <p:nextCondLst>
+                <p:cond evt="onNext" delay="0">
+                  <p:tgtEl>
+                    <p:sldTgt/>
+                  </p:tgtEl>
+                </p:cond>
+              </p:nextCondLst>
+            </p:seq>
+          </p:childTnLst>
+        </p:cTn>
+      </p:par>
+    </p:tnLst>
+  </p:timing>
+</p:sld>
+</file>
+
+<file path=ppt/slides/slide5.xml><?xml version="1.0" encoding="utf-8"?>
+<p:sld xmlns:a="http://schemas.openxmlformats.org/drawingml/2006/main" xmlns:r="http://schemas.openxmlformats.org/officeDocument/2006/relationships" xmlns:p="http://schemas.openxmlformats.org/presentationml/2006/main">
+  <p:cSld>
+    <p:spTree>
+      <p:nvGrpSpPr>
+        <p:cNvPr id="1" name=""/>
+        <p:cNvGrpSpPr/>
+        <p:nvPr/>
+      </p:nvGrpSpPr>
+      <p:grpSpPr>
+        <a:xfrm>
+          <a:off x="0" y="0"/>
+          <a:ext cx="0" cy="0"/>
+          <a:chOff x="0" y="0"/>
+          <a:chExt cx="0" cy="0"/>
+        </a:xfrm>
+      </p:grpSpPr>
+      <p:sp>
+        <p:nvSpPr>
+          <p:cNvPr id="3" name="Titre 2"/>
+          <p:cNvSpPr>
+            <a:spLocks noGrp="1"/>
+          </p:cNvSpPr>
+          <p:nvPr>
+            <p:ph type="title"/>
+          </p:nvPr>
+        </p:nvSpPr>
+        <p:spPr/>
+        <p:txBody>
+          <a:bodyPr/>
+          <a:lstStyle/>
+          <a:p>
+            <a:r>
+              <a:rPr lang="fr-FR" dirty="0">
+                <a:solidFill>
+                  <a:schemeClr val="tx1"/>
+                </a:solidFill>
+              </a:rPr>
+              <a:t>1 - </a:t>
+            </a:r>
+            <a:r>
+              <a:rPr lang="fr-FR" dirty="0" smtClean="0">
+                <a:solidFill>
+                  <a:schemeClr val="tx1"/>
+                </a:solidFill>
+              </a:rPr>
+              <a:t>Introduction</a:t>
+            </a:r>
+            <a:endParaRPr lang="fr-FR" dirty="0">
+              <a:solidFill>
+                <a:schemeClr val="tx1"/>
+              </a:solidFill>
+            </a:endParaRPr>
+          </a:p>
+        </p:txBody>
+      </p:sp>
+      <p:sp>
+        <p:nvSpPr>
+          <p:cNvPr id="4" name="Espace réservé du texte 3"/>
+          <p:cNvSpPr>
+            <a:spLocks noGrp="1"/>
+          </p:cNvSpPr>
+          <p:nvPr>
+            <p:ph type="body" sz="quarter" idx="13"/>
+          </p:nvPr>
+        </p:nvSpPr>
+        <p:spPr>
+          <a:xfrm>
+            <a:off x="1763688" y="188640"/>
+            <a:ext cx="4608512" cy="423109"/>
+          </a:xfrm>
+        </p:spPr>
+        <p:txBody>
+          <a:bodyPr/>
+          <a:lstStyle/>
+          <a:p>
+            <a:pPr algn="l"/>
+            <a:r>
+              <a:rPr lang="fr-FR" sz="2000" dirty="0" smtClean="0"/>
+              <a:t>Description du sujet</a:t>
+            </a:r>
+            <a:endParaRPr lang="fr-FR" sz="2000" dirty="0"/>
+          </a:p>
+        </p:txBody>
+      </p:sp>
+      <p:pic>
+        <p:nvPicPr>
+          <p:cNvPr id="7" name="Image 6"/>
+          <p:cNvPicPr>
+            <a:picLocks noChangeAspect="1"/>
+          </p:cNvPicPr>
+          <p:nvPr/>
+        </p:nvPicPr>
+        <p:blipFill>
+          <a:blip r:embed="rId3">
+            <a:extLst>
+              <a:ext uri="{28A0092B-C50C-407E-A947-70E740481C1C}">
+                <a14:useLocalDpi xmlns:a14="http://schemas.microsoft.com/office/drawing/2010/main" val="0"/>
+              </a:ext>
+            </a:extLst>
+          </a:blip>
+          <a:stretch>
+            <a:fillRect/>
+          </a:stretch>
+        </p:blipFill>
+        <p:spPr>
+          <a:xfrm>
+            <a:off x="611560" y="2244115"/>
+            <a:ext cx="4339153" cy="1868535"/>
+          </a:xfrm>
+          <a:prstGeom prst="rect">
+            <a:avLst/>
+          </a:prstGeom>
+        </p:spPr>
+      </p:pic>
+      <p:sp>
+        <p:nvSpPr>
+          <p:cNvPr id="9" name="ZoneTexte 8"/>
+          <p:cNvSpPr txBox="1"/>
+          <p:nvPr/>
+        </p:nvSpPr>
+        <p:spPr>
+          <a:xfrm>
+            <a:off x="107504" y="6447133"/>
+            <a:ext cx="301686" cy="369332"/>
+          </a:xfrm>
+          <a:prstGeom prst="rect">
+            <a:avLst/>
+          </a:prstGeom>
+          <a:noFill/>
+        </p:spPr>
+        <p:txBody>
+          <a:bodyPr wrap="none" rtlCol="0">
+            <a:spAutoFit/>
+          </a:bodyPr>
+          <a:lstStyle/>
+          <a:p>
+            <a:r>
+              <a:rPr lang="fr-FR" dirty="0" smtClean="0"/>
+              <a:t>4</a:t>
+            </a:r>
+            <a:endParaRPr lang="fr-FR" dirty="0"/>
+          </a:p>
+        </p:txBody>
+      </p:sp>
+      <p:pic>
+        <p:nvPicPr>
+          <p:cNvPr id="11" name="Image 10"/>
+          <p:cNvPicPr>
+            <a:picLocks noChangeAspect="1"/>
+          </p:cNvPicPr>
+          <p:nvPr/>
+        </p:nvPicPr>
+        <p:blipFill>
+          <a:blip r:embed="rId4">
+            <a:extLst>
+              <a:ext uri="{28A0092B-C50C-407E-A947-70E740481C1C}">
+                <a14:useLocalDpi xmlns:a14="http://schemas.microsoft.com/office/drawing/2010/main" val="0"/>
+              </a:ext>
+            </a:extLst>
+          </a:blip>
+          <a:stretch>
+            <a:fillRect/>
+          </a:stretch>
+        </p:blipFill>
+        <p:spPr>
+          <a:xfrm>
+            <a:off x="5220072" y="1988840"/>
+            <a:ext cx="3536259" cy="2463787"/>
+          </a:xfrm>
+          <a:prstGeom prst="rect">
+            <a:avLst/>
+          </a:prstGeom>
+        </p:spPr>
+      </p:pic>
+      <p:pic>
+        <p:nvPicPr>
+          <p:cNvPr id="8" name="Image 7"/>
+          <p:cNvPicPr/>
+          <p:nvPr/>
+        </p:nvPicPr>
+        <p:blipFill rotWithShape="1">
+          <a:blip r:embed="rId5"/>
+          <a:srcRect r="8767"/>
+          <a:stretch/>
+        </p:blipFill>
+        <p:spPr bwMode="auto">
+          <a:xfrm>
+            <a:off x="304329" y="1593492"/>
+            <a:ext cx="8452002" cy="3784916"/>
+          </a:xfrm>
+          <a:prstGeom prst="rect">
+            <a:avLst/>
+          </a:prstGeom>
+          <a:ln>
+            <a:noFill/>
+          </a:ln>
+          <a:extLst>
+            <a:ext uri="{53640926-AAD7-44D8-BBD7-CCE9431645EC}">
+              <a14:shadowObscured xmlns:a14="http://schemas.microsoft.com/office/drawing/2010/main"/>
+            </a:ext>
+          </a:extLst>
+        </p:spPr>
+      </p:pic>
     </p:spTree>
     <p:extLst>
       <p:ext uri="{BB962C8B-B14F-4D97-AF65-F5344CB8AC3E}">
@@ -10823,7 +12769,7 @@
 </p:sld>
 </file>
 
-<file path=ppt/slides/slide5.xml><?xml version="1.0" encoding="utf-8"?>
+<file path=ppt/slides/slide6.xml><?xml version="1.0" encoding="utf-8"?>
 <p:sld xmlns:a="http://schemas.openxmlformats.org/drawingml/2006/main" xmlns:r="http://schemas.openxmlformats.org/officeDocument/2006/relationships" xmlns:p="http://schemas.openxmlformats.org/presentationml/2006/main">
   <p:cSld>
     <p:spTree>
@@ -10925,8 +12871,8 @@
           <a:lstStyle/>
           <a:p>
             <a:r>
-              <a:rPr lang="fr-FR" dirty="0"/>
-              <a:t>4</a:t>
+              <a:rPr lang="fr-FR" dirty="0" smtClean="0"/>
+              <a:t>5</a:t>
             </a:r>
             <a:endParaRPr lang="fr-FR" dirty="0"/>
           </a:p>
@@ -10955,7 +12901,7 @@
 </p:sld>
 </file>
 
-<file path=ppt/slides/slide6.xml><?xml version="1.0" encoding="utf-8"?>
+<file path=ppt/slides/slide7.xml><?xml version="1.0" encoding="utf-8"?>
 <p:sld xmlns:a="http://schemas.openxmlformats.org/drawingml/2006/main" xmlns:r="http://schemas.openxmlformats.org/officeDocument/2006/relationships" xmlns:p="http://schemas.openxmlformats.org/presentationml/2006/main">
   <p:cSld>
     <p:spTree>
@@ -11023,7 +12969,7 @@
         </p:nvSpPr>
         <p:spPr>
           <a:xfrm>
-            <a:off x="611560" y="148436"/>
+            <a:off x="899592" y="196970"/>
             <a:ext cx="4608512" cy="423109"/>
           </a:xfrm>
         </p:spPr>
@@ -11034,217 +12980,7 @@
             <a:pPr algn="ctr"/>
             <a:r>
               <a:rPr lang="fr-FR" sz="2000" dirty="0" smtClean="0"/>
-              <a:t>Planning initial</a:t>
-            </a:r>
-            <a:endParaRPr lang="fr-FR" sz="2000" dirty="0"/>
-          </a:p>
-        </p:txBody>
-      </p:sp>
-      <p:pic>
-        <p:nvPicPr>
-          <p:cNvPr id="5" name="Image 4"/>
-          <p:cNvPicPr/>
-          <p:nvPr/>
-        </p:nvPicPr>
-        <p:blipFill>
-          <a:blip r:embed="rId2"/>
-          <a:stretch>
-            <a:fillRect/>
-          </a:stretch>
-        </p:blipFill>
-        <p:spPr>
-          <a:xfrm>
-            <a:off x="2195736" y="1091905"/>
-            <a:ext cx="4679950" cy="5181600"/>
-          </a:xfrm>
-          <a:prstGeom prst="rect">
-            <a:avLst/>
-          </a:prstGeom>
-        </p:spPr>
-      </p:pic>
-      <p:pic>
-        <p:nvPicPr>
-          <p:cNvPr id="6" name="Image 5"/>
-          <p:cNvPicPr/>
-          <p:nvPr/>
-        </p:nvPicPr>
-        <p:blipFill>
-          <a:blip r:embed="rId3"/>
-          <a:stretch>
-            <a:fillRect/>
-          </a:stretch>
-        </p:blipFill>
-        <p:spPr>
-          <a:xfrm>
-            <a:off x="2195736" y="1092373"/>
-            <a:ext cx="4679950" cy="5181600"/>
-          </a:xfrm>
-          <a:prstGeom prst="rect">
-            <a:avLst/>
-          </a:prstGeom>
-        </p:spPr>
-      </p:pic>
-      <p:sp>
-        <p:nvSpPr>
-          <p:cNvPr id="7" name="Espace réservé du texte 3"/>
-          <p:cNvSpPr txBox="1">
-            <a:spLocks/>
-          </p:cNvSpPr>
-          <p:nvPr/>
-        </p:nvSpPr>
-        <p:spPr>
-          <a:xfrm>
-            <a:off x="1907704" y="156223"/>
-            <a:ext cx="4608512" cy="423109"/>
-          </a:xfrm>
-          <a:prstGeom prst="rect">
-            <a:avLst/>
-          </a:prstGeom>
-        </p:spPr>
-        <p:txBody>
-          <a:bodyPr/>
-          <a:lstStyle>
-            <a:lvl1pPr marL="0" indent="0" algn="r" defTabSz="914400" rtl="0" eaLnBrk="1" latinLnBrk="0" hangingPunct="1">
-              <a:spcBef>
-                <a:spcPct val="20000"/>
-              </a:spcBef>
-              <a:buFontTx/>
-              <a:buNone/>
-              <a:defRPr sz="1600" b="1" kern="1200" baseline="0">
-                <a:solidFill>
-                  <a:schemeClr val="tx1"/>
-                </a:solidFill>
-                <a:latin typeface="Arial" pitchFamily="34" charset="0"/>
-                <a:ea typeface="+mn-ea"/>
-                <a:cs typeface="Arial" pitchFamily="34" charset="0"/>
-              </a:defRPr>
-            </a:lvl1pPr>
-            <a:lvl2pPr marL="742950" indent="-285750" algn="l" defTabSz="914400" rtl="0" eaLnBrk="1" latinLnBrk="0" hangingPunct="1">
-              <a:spcBef>
-                <a:spcPct val="20000"/>
-              </a:spcBef>
-              <a:buFont typeface="Arial" pitchFamily="34" charset="0"/>
-              <a:buChar char="–"/>
-              <a:defRPr sz="2800" kern="1200">
-                <a:solidFill>
-                  <a:schemeClr val="tx1"/>
-                </a:solidFill>
-                <a:latin typeface="+mn-lt"/>
-                <a:ea typeface="+mn-ea"/>
-                <a:cs typeface="+mn-cs"/>
-              </a:defRPr>
-            </a:lvl2pPr>
-            <a:lvl3pPr marL="1143000" indent="-228600" algn="l" defTabSz="914400" rtl="0" eaLnBrk="1" latinLnBrk="0" hangingPunct="1">
-              <a:spcBef>
-                <a:spcPct val="20000"/>
-              </a:spcBef>
-              <a:buFont typeface="Arial" pitchFamily="34" charset="0"/>
-              <a:buChar char="•"/>
-              <a:defRPr sz="2400" kern="1200">
-                <a:solidFill>
-                  <a:schemeClr val="tx1"/>
-                </a:solidFill>
-                <a:latin typeface="+mn-lt"/>
-                <a:ea typeface="+mn-ea"/>
-                <a:cs typeface="+mn-cs"/>
-              </a:defRPr>
-            </a:lvl3pPr>
-            <a:lvl4pPr marL="1600200" indent="-228600" algn="l" defTabSz="914400" rtl="0" eaLnBrk="1" latinLnBrk="0" hangingPunct="1">
-              <a:spcBef>
-                <a:spcPct val="20000"/>
-              </a:spcBef>
-              <a:buFont typeface="Arial" pitchFamily="34" charset="0"/>
-              <a:buChar char="–"/>
-              <a:defRPr sz="2000" kern="1200">
-                <a:solidFill>
-                  <a:schemeClr val="tx1"/>
-                </a:solidFill>
-                <a:latin typeface="+mn-lt"/>
-                <a:ea typeface="+mn-ea"/>
-                <a:cs typeface="+mn-cs"/>
-              </a:defRPr>
-            </a:lvl4pPr>
-            <a:lvl5pPr marL="2057400" indent="-228600" algn="l" defTabSz="914400" rtl="0" eaLnBrk="1" latinLnBrk="0" hangingPunct="1">
-              <a:spcBef>
-                <a:spcPct val="20000"/>
-              </a:spcBef>
-              <a:buFont typeface="Arial" pitchFamily="34" charset="0"/>
-              <a:buChar char="»"/>
-              <a:defRPr sz="2000" kern="1200">
-                <a:solidFill>
-                  <a:schemeClr val="tx1"/>
-                </a:solidFill>
-                <a:latin typeface="+mn-lt"/>
-                <a:ea typeface="+mn-ea"/>
-                <a:cs typeface="+mn-cs"/>
-              </a:defRPr>
-            </a:lvl5pPr>
-            <a:lvl6pPr marL="2514600" indent="-228600" algn="l" defTabSz="914400" rtl="0" eaLnBrk="1" latinLnBrk="0" hangingPunct="1">
-              <a:spcBef>
-                <a:spcPct val="20000"/>
-              </a:spcBef>
-              <a:buFont typeface="Arial" pitchFamily="34" charset="0"/>
-              <a:buChar char="•"/>
-              <a:defRPr sz="2000" kern="1200">
-                <a:solidFill>
-                  <a:schemeClr val="tx1"/>
-                </a:solidFill>
-                <a:latin typeface="+mn-lt"/>
-                <a:ea typeface="+mn-ea"/>
-                <a:cs typeface="+mn-cs"/>
-              </a:defRPr>
-            </a:lvl6pPr>
-            <a:lvl7pPr marL="2971800" indent="-228600" algn="l" defTabSz="914400" rtl="0" eaLnBrk="1" latinLnBrk="0" hangingPunct="1">
-              <a:spcBef>
-                <a:spcPct val="20000"/>
-              </a:spcBef>
-              <a:buFont typeface="Arial" pitchFamily="34" charset="0"/>
-              <a:buChar char="•"/>
-              <a:defRPr sz="2000" kern="1200">
-                <a:solidFill>
-                  <a:schemeClr val="tx1"/>
-                </a:solidFill>
-                <a:latin typeface="+mn-lt"/>
-                <a:ea typeface="+mn-ea"/>
-                <a:cs typeface="+mn-cs"/>
-              </a:defRPr>
-            </a:lvl7pPr>
-            <a:lvl8pPr marL="3429000" indent="-228600" algn="l" defTabSz="914400" rtl="0" eaLnBrk="1" latinLnBrk="0" hangingPunct="1">
-              <a:spcBef>
-                <a:spcPct val="20000"/>
-              </a:spcBef>
-              <a:buFont typeface="Arial" pitchFamily="34" charset="0"/>
-              <a:buChar char="•"/>
-              <a:defRPr sz="2000" kern="1200">
-                <a:solidFill>
-                  <a:schemeClr val="tx1"/>
-                </a:solidFill>
-                <a:latin typeface="+mn-lt"/>
-                <a:ea typeface="+mn-ea"/>
-                <a:cs typeface="+mn-cs"/>
-              </a:defRPr>
-            </a:lvl8pPr>
-            <a:lvl9pPr marL="3886200" indent="-228600" algn="l" defTabSz="914400" rtl="0" eaLnBrk="1" latinLnBrk="0" hangingPunct="1">
-              <a:spcBef>
-                <a:spcPct val="20000"/>
-              </a:spcBef>
-              <a:buFont typeface="Arial" pitchFamily="34" charset="0"/>
-              <a:buChar char="•"/>
-              <a:defRPr sz="2000" kern="1200">
-                <a:solidFill>
-                  <a:schemeClr val="tx1"/>
-                </a:solidFill>
-                <a:latin typeface="+mn-lt"/>
-                <a:ea typeface="+mn-ea"/>
-                <a:cs typeface="+mn-cs"/>
-              </a:defRPr>
-            </a:lvl9pPr>
-          </a:lstStyle>
-          <a:p>
-            <a:pPr algn="l"/>
-            <a:r>
-              <a:rPr lang="fr-FR" sz="2000" dirty="0" smtClean="0"/>
-              <a:t>Planning final</a:t>
+              <a:t>Diagramme de Gantt</a:t>
             </a:r>
             <a:endParaRPr lang="fr-FR" sz="2000" dirty="0"/>
           </a:p>
@@ -11273,13 +13009,37 @@
           <a:lstStyle/>
           <a:p>
             <a:r>
-              <a:rPr lang="fr-FR" dirty="0"/>
-              <a:t>5</a:t>
+              <a:rPr lang="fr-FR" dirty="0" smtClean="0"/>
+              <a:t>6</a:t>
             </a:r>
             <a:endParaRPr lang="fr-FR" dirty="0"/>
           </a:p>
         </p:txBody>
       </p:sp>
+      <p:pic>
+        <p:nvPicPr>
+          <p:cNvPr id="10" name="Image 9"/>
+          <p:cNvPicPr>
+            <a:picLocks noChangeAspect="1"/>
+          </p:cNvPicPr>
+          <p:nvPr/>
+        </p:nvPicPr>
+        <p:blipFill>
+          <a:blip r:embed="rId2"/>
+          <a:stretch>
+            <a:fillRect/>
+          </a:stretch>
+        </p:blipFill>
+        <p:spPr>
+          <a:xfrm>
+            <a:off x="258347" y="1916832"/>
+            <a:ext cx="8712968" cy="2808312"/>
+          </a:xfrm>
+          <a:prstGeom prst="rect">
+            <a:avLst/>
+          </a:prstGeom>
+        </p:spPr>
+      </p:pic>
     </p:spTree>
     <p:extLst>
       <p:ext uri="{BB962C8B-B14F-4D97-AF65-F5344CB8AC3E}">
@@ -11296,161 +13056,14 @@
   <p:timing>
     <p:tnLst>
       <p:par>
-        <p:cTn id="1" dur="indefinite" restart="never" nodeType="tmRoot">
-          <p:childTnLst>
-            <p:seq concurrent="1" nextAc="seek">
-              <p:cTn id="2" dur="indefinite" nodeType="mainSeq">
-                <p:childTnLst>
-                  <p:par>
-                    <p:cTn id="3" fill="hold">
-                      <p:stCondLst>
-                        <p:cond delay="indefinite"/>
-                      </p:stCondLst>
-                      <p:childTnLst>
-                        <p:par>
-                          <p:cTn id="4" fill="hold">
-                            <p:stCondLst>
-                              <p:cond delay="0"/>
-                            </p:stCondLst>
-                            <p:childTnLst>
-                              <p:par>
-                                <p:cTn id="5" presetID="16" presetClass="entr" presetSubtype="21" fill="hold" nodeType="clickEffect">
-                                  <p:stCondLst>
-                                    <p:cond delay="0"/>
-                                  </p:stCondLst>
-                                  <p:childTnLst>
-                                    <p:set>
-                                      <p:cBhvr>
-                                        <p:cTn id="6" dur="1" fill="hold">
-                                          <p:stCondLst>
-                                            <p:cond delay="0"/>
-                                          </p:stCondLst>
-                                        </p:cTn>
-                                        <p:tgtEl>
-                                          <p:spTgt spid="6"/>
-                                        </p:tgtEl>
-                                        <p:attrNameLst>
-                                          <p:attrName>style.visibility</p:attrName>
-                                        </p:attrNameLst>
-                                      </p:cBhvr>
-                                      <p:to>
-                                        <p:strVal val="visible"/>
-                                      </p:to>
-                                    </p:set>
-                                    <p:animEffect transition="in" filter="barn(inVertical)">
-                                      <p:cBhvr>
-                                        <p:cTn id="7" dur="500"/>
-                                        <p:tgtEl>
-                                          <p:spTgt spid="6"/>
-                                        </p:tgtEl>
-                                      </p:cBhvr>
-                                    </p:animEffect>
-                                  </p:childTnLst>
-                                </p:cTn>
-                              </p:par>
-                            </p:childTnLst>
-                          </p:cTn>
-                        </p:par>
-                        <p:par>
-                          <p:cTn id="8" fill="hold">
-                            <p:stCondLst>
-                              <p:cond delay="500"/>
-                            </p:stCondLst>
-                            <p:childTnLst>
-                              <p:par>
-                                <p:cTn id="9" presetID="1" presetClass="exit" presetSubtype="0" fill="hold" grpId="0" nodeType="afterEffect">
-                                  <p:stCondLst>
-                                    <p:cond delay="0"/>
-                                  </p:stCondLst>
-                                  <p:childTnLst>
-                                    <p:set>
-                                      <p:cBhvr>
-                                        <p:cTn id="10" dur="1" fill="hold">
-                                          <p:stCondLst>
-                                            <p:cond delay="0"/>
-                                          </p:stCondLst>
-                                        </p:cTn>
-                                        <p:tgtEl>
-                                          <p:spTgt spid="4">
-                                            <p:txEl>
-                                              <p:pRg st="0" end="0"/>
-                                            </p:txEl>
-                                          </p:spTgt>
-                                        </p:tgtEl>
-                                        <p:attrNameLst>
-                                          <p:attrName>style.visibility</p:attrName>
-                                        </p:attrNameLst>
-                                      </p:cBhvr>
-                                      <p:to>
-                                        <p:strVal val="hidden"/>
-                                      </p:to>
-                                    </p:set>
-                                  </p:childTnLst>
-                                </p:cTn>
-                              </p:par>
-                              <p:par>
-                                <p:cTn id="11" presetID="1" presetClass="entr" presetSubtype="0" fill="hold" grpId="0" nodeType="withEffect">
-                                  <p:stCondLst>
-                                    <p:cond delay="0"/>
-                                  </p:stCondLst>
-                                  <p:childTnLst>
-                                    <p:set>
-                                      <p:cBhvr>
-                                        <p:cTn id="12" dur="1" fill="hold">
-                                          <p:stCondLst>
-                                            <p:cond delay="0"/>
-                                          </p:stCondLst>
-                                        </p:cTn>
-                                        <p:tgtEl>
-                                          <p:spTgt spid="7"/>
-                                        </p:tgtEl>
-                                        <p:attrNameLst>
-                                          <p:attrName>style.visibility</p:attrName>
-                                        </p:attrNameLst>
-                                      </p:cBhvr>
-                                      <p:to>
-                                        <p:strVal val="visible"/>
-                                      </p:to>
-                                    </p:set>
-                                  </p:childTnLst>
-                                </p:cTn>
-                              </p:par>
-                            </p:childTnLst>
-                          </p:cTn>
-                        </p:par>
-                      </p:childTnLst>
-                    </p:cTn>
-                  </p:par>
-                </p:childTnLst>
-              </p:cTn>
-              <p:prevCondLst>
-                <p:cond evt="onPrev" delay="0">
-                  <p:tgtEl>
-                    <p:sldTgt/>
-                  </p:tgtEl>
-                </p:cond>
-              </p:prevCondLst>
-              <p:nextCondLst>
-                <p:cond evt="onNext" delay="0">
-                  <p:tgtEl>
-                    <p:sldTgt/>
-                  </p:tgtEl>
-                </p:cond>
-              </p:nextCondLst>
-            </p:seq>
-          </p:childTnLst>
-        </p:cTn>
+        <p:cTn id="1" dur="indefinite" restart="never" nodeType="tmRoot"/>
       </p:par>
     </p:tnLst>
-    <p:bldLst>
-      <p:bldP spid="4" grpId="0" build="p"/>
-      <p:bldP spid="7" grpId="0"/>
-    </p:bldLst>
   </p:timing>
 </p:sld>
 </file>
 
-<file path=ppt/slides/slide7.xml><?xml version="1.0" encoding="utf-8"?>
+<file path=ppt/slides/slide8.xml><?xml version="1.0" encoding="utf-8"?>
 <p:sld xmlns:a="http://schemas.openxmlformats.org/drawingml/2006/main" xmlns:r="http://schemas.openxmlformats.org/officeDocument/2006/relationships" xmlns:p="http://schemas.openxmlformats.org/presentationml/2006/main">
   <p:cSld>
     <p:spTree>
@@ -11544,8 +13157,8 @@
           <a:lstStyle/>
           <a:p>
             <a:r>
-              <a:rPr lang="fr-FR" dirty="0"/>
-              <a:t>6</a:t>
+              <a:rPr lang="fr-FR" dirty="0" smtClean="0"/>
+              <a:t>7</a:t>
             </a:r>
             <a:endParaRPr lang="fr-FR" dirty="0"/>
           </a:p>
@@ -11574,7 +13187,7 @@
 </p:sld>
 </file>
 
-<file path=ppt/slides/slide8.xml><?xml version="1.0" encoding="utf-8"?>
+<file path=ppt/slides/slide9.xml><?xml version="1.0" encoding="utf-8"?>
 <p:sld xmlns:a="http://schemas.openxmlformats.org/drawingml/2006/main" xmlns:r="http://schemas.openxmlformats.org/officeDocument/2006/relationships" xmlns:p="http://schemas.openxmlformats.org/presentationml/2006/main">
   <p:cSld>
     <p:spTree>
@@ -11668,14 +13281,14 @@
           <p:nvPr>
             <p:extLst>
               <p:ext uri="{D42A27DB-BD31-4B8C-83A1-F6EECF244321}">
-                <p14:modId xmlns:p14="http://schemas.microsoft.com/office/powerpoint/2010/main" val="3923794241"/>
+                <p14:modId xmlns:p14="http://schemas.microsoft.com/office/powerpoint/2010/main" val="2644512414"/>
               </p:ext>
             </p:extLst>
           </p:nvPr>
         </p:nvGraphicFramePr>
         <p:xfrm>
           <a:off x="611560" y="1628801"/>
-          <a:ext cx="7903790" cy="4366068"/>
+          <a:ext cx="7903790" cy="4129792"/>
         </p:xfrm>
         <a:graphic>
           <a:graphicData uri="http://schemas.openxmlformats.org/drawingml/2006/table">
@@ -12314,77 +13927,12 @@
                         </a:spcAft>
                       </a:pPr>
                       <a:r>
-                        <a:rPr lang="fr-FR" sz="1200">
-                          <a:effectLst/>
-                        </a:rPr>
-                        <a:t>Ondulation sur le signal et stabilité</a:t>
-                      </a:r>
-                      <a:endParaRPr lang="fr-FR" sz="1200">
-                        <a:effectLst/>
-                        <a:latin typeface="Calibri" panose="020F0502020204030204" pitchFamily="34" charset="0"/>
-                        <a:ea typeface="Times New Roman" panose="02020603050405020304" pitchFamily="18" charset="0"/>
-                        <a:cs typeface="Times New Roman" panose="02020603050405020304" pitchFamily="18" charset="0"/>
-                      </a:endParaRPr>
-                    </a:p>
-                  </a:txBody>
-                  <a:tcPr marL="0" marR="0" marT="0" marB="0" anchor="ctr"/>
-                </a:tc>
-                <a:tc>
-                  <a:txBody>
-                    <a:bodyPr/>
-                    <a:lstStyle/>
-                    <a:p>
-                      <a:pPr algn="l">
-                        <a:lnSpc>
-                          <a:spcPts val="1800"/>
-                        </a:lnSpc>
-                        <a:spcAft>
-                          <a:spcPts val="300"/>
-                        </a:spcAft>
-                      </a:pPr>
-                      <a:r>
-                        <a:rPr lang="fr-FR" sz="1200">
-                          <a:effectLst/>
-                        </a:rPr>
-                        <a:t>   Inférieur à 100mV</a:t>
-                      </a:r>
-                      <a:endParaRPr lang="fr-FR" sz="1200">
-                        <a:effectLst/>
-                        <a:latin typeface="Calibri" panose="020F0502020204030204" pitchFamily="34" charset="0"/>
-                        <a:ea typeface="Times New Roman" panose="02020603050405020304" pitchFamily="18" charset="0"/>
-                        <a:cs typeface="Times New Roman" panose="02020603050405020304" pitchFamily="18" charset="0"/>
-                      </a:endParaRPr>
-                    </a:p>
-                  </a:txBody>
-                  <a:tcPr marL="0" marR="0" marT="0" marB="0" anchor="ctr"/>
-                </a:tc>
-                <a:extLst>
-                  <a:ext uri="{0D108BD9-81ED-4DB2-BD59-A6C34878D82A}">
-                    <a16:rowId xmlns:a16="http://schemas.microsoft.com/office/drawing/2014/main" val="1876908056"/>
-                  </a:ext>
-                </a:extLst>
-              </a:tr>
-              <a:tr h="236276">
-                <a:tc>
-                  <a:txBody>
-                    <a:bodyPr/>
-                    <a:lstStyle/>
-                    <a:p>
-                      <a:pPr algn="l">
-                        <a:lnSpc>
-                          <a:spcPts val="1800"/>
-                        </a:lnSpc>
-                        <a:spcAft>
-                          <a:spcPts val="300"/>
-                        </a:spcAft>
-                      </a:pPr>
-                      <a:r>
-                        <a:rPr lang="fr-FR" sz="1200">
+                        <a:rPr lang="fr-FR" sz="1200" dirty="0">
                           <a:effectLst/>
                         </a:rPr>
                         <a:t>THD du sinus de sortie</a:t>
                       </a:r>
-                      <a:endParaRPr lang="fr-FR" sz="1200">
+                      <a:endParaRPr lang="fr-FR" sz="1200" dirty="0">
                         <a:effectLst/>
                         <a:latin typeface="Calibri" panose="020F0502020204030204" pitchFamily="34" charset="0"/>
                         <a:ea typeface="Times New Roman" panose="02020603050405020304" pitchFamily="18" charset="0"/>
@@ -12521,8 +14069,8 @@
           <a:lstStyle/>
           <a:p>
             <a:r>
-              <a:rPr lang="fr-FR" dirty="0"/>
-              <a:t>7</a:t>
+              <a:rPr lang="fr-FR" dirty="0" smtClean="0"/>
+              <a:t>8</a:t>
             </a:r>
             <a:endParaRPr lang="fr-FR" dirty="0"/>
           </a:p>
@@ -12545,1143 +14093,6 @@
     <p:tnLst>
       <p:par>
         <p:cTn id="1" dur="indefinite" restart="never" nodeType="tmRoot"/>
-      </p:par>
-    </p:tnLst>
-  </p:timing>
-</p:sld>
-</file>
-
-<file path=ppt/slides/slide9.xml><?xml version="1.0" encoding="utf-8"?>
-<p:sld xmlns:a="http://schemas.openxmlformats.org/drawingml/2006/main" xmlns:r="http://schemas.openxmlformats.org/officeDocument/2006/relationships" xmlns:p="http://schemas.openxmlformats.org/presentationml/2006/main">
-  <p:cSld>
-    <p:spTree>
-      <p:nvGrpSpPr>
-        <p:cNvPr id="1" name=""/>
-        <p:cNvGrpSpPr/>
-        <p:nvPr/>
-      </p:nvGrpSpPr>
-      <p:grpSpPr>
-        <a:xfrm>
-          <a:off x="0" y="0"/>
-          <a:ext cx="0" cy="0"/>
-          <a:chOff x="0" y="0"/>
-          <a:chExt cx="0" cy="0"/>
-        </a:xfrm>
-      </p:grpSpPr>
-      <p:sp>
-        <p:nvSpPr>
-          <p:cNvPr id="3" name="Titre 2"/>
-          <p:cNvSpPr>
-            <a:spLocks noGrp="1"/>
-          </p:cNvSpPr>
-          <p:nvPr>
-            <p:ph type="title"/>
-          </p:nvPr>
-        </p:nvSpPr>
-        <p:spPr/>
-        <p:txBody>
-          <a:bodyPr/>
-          <a:lstStyle/>
-          <a:p>
-            <a:r>
-              <a:rPr lang="fr-FR" dirty="0">
-                <a:solidFill>
-                  <a:schemeClr val="tx1"/>
-                </a:solidFill>
-              </a:rPr>
-              <a:t>3 - </a:t>
-            </a:r>
-            <a:r>
-              <a:rPr lang="fr-FR" dirty="0" smtClean="0">
-                <a:solidFill>
-                  <a:schemeClr val="tx1"/>
-                </a:solidFill>
-              </a:rPr>
-              <a:t>Conception</a:t>
-            </a:r>
-            <a:endParaRPr lang="fr-FR" dirty="0">
-              <a:solidFill>
-                <a:schemeClr val="tx1"/>
-              </a:solidFill>
-            </a:endParaRPr>
-          </a:p>
-        </p:txBody>
-      </p:sp>
-      <p:sp>
-        <p:nvSpPr>
-          <p:cNvPr id="4" name="Espace réservé du texte 3"/>
-          <p:cNvSpPr>
-            <a:spLocks noGrp="1"/>
-          </p:cNvSpPr>
-          <p:nvPr>
-            <p:ph type="body" sz="quarter" idx="13"/>
-          </p:nvPr>
-        </p:nvSpPr>
-        <p:spPr>
-          <a:xfrm>
-            <a:off x="1763688" y="204735"/>
-            <a:ext cx="4608512" cy="423109"/>
-          </a:xfrm>
-        </p:spPr>
-        <p:txBody>
-          <a:bodyPr/>
-          <a:lstStyle/>
-          <a:p>
-            <a:pPr algn="l"/>
-            <a:r>
-              <a:rPr lang="fr-FR" sz="2000" dirty="0" smtClean="0"/>
-              <a:t>Choix de l’architecture</a:t>
-            </a:r>
-            <a:endParaRPr lang="fr-FR" sz="2000" dirty="0"/>
-          </a:p>
-        </p:txBody>
-      </p:sp>
-      <p:graphicFrame>
-        <p:nvGraphicFramePr>
-          <p:cNvPr id="13" name="Tableau 12"/>
-          <p:cNvGraphicFramePr>
-            <a:graphicFrameLocks noGrp="1"/>
-          </p:cNvGraphicFramePr>
-          <p:nvPr>
-            <p:extLst>
-              <p:ext uri="{D42A27DB-BD31-4B8C-83A1-F6EECF244321}">
-                <p14:modId xmlns:p14="http://schemas.microsoft.com/office/powerpoint/2010/main" val="2739898861"/>
-              </p:ext>
-            </p:extLst>
-          </p:nvPr>
-        </p:nvGraphicFramePr>
-        <p:xfrm>
-          <a:off x="1907704" y="1268760"/>
-          <a:ext cx="5281504" cy="4495354"/>
-        </p:xfrm>
-        <a:graphic>
-          <a:graphicData uri="http://schemas.openxmlformats.org/drawingml/2006/table">
-            <a:tbl>
-              <a:tblPr firstRow="1" firstCol="1" bandRow="1">
-                <a:tableStyleId>{073A0DAA-6AF3-43AB-8588-CEC1D06C72B9}</a:tableStyleId>
-              </a:tblPr>
-              <a:tblGrid>
-                <a:gridCol w="1158485">
-                  <a:extLst>
-                    <a:ext uri="{9D8B030D-6E8A-4147-A177-3AD203B41FA5}">
-                      <a16:colId xmlns:a16="http://schemas.microsoft.com/office/drawing/2014/main" val="1289205732"/>
-                    </a:ext>
-                  </a:extLst>
-                </a:gridCol>
-                <a:gridCol w="1446951">
-                  <a:extLst>
-                    <a:ext uri="{9D8B030D-6E8A-4147-A177-3AD203B41FA5}">
-                      <a16:colId xmlns:a16="http://schemas.microsoft.com/office/drawing/2014/main" val="2964269228"/>
-                    </a:ext>
-                  </a:extLst>
-                </a:gridCol>
-                <a:gridCol w="1338034">
-                  <a:extLst>
-                    <a:ext uri="{9D8B030D-6E8A-4147-A177-3AD203B41FA5}">
-                      <a16:colId xmlns:a16="http://schemas.microsoft.com/office/drawing/2014/main" val="4041495667"/>
-                    </a:ext>
-                  </a:extLst>
-                </a:gridCol>
-                <a:gridCol w="1338034">
-                  <a:extLst>
-                    <a:ext uri="{9D8B030D-6E8A-4147-A177-3AD203B41FA5}">
-                      <a16:colId xmlns:a16="http://schemas.microsoft.com/office/drawing/2014/main" val="3790033679"/>
-                    </a:ext>
-                  </a:extLst>
-                </a:gridCol>
-              </a:tblGrid>
-              <a:tr h="706385">
-                <a:tc>
-                  <a:txBody>
-                    <a:bodyPr/>
-                    <a:lstStyle/>
-                    <a:p>
-                      <a:pPr algn="l">
-                        <a:lnSpc>
-                          <a:spcPct val="115000"/>
-                        </a:lnSpc>
-                      </a:pPr>
-                      <a:endParaRPr lang="fr-FR" sz="1100" dirty="0">
-                        <a:effectLst/>
-                        <a:latin typeface="Calibri" panose="020F0502020204030204" pitchFamily="34" charset="0"/>
-                        <a:cs typeface="Times New Roman" panose="02020603050405020304" pitchFamily="18" charset="0"/>
-                      </a:endParaRPr>
-                    </a:p>
-                  </a:txBody>
-                  <a:tcPr marL="0" marR="0" marT="0" marB="0"/>
-                </a:tc>
-                <a:tc>
-                  <a:txBody>
-                    <a:bodyPr/>
-                    <a:lstStyle/>
-                    <a:p>
-                      <a:pPr algn="ctr" fontAlgn="base">
-                        <a:lnSpc>
-                          <a:spcPts val="1800"/>
-                        </a:lnSpc>
-                        <a:spcAft>
-                          <a:spcPts val="0"/>
-                        </a:spcAft>
-                      </a:pPr>
-                      <a:r>
-                        <a:rPr lang="fr-FR" sz="1400" dirty="0">
-                          <a:effectLst/>
-                        </a:rPr>
-                        <a:t>Composant COTS avec entrée analogique</a:t>
-                      </a:r>
-                      <a:endParaRPr lang="fr-FR" sz="1200" dirty="0">
-                        <a:effectLst/>
-                        <a:latin typeface="Calibri" panose="020F0502020204030204" pitchFamily="34" charset="0"/>
-                        <a:ea typeface="Times New Roman" panose="02020603050405020304" pitchFamily="18" charset="0"/>
-                        <a:cs typeface="Times New Roman" panose="02020603050405020304" pitchFamily="18" charset="0"/>
-                      </a:endParaRPr>
-                    </a:p>
-                  </a:txBody>
-                  <a:tcPr marL="0" marR="0" marT="0" marB="0" anchor="ctr"/>
-                </a:tc>
-                <a:tc>
-                  <a:txBody>
-                    <a:bodyPr/>
-                    <a:lstStyle/>
-                    <a:p>
-                      <a:pPr algn="ctr" fontAlgn="base">
-                        <a:lnSpc>
-                          <a:spcPts val="1800"/>
-                        </a:lnSpc>
-                        <a:spcAft>
-                          <a:spcPts val="0"/>
-                        </a:spcAft>
-                      </a:pPr>
-                      <a:r>
-                        <a:rPr lang="fr-FR" sz="1400" dirty="0">
-                          <a:effectLst/>
-                        </a:rPr>
-                        <a:t>Composant COTS avec entrée PWM</a:t>
-                      </a:r>
-                      <a:endParaRPr lang="fr-FR" sz="1200" dirty="0">
-                        <a:effectLst/>
-                        <a:latin typeface="Calibri" panose="020F0502020204030204" pitchFamily="34" charset="0"/>
-                        <a:ea typeface="Times New Roman" panose="02020603050405020304" pitchFamily="18" charset="0"/>
-                        <a:cs typeface="Times New Roman" panose="02020603050405020304" pitchFamily="18" charset="0"/>
-                      </a:endParaRPr>
-                    </a:p>
-                  </a:txBody>
-                  <a:tcPr marL="0" marR="0" marT="0" marB="0" anchor="ctr"/>
-                </a:tc>
-                <a:tc>
-                  <a:txBody>
-                    <a:bodyPr/>
-                    <a:lstStyle/>
-                    <a:p>
-                      <a:pPr algn="ctr" fontAlgn="base">
-                        <a:lnSpc>
-                          <a:spcPts val="1800"/>
-                        </a:lnSpc>
-                        <a:spcAft>
-                          <a:spcPts val="0"/>
-                        </a:spcAft>
-                      </a:pPr>
-                      <a:r>
-                        <a:rPr lang="fr-FR" sz="1400" dirty="0">
-                          <a:effectLst/>
-                        </a:rPr>
-                        <a:t>MOSFET driver + étage d’amplification </a:t>
-                      </a:r>
-                      <a:endParaRPr lang="fr-FR" sz="1200" dirty="0">
-                        <a:effectLst/>
-                        <a:latin typeface="Calibri" panose="020F0502020204030204" pitchFamily="34" charset="0"/>
-                        <a:ea typeface="Times New Roman" panose="02020603050405020304" pitchFamily="18" charset="0"/>
-                        <a:cs typeface="Times New Roman" panose="02020603050405020304" pitchFamily="18" charset="0"/>
-                      </a:endParaRPr>
-                    </a:p>
-                  </a:txBody>
-                  <a:tcPr marL="0" marR="0" marT="0" marB="0" anchor="ctr"/>
-                </a:tc>
-                <a:extLst>
-                  <a:ext uri="{0D108BD9-81ED-4DB2-BD59-A6C34878D82A}">
-                    <a16:rowId xmlns:a16="http://schemas.microsoft.com/office/drawing/2014/main" val="129942126"/>
-                  </a:ext>
-                </a:extLst>
-              </a:tr>
-              <a:tr h="727969">
-                <a:tc>
-                  <a:txBody>
-                    <a:bodyPr/>
-                    <a:lstStyle/>
-                    <a:p>
-                      <a:pPr algn="ctr" fontAlgn="base">
-                        <a:lnSpc>
-                          <a:spcPts val="1800"/>
-                        </a:lnSpc>
-                        <a:spcAft>
-                          <a:spcPts val="0"/>
-                        </a:spcAft>
-                      </a:pPr>
-                      <a:r>
-                        <a:rPr lang="fr-FR" sz="1400" dirty="0">
-                          <a:effectLst/>
-                        </a:rPr>
-                        <a:t>Consommation</a:t>
-                      </a:r>
-                      <a:endParaRPr lang="fr-FR" sz="1200" dirty="0">
-                        <a:effectLst/>
-                        <a:latin typeface="Calibri" panose="020F0502020204030204" pitchFamily="34" charset="0"/>
-                        <a:ea typeface="Times New Roman" panose="02020603050405020304" pitchFamily="18" charset="0"/>
-                        <a:cs typeface="Times New Roman" panose="02020603050405020304" pitchFamily="18" charset="0"/>
-                      </a:endParaRPr>
-                    </a:p>
-                  </a:txBody>
-                  <a:tcPr marL="0" marR="0" marT="0" marB="0" anchor="ctr"/>
-                </a:tc>
-                <a:tc>
-                  <a:txBody>
-                    <a:bodyPr/>
-                    <a:lstStyle/>
-                    <a:p>
-                      <a:pPr algn="ctr" fontAlgn="base">
-                        <a:lnSpc>
-                          <a:spcPts val="1800"/>
-                        </a:lnSpc>
-                        <a:spcAft>
-                          <a:spcPts val="0"/>
-                        </a:spcAft>
-                      </a:pPr>
-                      <a:r>
-                        <a:rPr lang="fr-FR" sz="1200" dirty="0">
-                          <a:effectLst/>
-                        </a:rPr>
-                        <a:t>35mA + courant tiré par la charge</a:t>
-                      </a:r>
-                      <a:endParaRPr lang="fr-FR" sz="1200" dirty="0">
-                        <a:effectLst/>
-                        <a:latin typeface="Calibri" panose="020F0502020204030204" pitchFamily="34" charset="0"/>
-                        <a:ea typeface="Times New Roman" panose="02020603050405020304" pitchFamily="18" charset="0"/>
-                        <a:cs typeface="Times New Roman" panose="02020603050405020304" pitchFamily="18" charset="0"/>
-                      </a:endParaRPr>
-                    </a:p>
-                  </a:txBody>
-                  <a:tcPr marL="0" marR="0" marT="0" marB="0" anchor="ctr">
-                    <a:solidFill>
-                      <a:srgbClr val="FFC000"/>
-                    </a:solidFill>
-                  </a:tcPr>
-                </a:tc>
-                <a:tc>
-                  <a:txBody>
-                    <a:bodyPr/>
-                    <a:lstStyle/>
-                    <a:p>
-                      <a:pPr algn="ctr" fontAlgn="base">
-                        <a:lnSpc>
-                          <a:spcPts val="1800"/>
-                        </a:lnSpc>
-                        <a:spcAft>
-                          <a:spcPts val="0"/>
-                        </a:spcAft>
-                      </a:pPr>
-                      <a:r>
-                        <a:rPr lang="fr-FR" sz="1200" dirty="0">
-                          <a:effectLst/>
-                        </a:rPr>
-                        <a:t>7.3mA + courant tiré par la charge</a:t>
-                      </a:r>
-                      <a:endParaRPr lang="fr-FR" sz="1200" dirty="0">
-                        <a:effectLst/>
-                        <a:latin typeface="Calibri" panose="020F0502020204030204" pitchFamily="34" charset="0"/>
-                        <a:ea typeface="Times New Roman" panose="02020603050405020304" pitchFamily="18" charset="0"/>
-                        <a:cs typeface="Times New Roman" panose="02020603050405020304" pitchFamily="18" charset="0"/>
-                      </a:endParaRPr>
-                    </a:p>
-                  </a:txBody>
-                  <a:tcPr marL="0" marR="0" marT="0" marB="0" anchor="ctr">
-                    <a:solidFill>
-                      <a:srgbClr val="FFFF00"/>
-                    </a:solidFill>
-                  </a:tcPr>
-                </a:tc>
-                <a:tc>
-                  <a:txBody>
-                    <a:bodyPr/>
-                    <a:lstStyle/>
-                    <a:p>
-                      <a:pPr algn="ctr" fontAlgn="base">
-                        <a:lnSpc>
-                          <a:spcPts val="1800"/>
-                        </a:lnSpc>
-                        <a:spcAft>
-                          <a:spcPts val="0"/>
-                        </a:spcAft>
-                      </a:pPr>
-                      <a:r>
-                        <a:rPr lang="fr-FR" sz="1200" dirty="0">
-                          <a:effectLst/>
-                        </a:rPr>
-                        <a:t>Moins de 1mA + courant tiré par la charge</a:t>
-                      </a:r>
-                      <a:endParaRPr lang="fr-FR" sz="1200" dirty="0">
-                        <a:effectLst/>
-                        <a:latin typeface="Calibri" panose="020F0502020204030204" pitchFamily="34" charset="0"/>
-                        <a:ea typeface="Times New Roman" panose="02020603050405020304" pitchFamily="18" charset="0"/>
-                        <a:cs typeface="Times New Roman" panose="02020603050405020304" pitchFamily="18" charset="0"/>
-                      </a:endParaRPr>
-                    </a:p>
-                  </a:txBody>
-                  <a:tcPr marL="0" marR="0" marT="0" marB="0" anchor="ctr">
-                    <a:solidFill>
-                      <a:srgbClr val="92D050"/>
-                    </a:solidFill>
-                  </a:tcPr>
-                </a:tc>
-                <a:extLst>
-                  <a:ext uri="{0D108BD9-81ED-4DB2-BD59-A6C34878D82A}">
-                    <a16:rowId xmlns:a16="http://schemas.microsoft.com/office/drawing/2014/main" val="3175399155"/>
-                  </a:ext>
-                </a:extLst>
-              </a:tr>
-              <a:tr h="1648231">
-                <a:tc>
-                  <a:txBody>
-                    <a:bodyPr/>
-                    <a:lstStyle/>
-                    <a:p>
-                      <a:pPr algn="ctr" fontAlgn="base">
-                        <a:lnSpc>
-                          <a:spcPts val="1800"/>
-                        </a:lnSpc>
-                        <a:spcAft>
-                          <a:spcPts val="0"/>
-                        </a:spcAft>
-                      </a:pPr>
-                      <a:r>
-                        <a:rPr lang="fr-FR" sz="1400" dirty="0">
-                          <a:effectLst/>
-                        </a:rPr>
-                        <a:t>Surface</a:t>
-                      </a:r>
-                      <a:endParaRPr lang="fr-FR" sz="1200" dirty="0">
-                        <a:effectLst/>
-                        <a:latin typeface="Calibri" panose="020F0502020204030204" pitchFamily="34" charset="0"/>
-                        <a:ea typeface="Times New Roman" panose="02020603050405020304" pitchFamily="18" charset="0"/>
-                        <a:cs typeface="Times New Roman" panose="02020603050405020304" pitchFamily="18" charset="0"/>
-                      </a:endParaRPr>
-                    </a:p>
-                  </a:txBody>
-                  <a:tcPr marL="0" marR="0" marT="0" marB="0" anchor="ctr"/>
-                </a:tc>
-                <a:tc>
-                  <a:txBody>
-                    <a:bodyPr/>
-                    <a:lstStyle/>
-                    <a:p>
-                      <a:pPr algn="ctr" fontAlgn="base">
-                        <a:lnSpc>
-                          <a:spcPts val="1800"/>
-                        </a:lnSpc>
-                        <a:spcAft>
-                          <a:spcPts val="0"/>
-                        </a:spcAft>
-                      </a:pPr>
-                      <a:r>
-                        <a:rPr lang="fr-FR" sz="1200" dirty="0">
-                          <a:effectLst/>
-                        </a:rPr>
-                        <a:t> </a:t>
-                      </a:r>
-                    </a:p>
-                    <a:p>
-                      <a:pPr algn="ctr" fontAlgn="base">
-                        <a:lnSpc>
-                          <a:spcPts val="1800"/>
-                        </a:lnSpc>
-                        <a:spcAft>
-                          <a:spcPts val="0"/>
-                        </a:spcAft>
-                      </a:pPr>
-                      <a:r>
-                        <a:rPr lang="fr-FR" sz="1200" dirty="0">
-                          <a:effectLst/>
-                        </a:rPr>
-                        <a:t>Sans le filtre, entre 50 et 70mm2</a:t>
-                      </a:r>
-                      <a:endParaRPr lang="fr-FR" sz="1200" dirty="0">
-                        <a:effectLst/>
-                        <a:latin typeface="Calibri" panose="020F0502020204030204" pitchFamily="34" charset="0"/>
-                        <a:ea typeface="Times New Roman" panose="02020603050405020304" pitchFamily="18" charset="0"/>
-                        <a:cs typeface="Times New Roman" panose="02020603050405020304" pitchFamily="18" charset="0"/>
-                      </a:endParaRPr>
-                    </a:p>
-                  </a:txBody>
-                  <a:tcPr marL="0" marR="0" marT="0" marB="0" anchor="ctr">
-                    <a:solidFill>
-                      <a:srgbClr val="92D050"/>
-                    </a:solidFill>
-                  </a:tcPr>
-                </a:tc>
-                <a:tc>
-                  <a:txBody>
-                    <a:bodyPr/>
-                    <a:lstStyle/>
-                    <a:p>
-                      <a:pPr algn="ctr" fontAlgn="base">
-                        <a:lnSpc>
-                          <a:spcPts val="1800"/>
-                        </a:lnSpc>
-                        <a:spcAft>
-                          <a:spcPts val="0"/>
-                        </a:spcAft>
-                      </a:pPr>
-                      <a:r>
-                        <a:rPr lang="fr-FR" sz="1200" dirty="0">
-                          <a:effectLst/>
-                        </a:rPr>
-                        <a:t>Sans le filtre, entre 60 et 90mm2</a:t>
-                      </a:r>
-                      <a:endParaRPr lang="fr-FR" sz="1200" dirty="0">
-                        <a:effectLst/>
-                        <a:latin typeface="Calibri" panose="020F0502020204030204" pitchFamily="34" charset="0"/>
-                        <a:ea typeface="Times New Roman" panose="02020603050405020304" pitchFamily="18" charset="0"/>
-                        <a:cs typeface="Times New Roman" panose="02020603050405020304" pitchFamily="18" charset="0"/>
-                      </a:endParaRPr>
-                    </a:p>
-                  </a:txBody>
-                  <a:tcPr marL="0" marR="0" marT="0" marB="0" anchor="ctr">
-                    <a:solidFill>
-                      <a:srgbClr val="FFFF00"/>
-                    </a:solidFill>
-                  </a:tcPr>
-                </a:tc>
-                <a:tc>
-                  <a:txBody>
-                    <a:bodyPr/>
-                    <a:lstStyle/>
-                    <a:p>
-                      <a:pPr algn="ctr" fontAlgn="base">
-                        <a:lnSpc>
-                          <a:spcPts val="1800"/>
-                        </a:lnSpc>
-                        <a:spcAft>
-                          <a:spcPts val="0"/>
-                        </a:spcAft>
-                      </a:pPr>
-                      <a:r>
-                        <a:rPr lang="fr-FR" sz="1200" dirty="0">
-                          <a:effectLst/>
-                        </a:rPr>
-                        <a:t>4 double NMOS: 4*4.2=17.2mm2</a:t>
-                      </a:r>
-                    </a:p>
-                    <a:p>
-                      <a:pPr algn="ctr" fontAlgn="base">
-                        <a:lnSpc>
-                          <a:spcPts val="1800"/>
-                        </a:lnSpc>
-                        <a:spcAft>
-                          <a:spcPts val="0"/>
-                        </a:spcAft>
-                      </a:pPr>
-                      <a:r>
-                        <a:rPr lang="fr-FR" sz="1200" dirty="0">
-                          <a:effectLst/>
-                        </a:rPr>
-                        <a:t> </a:t>
-                      </a:r>
-                    </a:p>
-                    <a:p>
-                      <a:pPr algn="ctr" fontAlgn="base">
-                        <a:lnSpc>
-                          <a:spcPts val="1800"/>
-                        </a:lnSpc>
-                        <a:spcAft>
-                          <a:spcPts val="0"/>
-                        </a:spcAft>
-                      </a:pPr>
-                      <a:r>
-                        <a:rPr lang="fr-FR" sz="1200" dirty="0">
-                          <a:effectLst/>
-                        </a:rPr>
-                        <a:t>4 </a:t>
-                      </a:r>
-                      <a:r>
-                        <a:rPr lang="fr-FR" sz="1200" dirty="0" err="1">
-                          <a:effectLst/>
-                        </a:rPr>
-                        <a:t>gate</a:t>
-                      </a:r>
-                      <a:r>
-                        <a:rPr lang="fr-FR" sz="1200" dirty="0">
-                          <a:effectLst/>
-                        </a:rPr>
-                        <a:t> drivers:</a:t>
-                      </a:r>
-                    </a:p>
-                    <a:p>
-                      <a:pPr algn="ctr" fontAlgn="base">
-                        <a:lnSpc>
-                          <a:spcPts val="1800"/>
-                        </a:lnSpc>
-                        <a:spcAft>
-                          <a:spcPts val="0"/>
-                        </a:spcAft>
-                      </a:pPr>
-                      <a:r>
-                        <a:rPr lang="fr-FR" sz="1200" dirty="0">
-                          <a:effectLst/>
-                        </a:rPr>
-                        <a:t>4*9=36mm2</a:t>
-                      </a:r>
-                    </a:p>
-                    <a:p>
-                      <a:pPr algn="ctr" fontAlgn="base">
-                        <a:lnSpc>
-                          <a:spcPts val="1800"/>
-                        </a:lnSpc>
-                        <a:spcAft>
-                          <a:spcPts val="0"/>
-                        </a:spcAft>
-                      </a:pPr>
-                      <a:r>
-                        <a:rPr lang="fr-FR" sz="1200" dirty="0">
-                          <a:effectLst/>
-                        </a:rPr>
-                        <a:t> </a:t>
-                      </a:r>
-                    </a:p>
-                    <a:p>
-                      <a:pPr algn="ctr" fontAlgn="base">
-                        <a:lnSpc>
-                          <a:spcPts val="1800"/>
-                        </a:lnSpc>
-                        <a:spcAft>
-                          <a:spcPts val="0"/>
-                        </a:spcAft>
-                      </a:pPr>
-                      <a:r>
-                        <a:rPr lang="fr-FR" sz="1200" dirty="0">
-                          <a:effectLst/>
-                        </a:rPr>
-                        <a:t>Total: 53.2mm2</a:t>
-                      </a:r>
-                      <a:endParaRPr lang="fr-FR" sz="1200" dirty="0">
-                        <a:effectLst/>
-                        <a:latin typeface="Calibri" panose="020F0502020204030204" pitchFamily="34" charset="0"/>
-                        <a:ea typeface="Times New Roman" panose="02020603050405020304" pitchFamily="18" charset="0"/>
-                        <a:cs typeface="Times New Roman" panose="02020603050405020304" pitchFamily="18" charset="0"/>
-                      </a:endParaRPr>
-                    </a:p>
-                  </a:txBody>
-                  <a:tcPr marL="0" marR="0" marT="0" marB="0" anchor="ctr">
-                    <a:solidFill>
-                      <a:srgbClr val="92D050"/>
-                    </a:solidFill>
-                  </a:tcPr>
-                </a:tc>
-                <a:extLst>
-                  <a:ext uri="{0D108BD9-81ED-4DB2-BD59-A6C34878D82A}">
-                    <a16:rowId xmlns:a16="http://schemas.microsoft.com/office/drawing/2014/main" val="2287675172"/>
-                  </a:ext>
-                </a:extLst>
-              </a:tr>
-              <a:tr h="1177308">
-                <a:tc>
-                  <a:txBody>
-                    <a:bodyPr/>
-                    <a:lstStyle/>
-                    <a:p>
-                      <a:pPr algn="ctr" fontAlgn="base">
-                        <a:lnSpc>
-                          <a:spcPts val="1800"/>
-                        </a:lnSpc>
-                        <a:spcAft>
-                          <a:spcPts val="0"/>
-                        </a:spcAft>
-                      </a:pPr>
-                      <a:r>
-                        <a:rPr lang="fr-FR" sz="1400" dirty="0">
-                          <a:effectLst/>
-                        </a:rPr>
-                        <a:t>Prix (pour 500 unités)</a:t>
-                      </a:r>
-                      <a:endParaRPr lang="fr-FR" sz="1200" dirty="0">
-                        <a:effectLst/>
-                        <a:latin typeface="Calibri" panose="020F0502020204030204" pitchFamily="34" charset="0"/>
-                        <a:ea typeface="Times New Roman" panose="02020603050405020304" pitchFamily="18" charset="0"/>
-                        <a:cs typeface="Times New Roman" panose="02020603050405020304" pitchFamily="18" charset="0"/>
-                      </a:endParaRPr>
-                    </a:p>
-                  </a:txBody>
-                  <a:tcPr marL="0" marR="0" marT="0" marB="0" anchor="ctr"/>
-                </a:tc>
-                <a:tc>
-                  <a:txBody>
-                    <a:bodyPr/>
-                    <a:lstStyle/>
-                    <a:p>
-                      <a:pPr algn="ctr" fontAlgn="base">
-                        <a:lnSpc>
-                          <a:spcPts val="1800"/>
-                        </a:lnSpc>
-                        <a:spcAft>
-                          <a:spcPts val="0"/>
-                        </a:spcAft>
-                      </a:pPr>
-                      <a:r>
-                        <a:rPr lang="fr-FR" sz="1200" dirty="0">
-                          <a:effectLst/>
-                        </a:rPr>
-                        <a:t>Entre 1 et 2€ le composant</a:t>
-                      </a:r>
-                      <a:endParaRPr lang="fr-FR" sz="1200" dirty="0">
-                        <a:effectLst/>
-                        <a:latin typeface="Calibri" panose="020F0502020204030204" pitchFamily="34" charset="0"/>
-                        <a:ea typeface="Times New Roman" panose="02020603050405020304" pitchFamily="18" charset="0"/>
-                        <a:cs typeface="Times New Roman" panose="02020603050405020304" pitchFamily="18" charset="0"/>
-                      </a:endParaRPr>
-                    </a:p>
-                  </a:txBody>
-                  <a:tcPr marL="0" marR="0" marT="0" marB="0" anchor="ctr">
-                    <a:solidFill>
-                      <a:srgbClr val="92D050"/>
-                    </a:solidFill>
-                  </a:tcPr>
-                </a:tc>
-                <a:tc>
-                  <a:txBody>
-                    <a:bodyPr/>
-                    <a:lstStyle/>
-                    <a:p>
-                      <a:pPr algn="ctr" fontAlgn="base">
-                        <a:lnSpc>
-                          <a:spcPts val="1800"/>
-                        </a:lnSpc>
-                        <a:spcAft>
-                          <a:spcPts val="0"/>
-                        </a:spcAft>
-                      </a:pPr>
-                      <a:r>
-                        <a:rPr lang="fr-FR" sz="1200" dirty="0">
-                          <a:effectLst/>
-                        </a:rPr>
-                        <a:t>Plus de 3€</a:t>
-                      </a:r>
-                      <a:endParaRPr lang="fr-FR" sz="1200" dirty="0">
-                        <a:effectLst/>
-                        <a:latin typeface="Calibri" panose="020F0502020204030204" pitchFamily="34" charset="0"/>
-                        <a:ea typeface="Times New Roman" panose="02020603050405020304" pitchFamily="18" charset="0"/>
-                        <a:cs typeface="Times New Roman" panose="02020603050405020304" pitchFamily="18" charset="0"/>
-                      </a:endParaRPr>
-                    </a:p>
-                  </a:txBody>
-                  <a:tcPr marL="0" marR="0" marT="0" marB="0" anchor="ctr">
-                    <a:solidFill>
-                      <a:srgbClr val="FFC000"/>
-                    </a:solidFill>
-                  </a:tcPr>
-                </a:tc>
-                <a:tc>
-                  <a:txBody>
-                    <a:bodyPr/>
-                    <a:lstStyle/>
-                    <a:p>
-                      <a:pPr algn="ctr" fontAlgn="base">
-                        <a:lnSpc>
-                          <a:spcPts val="1800"/>
-                        </a:lnSpc>
-                        <a:spcAft>
-                          <a:spcPts val="0"/>
-                        </a:spcAft>
-                      </a:pPr>
-                      <a:r>
-                        <a:rPr lang="fr-FR" sz="1200" dirty="0">
-                          <a:effectLst/>
-                        </a:rPr>
-                        <a:t>NMOS : 4*0.266€</a:t>
-                      </a:r>
-                    </a:p>
-                    <a:p>
-                      <a:pPr algn="ctr" fontAlgn="base">
-                        <a:lnSpc>
-                          <a:spcPts val="1800"/>
-                        </a:lnSpc>
-                        <a:spcAft>
-                          <a:spcPts val="0"/>
-                        </a:spcAft>
-                      </a:pPr>
-                      <a:r>
-                        <a:rPr lang="fr-FR" sz="1200" dirty="0">
-                          <a:effectLst/>
-                        </a:rPr>
-                        <a:t> </a:t>
-                      </a:r>
-                    </a:p>
-                    <a:p>
-                      <a:pPr algn="ctr" fontAlgn="base">
-                        <a:lnSpc>
-                          <a:spcPts val="1800"/>
-                        </a:lnSpc>
-                        <a:spcAft>
-                          <a:spcPts val="0"/>
-                        </a:spcAft>
-                      </a:pPr>
-                      <a:r>
-                        <a:rPr lang="fr-FR" sz="1200" dirty="0">
-                          <a:effectLst/>
-                        </a:rPr>
-                        <a:t>Driver: 4*0.243€</a:t>
-                      </a:r>
-                    </a:p>
-                    <a:p>
-                      <a:pPr algn="ctr" fontAlgn="base">
-                        <a:lnSpc>
-                          <a:spcPts val="1800"/>
-                        </a:lnSpc>
-                        <a:spcAft>
-                          <a:spcPts val="0"/>
-                        </a:spcAft>
-                      </a:pPr>
-                      <a:r>
-                        <a:rPr lang="fr-FR" sz="1200" dirty="0">
-                          <a:effectLst/>
-                        </a:rPr>
-                        <a:t> </a:t>
-                      </a:r>
-                    </a:p>
-                    <a:p>
-                      <a:pPr algn="ctr" fontAlgn="base">
-                        <a:lnSpc>
-                          <a:spcPts val="1800"/>
-                        </a:lnSpc>
-                        <a:spcAft>
-                          <a:spcPts val="0"/>
-                        </a:spcAft>
-                      </a:pPr>
-                      <a:r>
-                        <a:rPr lang="fr-FR" sz="1200" dirty="0">
-                          <a:effectLst/>
-                        </a:rPr>
-                        <a:t>Total=2.036€</a:t>
-                      </a:r>
-                      <a:endParaRPr lang="fr-FR" sz="1200" dirty="0">
-                        <a:effectLst/>
-                        <a:latin typeface="Calibri" panose="020F0502020204030204" pitchFamily="34" charset="0"/>
-                        <a:ea typeface="Times New Roman" panose="02020603050405020304" pitchFamily="18" charset="0"/>
-                        <a:cs typeface="Times New Roman" panose="02020603050405020304" pitchFamily="18" charset="0"/>
-                      </a:endParaRPr>
-                    </a:p>
-                  </a:txBody>
-                  <a:tcPr marL="0" marR="0" marT="0" marB="0" anchor="ctr">
-                    <a:solidFill>
-                      <a:srgbClr val="FFFF00"/>
-                    </a:solidFill>
-                  </a:tcPr>
-                </a:tc>
-                <a:extLst>
-                  <a:ext uri="{0D108BD9-81ED-4DB2-BD59-A6C34878D82A}">
-                    <a16:rowId xmlns:a16="http://schemas.microsoft.com/office/drawing/2014/main" val="1933834363"/>
-                  </a:ext>
-                </a:extLst>
-              </a:tr>
-              <a:tr h="235461">
-                <a:tc>
-                  <a:txBody>
-                    <a:bodyPr/>
-                    <a:lstStyle/>
-                    <a:p>
-                      <a:pPr algn="ctr" fontAlgn="base">
-                        <a:lnSpc>
-                          <a:spcPts val="1800"/>
-                        </a:lnSpc>
-                        <a:spcAft>
-                          <a:spcPts val="0"/>
-                        </a:spcAft>
-                      </a:pPr>
-                      <a:r>
-                        <a:rPr lang="fr-FR" sz="1400" dirty="0">
-                          <a:effectLst/>
-                        </a:rPr>
-                        <a:t>Disponibilité</a:t>
-                      </a:r>
-                      <a:endParaRPr lang="fr-FR" sz="1200" dirty="0">
-                        <a:effectLst/>
-                        <a:latin typeface="Calibri" panose="020F0502020204030204" pitchFamily="34" charset="0"/>
-                        <a:ea typeface="Times New Roman" panose="02020603050405020304" pitchFamily="18" charset="0"/>
-                        <a:cs typeface="Times New Roman" panose="02020603050405020304" pitchFamily="18" charset="0"/>
-                      </a:endParaRPr>
-                    </a:p>
-                  </a:txBody>
-                  <a:tcPr marL="0" marR="0" marT="0" marB="0" anchor="ctr"/>
-                </a:tc>
-                <a:tc>
-                  <a:txBody>
-                    <a:bodyPr/>
-                    <a:lstStyle/>
-                    <a:p>
-                      <a:pPr algn="l">
-                        <a:lnSpc>
-                          <a:spcPct val="115000"/>
-                        </a:lnSpc>
-                      </a:pPr>
-                      <a:endParaRPr lang="fr-FR" sz="1100" dirty="0">
-                        <a:effectLst/>
-                        <a:latin typeface="Calibri" panose="020F0502020204030204" pitchFamily="34" charset="0"/>
-                        <a:cs typeface="Times New Roman" panose="02020603050405020304" pitchFamily="18" charset="0"/>
-                      </a:endParaRPr>
-                    </a:p>
-                  </a:txBody>
-                  <a:tcPr marL="0" marR="0" marT="0" marB="0" anchor="ctr">
-                    <a:solidFill>
-                      <a:srgbClr val="FFFF00"/>
-                    </a:solidFill>
-                  </a:tcPr>
-                </a:tc>
-                <a:tc>
-                  <a:txBody>
-                    <a:bodyPr/>
-                    <a:lstStyle/>
-                    <a:p>
-                      <a:pPr algn="ctr" fontAlgn="base">
-                        <a:lnSpc>
-                          <a:spcPts val="1800"/>
-                        </a:lnSpc>
-                        <a:spcAft>
-                          <a:spcPts val="0"/>
-                        </a:spcAft>
-                      </a:pPr>
-                      <a:r>
-                        <a:rPr lang="fr-FR" sz="1200" dirty="0">
-                          <a:effectLst/>
-                        </a:rPr>
-                        <a:t> </a:t>
-                      </a:r>
-                      <a:endParaRPr lang="fr-FR" sz="1200" dirty="0">
-                        <a:effectLst/>
-                        <a:latin typeface="Calibri" panose="020F0502020204030204" pitchFamily="34" charset="0"/>
-                        <a:ea typeface="Times New Roman" panose="02020603050405020304" pitchFamily="18" charset="0"/>
-                        <a:cs typeface="Times New Roman" panose="02020603050405020304" pitchFamily="18" charset="0"/>
-                      </a:endParaRPr>
-                    </a:p>
-                  </a:txBody>
-                  <a:tcPr marL="0" marR="0" marT="0" marB="0" anchor="ctr">
-                    <a:solidFill>
-                      <a:srgbClr val="FFC000"/>
-                    </a:solidFill>
-                  </a:tcPr>
-                </a:tc>
-                <a:tc>
-                  <a:txBody>
-                    <a:bodyPr/>
-                    <a:lstStyle/>
-                    <a:p>
-                      <a:pPr algn="l">
-                        <a:lnSpc>
-                          <a:spcPct val="115000"/>
-                        </a:lnSpc>
-                      </a:pPr>
-                      <a:endParaRPr lang="fr-FR" sz="1100" dirty="0">
-                        <a:effectLst/>
-                        <a:latin typeface="Calibri" panose="020F0502020204030204" pitchFamily="34" charset="0"/>
-                        <a:cs typeface="Times New Roman" panose="02020603050405020304" pitchFamily="18" charset="0"/>
-                      </a:endParaRPr>
-                    </a:p>
-                  </a:txBody>
-                  <a:tcPr marL="0" marR="0" marT="0" marB="0" anchor="ctr">
-                    <a:solidFill>
-                      <a:srgbClr val="92D050"/>
-                    </a:solidFill>
-                  </a:tcPr>
-                </a:tc>
-                <a:extLst>
-                  <a:ext uri="{0D108BD9-81ED-4DB2-BD59-A6C34878D82A}">
-                    <a16:rowId xmlns:a16="http://schemas.microsoft.com/office/drawing/2014/main" val="502034831"/>
-                  </a:ext>
-                </a:extLst>
-              </a:tr>
-            </a:tbl>
-          </a:graphicData>
-        </a:graphic>
-      </p:graphicFrame>
-      <p:pic>
-        <p:nvPicPr>
-          <p:cNvPr id="16" name="Image 15"/>
-          <p:cNvPicPr>
-            <a:picLocks noChangeAspect="1"/>
-          </p:cNvPicPr>
-          <p:nvPr/>
-        </p:nvPicPr>
-        <p:blipFill>
-          <a:blip r:embed="rId2" cstate="print">
-            <a:extLst>
-              <a:ext uri="{28A0092B-C50C-407E-A947-70E740481C1C}">
-                <a14:useLocalDpi xmlns:a14="http://schemas.microsoft.com/office/drawing/2010/main" val="0"/>
-              </a:ext>
-            </a:extLst>
-          </a:blip>
-          <a:stretch>
-            <a:fillRect/>
-          </a:stretch>
-        </p:blipFill>
-        <p:spPr>
-          <a:xfrm>
-            <a:off x="3707904" y="1052736"/>
-            <a:ext cx="1512168" cy="850595"/>
-          </a:xfrm>
-          <a:prstGeom prst="rect">
-            <a:avLst/>
-          </a:prstGeom>
-        </p:spPr>
-      </p:pic>
-      <p:sp>
-        <p:nvSpPr>
-          <p:cNvPr id="17" name="ZoneTexte 16"/>
-          <p:cNvSpPr txBox="1"/>
-          <p:nvPr/>
-        </p:nvSpPr>
-        <p:spPr>
-          <a:xfrm>
-            <a:off x="107504" y="6447133"/>
-            <a:ext cx="301686" cy="369332"/>
-          </a:xfrm>
-          <a:prstGeom prst="rect">
-            <a:avLst/>
-          </a:prstGeom>
-          <a:noFill/>
-        </p:spPr>
-        <p:txBody>
-          <a:bodyPr wrap="none" rtlCol="0">
-            <a:spAutoFit/>
-          </a:bodyPr>
-          <a:lstStyle/>
-          <a:p>
-            <a:r>
-              <a:rPr lang="fr-FR" dirty="0"/>
-              <a:t>8</a:t>
-            </a:r>
-            <a:endParaRPr lang="fr-FR" dirty="0"/>
-          </a:p>
-        </p:txBody>
-      </p:sp>
-    </p:spTree>
-    <p:extLst>
-      <p:ext uri="{BB962C8B-B14F-4D97-AF65-F5344CB8AC3E}">
-        <p14:creationId xmlns:p14="http://schemas.microsoft.com/office/powerpoint/2010/main" val="2856400760"/>
-      </p:ext>
-    </p:extLst>
-  </p:cSld>
-  <p:clrMapOvr>
-    <a:masterClrMapping/>
-  </p:clrMapOvr>
-  <p:transition spd="med">
-    <p:pull/>
-  </p:transition>
-  <p:timing>
-    <p:tnLst>
-      <p:par>
-        <p:cTn id="1" dur="indefinite" restart="never" nodeType="tmRoot">
-          <p:childTnLst>
-            <p:seq concurrent="1" nextAc="seek">
-              <p:cTn id="2" dur="indefinite" nodeType="mainSeq">
-                <p:childTnLst>
-                  <p:par>
-                    <p:cTn id="3" fill="hold">
-                      <p:stCondLst>
-                        <p:cond delay="indefinite"/>
-                      </p:stCondLst>
-                      <p:childTnLst>
-                        <p:par>
-                          <p:cTn id="4" fill="hold">
-                            <p:stCondLst>
-                              <p:cond delay="0"/>
-                            </p:stCondLst>
-                            <p:childTnLst>
-                              <p:par>
-                                <p:cTn id="5" presetID="0" presetClass="path" presetSubtype="0" accel="50000" decel="50000" fill="hold" nodeType="clickEffect">
-                                  <p:stCondLst>
-                                    <p:cond delay="0"/>
-                                  </p:stCondLst>
-                                  <p:childTnLst>
-                                    <p:animMotion origin="layout" path="M -6.94444E-6 3.7037E-7 C -0.00035 0.03333 -0.00053 0.06667 -0.0007 0.1 " pathEditMode="relative" ptsTypes="AA">
-                                      <p:cBhvr>
-                                        <p:cTn id="6" dur="1000" fill="hold"/>
-                                        <p:tgtEl>
-                                          <p:spTgt spid="13"/>
-                                        </p:tgtEl>
-                                        <p:attrNameLst>
-                                          <p:attrName>ppt_x</p:attrName>
-                                          <p:attrName>ppt_y</p:attrName>
-                                        </p:attrNameLst>
-                                      </p:cBhvr>
-                                    </p:animMotion>
-                                  </p:childTnLst>
-                                </p:cTn>
-                              </p:par>
-                            </p:childTnLst>
-                          </p:cTn>
-                        </p:par>
-                        <p:par>
-                          <p:cTn id="7" fill="hold">
-                            <p:stCondLst>
-                              <p:cond delay="1000"/>
-                            </p:stCondLst>
-                            <p:childTnLst>
-                              <p:par>
-                                <p:cTn id="8" presetID="10" presetClass="entr" presetSubtype="0" fill="hold" nodeType="afterEffect">
-                                  <p:stCondLst>
-                                    <p:cond delay="0"/>
-                                  </p:stCondLst>
-                                  <p:childTnLst>
-                                    <p:set>
-                                      <p:cBhvr>
-                                        <p:cTn id="9" dur="1" fill="hold">
-                                          <p:stCondLst>
-                                            <p:cond delay="0"/>
-                                          </p:stCondLst>
-                                        </p:cTn>
-                                        <p:tgtEl>
-                                          <p:spTgt spid="16"/>
-                                        </p:tgtEl>
-                                        <p:attrNameLst>
-                                          <p:attrName>style.visibility</p:attrName>
-                                        </p:attrNameLst>
-                                      </p:cBhvr>
-                                      <p:to>
-                                        <p:strVal val="visible"/>
-                                      </p:to>
-                                    </p:set>
-                                    <p:animEffect transition="in" filter="fade">
-                                      <p:cBhvr>
-                                        <p:cTn id="10" dur="500"/>
-                                        <p:tgtEl>
-                                          <p:spTgt spid="16"/>
-                                        </p:tgtEl>
-                                      </p:cBhvr>
-                                    </p:animEffect>
-                                  </p:childTnLst>
-                                </p:cTn>
-                              </p:par>
-                            </p:childTnLst>
-                          </p:cTn>
-                        </p:par>
-                      </p:childTnLst>
-                    </p:cTn>
-                  </p:par>
-                </p:childTnLst>
-              </p:cTn>
-              <p:prevCondLst>
-                <p:cond evt="onPrev" delay="0">
-                  <p:tgtEl>
-                    <p:sldTgt/>
-                  </p:tgtEl>
-                </p:cond>
-              </p:prevCondLst>
-              <p:nextCondLst>
-                <p:cond evt="onNext" delay="0">
-                  <p:tgtEl>
-                    <p:sldTgt/>
-                  </p:tgtEl>
-                </p:cond>
-              </p:nextCondLst>
-            </p:seq>
-          </p:childTnLst>
-        </p:cTn>
       </p:par>
     </p:tnLst>
   </p:timing>

--- a/Diapo_soutenance_anim.pptx
+++ b/Diapo_soutenance_anim.pptx
@@ -12107,7 +12107,7 @@
         </p:blipFill>
         <p:spPr>
           <a:xfrm>
-            <a:off x="399318" y="1088466"/>
+            <a:off x="377218" y="1412776"/>
             <a:ext cx="8208912" cy="4659892"/>
           </a:xfrm>
           <a:prstGeom prst="rect">
@@ -12229,7 +12229,7 @@
         </p:blipFill>
         <p:spPr>
           <a:xfrm>
-            <a:off x="356226" y="1088466"/>
+            <a:off x="356773" y="1219715"/>
             <a:ext cx="8249801" cy="5163271"/>
           </a:xfrm>
           <a:prstGeom prst="rect">
@@ -12259,7 +12259,7 @@
         </p:blipFill>
         <p:spPr>
           <a:xfrm>
-            <a:off x="3563888" y="893070"/>
+            <a:off x="3563888" y="680271"/>
             <a:ext cx="2261007" cy="849762"/>
           </a:xfrm>
           <a:prstGeom prst="rect">
@@ -12314,7 +12314,7 @@
                                           </p:stCondLst>
                                         </p:cTn>
                                         <p:tgtEl>
-                                          <p:spTgt spid="12"/>
+                                          <p:spTgt spid="10"/>
                                         </p:tgtEl>
                                         <p:attrNameLst>
                                           <p:attrName>style.visibility</p:attrName>
@@ -12328,7 +12328,7 @@
                                       <p:cBhvr>
                                         <p:cTn id="7" dur="500"/>
                                         <p:tgtEl>
-                                          <p:spTgt spid="12"/>
+                                          <p:spTgt spid="10"/>
                                         </p:tgtEl>
                                       </p:cBhvr>
                                     </p:animEffect>
@@ -12349,7 +12349,7 @@
                                           </p:stCondLst>
                                         </p:cTn>
                                         <p:tgtEl>
-                                          <p:spTgt spid="10"/>
+                                          <p:spTgt spid="13"/>
                                         </p:tgtEl>
                                         <p:attrNameLst>
                                           <p:attrName>style.visibility</p:attrName>
@@ -12376,7 +12376,7 @@
                                           </p:stCondLst>
                                         </p:cTn>
                                         <p:tgtEl>
-                                          <p:spTgt spid="13"/>
+                                          <p:spTgt spid="12"/>
                                         </p:tgtEl>
                                         <p:attrNameLst>
                                           <p:attrName>style.visibility</p:attrName>
